--- a/2.MGCLIP.pptx
+++ b/2.MGCLIP.pptx
@@ -24,14 +24,18 @@
     <p:sldId id="284" r:id="rId18"/>
     <p:sldId id="285" r:id="rId19"/>
     <p:sldId id="286" r:id="rId20"/>
-    <p:sldId id="269" r:id="rId21"/>
-    <p:sldId id="277" r:id="rId22"/>
-    <p:sldId id="276" r:id="rId23"/>
-    <p:sldId id="266" r:id="rId24"/>
-    <p:sldId id="267" r:id="rId25"/>
-    <p:sldId id="268" r:id="rId26"/>
-    <p:sldId id="280" r:id="rId27"/>
-    <p:sldId id="278" r:id="rId28"/>
+    <p:sldId id="289" r:id="rId21"/>
+    <p:sldId id="288" r:id="rId22"/>
+    <p:sldId id="287" r:id="rId23"/>
+    <p:sldId id="290" r:id="rId24"/>
+    <p:sldId id="269" r:id="rId25"/>
+    <p:sldId id="277" r:id="rId26"/>
+    <p:sldId id="276" r:id="rId27"/>
+    <p:sldId id="266" r:id="rId28"/>
+    <p:sldId id="267" r:id="rId29"/>
+    <p:sldId id="268" r:id="rId30"/>
+    <p:sldId id="280" r:id="rId31"/>
+    <p:sldId id="278" r:id="rId32"/>
   </p:sldIdLst>
   <p:sldSz cx="12192000" cy="6858000"/>
   <p:notesSz cx="6858000" cy="9144000"/>
@@ -285,7 +289,7 @@
           <a:p>
             <a:fld id="{1C5B83AE-706E-4415-9B2A-247D6A915293}" type="datetimeFigureOut">
               <a:rPr lang="zh-CN" altLang="en-US" smtClean="0"/>
-              <a:t>2025/8/22</a:t>
+              <a:t>2025/9/21</a:t>
             </a:fld>
             <a:endParaRPr lang="zh-CN" altLang="en-US"/>
           </a:p>
@@ -483,7 +487,7 @@
           <a:p>
             <a:fld id="{1C5B83AE-706E-4415-9B2A-247D6A915293}" type="datetimeFigureOut">
               <a:rPr lang="zh-CN" altLang="en-US" smtClean="0"/>
-              <a:t>2025/8/22</a:t>
+              <a:t>2025/9/21</a:t>
             </a:fld>
             <a:endParaRPr lang="zh-CN" altLang="en-US"/>
           </a:p>
@@ -691,7 +695,7 @@
           <a:p>
             <a:fld id="{1C5B83AE-706E-4415-9B2A-247D6A915293}" type="datetimeFigureOut">
               <a:rPr lang="zh-CN" altLang="en-US" smtClean="0"/>
-              <a:t>2025/8/22</a:t>
+              <a:t>2025/9/21</a:t>
             </a:fld>
             <a:endParaRPr lang="zh-CN" altLang="en-US"/>
           </a:p>
@@ -889,7 +893,7 @@
           <a:p>
             <a:fld id="{1C5B83AE-706E-4415-9B2A-247D6A915293}" type="datetimeFigureOut">
               <a:rPr lang="zh-CN" altLang="en-US" smtClean="0"/>
-              <a:t>2025/8/22</a:t>
+              <a:t>2025/9/21</a:t>
             </a:fld>
             <a:endParaRPr lang="zh-CN" altLang="en-US"/>
           </a:p>
@@ -1164,7 +1168,7 @@
           <a:p>
             <a:fld id="{1C5B83AE-706E-4415-9B2A-247D6A915293}" type="datetimeFigureOut">
               <a:rPr lang="zh-CN" altLang="en-US" smtClean="0"/>
-              <a:t>2025/8/22</a:t>
+              <a:t>2025/9/21</a:t>
             </a:fld>
             <a:endParaRPr lang="zh-CN" altLang="en-US"/>
           </a:p>
@@ -1429,7 +1433,7 @@
           <a:p>
             <a:fld id="{1C5B83AE-706E-4415-9B2A-247D6A915293}" type="datetimeFigureOut">
               <a:rPr lang="zh-CN" altLang="en-US" smtClean="0"/>
-              <a:t>2025/8/22</a:t>
+              <a:t>2025/9/21</a:t>
             </a:fld>
             <a:endParaRPr lang="zh-CN" altLang="en-US"/>
           </a:p>
@@ -1841,7 +1845,7 @@
           <a:p>
             <a:fld id="{1C5B83AE-706E-4415-9B2A-247D6A915293}" type="datetimeFigureOut">
               <a:rPr lang="zh-CN" altLang="en-US" smtClean="0"/>
-              <a:t>2025/8/22</a:t>
+              <a:t>2025/9/21</a:t>
             </a:fld>
             <a:endParaRPr lang="zh-CN" altLang="en-US"/>
           </a:p>
@@ -1982,7 +1986,7 @@
           <a:p>
             <a:fld id="{1C5B83AE-706E-4415-9B2A-247D6A915293}" type="datetimeFigureOut">
               <a:rPr lang="zh-CN" altLang="en-US" smtClean="0"/>
-              <a:t>2025/8/22</a:t>
+              <a:t>2025/9/21</a:t>
             </a:fld>
             <a:endParaRPr lang="zh-CN" altLang="en-US"/>
           </a:p>
@@ -2095,7 +2099,7 @@
           <a:p>
             <a:fld id="{1C5B83AE-706E-4415-9B2A-247D6A915293}" type="datetimeFigureOut">
               <a:rPr lang="zh-CN" altLang="en-US" smtClean="0"/>
-              <a:t>2025/8/22</a:t>
+              <a:t>2025/9/21</a:t>
             </a:fld>
             <a:endParaRPr lang="zh-CN" altLang="en-US"/>
           </a:p>
@@ -2406,7 +2410,7 @@
           <a:p>
             <a:fld id="{1C5B83AE-706E-4415-9B2A-247D6A915293}" type="datetimeFigureOut">
               <a:rPr lang="zh-CN" altLang="en-US" smtClean="0"/>
-              <a:t>2025/8/22</a:t>
+              <a:t>2025/9/21</a:t>
             </a:fld>
             <a:endParaRPr lang="zh-CN" altLang="en-US"/>
           </a:p>
@@ -2694,7 +2698,7 @@
           <a:p>
             <a:fld id="{1C5B83AE-706E-4415-9B2A-247D6A915293}" type="datetimeFigureOut">
               <a:rPr lang="zh-CN" altLang="en-US" smtClean="0"/>
-              <a:t>2025/8/22</a:t>
+              <a:t>2025/9/21</a:t>
             </a:fld>
             <a:endParaRPr lang="zh-CN" altLang="en-US"/>
           </a:p>
@@ -2935,7 +2939,7 @@
           <a:p>
             <a:fld id="{1C5B83AE-706E-4415-9B2A-247D6A915293}" type="datetimeFigureOut">
               <a:rPr lang="zh-CN" altLang="en-US" smtClean="0"/>
-              <a:t>2025/8/22</a:t>
+              <a:t>2025/9/21</a:t>
             </a:fld>
             <a:endParaRPr lang="zh-CN" altLang="en-US"/>
           </a:p>
@@ -3646,8 +3650,8 @@
           </a:p>
         </p:txBody>
       </p:sp>
-      <mc:AlternateContent xmlns:mc="http://schemas.openxmlformats.org/markup-compatibility/2006">
-        <mc:Choice xmlns:a14="http://schemas.microsoft.com/office/drawing/2010/main" Requires="a14">
+      <mc:AlternateContent xmlns:mc="http://schemas.openxmlformats.org/markup-compatibility/2006" xmlns:a14="http://schemas.microsoft.com/office/drawing/2010/main">
+        <mc:Choice Requires="a14">
           <p:sp>
             <p:nvSpPr>
               <p:cNvPr id="9" name="文本框 8">
@@ -3676,6 +3680,7 @@
               </a:bodyPr>
               <a:lstStyle/>
               <a:p>
+                <a:pPr/>
                 <a14:m>
                   <m:oMathPara xmlns:m="http://schemas.openxmlformats.org/officeDocument/2006/math">
                     <m:oMathParaPr>
@@ -4011,7 +4016,7 @@
             </p:txBody>
           </p:sp>
         </mc:Choice>
-        <mc:Fallback>
+        <mc:Fallback xmlns="">
           <p:sp>
             <p:nvSpPr>
               <p:cNvPr id="9" name="文本框 8">
@@ -4056,8 +4061,8 @@
           </p:sp>
         </mc:Fallback>
       </mc:AlternateContent>
-      <mc:AlternateContent xmlns:mc="http://schemas.openxmlformats.org/markup-compatibility/2006">
-        <mc:Choice xmlns:a14="http://schemas.microsoft.com/office/drawing/2010/main" Requires="a14">
+      <mc:AlternateContent xmlns:mc="http://schemas.openxmlformats.org/markup-compatibility/2006" xmlns:a14="http://schemas.microsoft.com/office/drawing/2010/main">
+        <mc:Choice Requires="a14">
           <p:sp>
             <p:nvSpPr>
               <p:cNvPr id="11" name="文本框 10">
@@ -4305,7 +4310,7 @@
             </p:txBody>
           </p:sp>
         </mc:Choice>
-        <mc:Fallback>
+        <mc:Fallback xmlns="">
           <p:sp>
             <p:nvSpPr>
               <p:cNvPr id="11" name="文本框 10">
@@ -4390,8 +4395,8 @@
               <a:chExt cx="10150664" cy="477888"/>
             </a:xfrm>
           </p:grpSpPr>
-          <mc:AlternateContent xmlns:mc="http://schemas.openxmlformats.org/markup-compatibility/2006">
-            <mc:Choice xmlns:a14="http://schemas.microsoft.com/office/drawing/2010/main" Requires="a14">
+          <mc:AlternateContent xmlns:mc="http://schemas.openxmlformats.org/markup-compatibility/2006" xmlns:a14="http://schemas.microsoft.com/office/drawing/2010/main">
+            <mc:Choice Requires="a14">
               <p:sp>
                 <p:nvSpPr>
                   <p:cNvPr id="10" name="文本框 9">
@@ -4420,6 +4425,7 @@
                   </a:bodyPr>
                   <a:lstStyle/>
                   <a:p>
+                    <a:pPr/>
                     <a14:m>
                       <m:oMathPara xmlns:m="http://schemas.openxmlformats.org/officeDocument/2006/math">
                         <m:oMathParaPr>
@@ -4853,14 +4859,7 @@
                               <a:latin typeface="Cambria Math" panose="02040503050406030204" pitchFamily="18" charset="0"/>
                               <a:ea typeface="仿宋" panose="02010609060101010101" pitchFamily="49" charset="-122"/>
                             </a:rPr>
-                            <m:t>  </m:t>
-                          </m:r>
-                          <m:r>
-                            <a:rPr lang="en-US" altLang="zh-CN" sz="2400" b="0" i="1" smtClean="0">
-                              <a:latin typeface="Cambria Math" panose="02040503050406030204" pitchFamily="18" charset="0"/>
-                              <a:ea typeface="仿宋" panose="02010609060101010101" pitchFamily="49" charset="-122"/>
-                            </a:rPr>
-                            <m:t>[</m:t>
+                            <m:t>  [</m:t>
                           </m:r>
                           <m:r>
                             <a:rPr lang="en-US" altLang="zh-CN" sz="2400" b="0" i="1" smtClean="0">
@@ -4887,7 +4886,7 @@
                 </p:txBody>
               </p:sp>
             </mc:Choice>
-            <mc:Fallback>
+            <mc:Fallback xmlns="">
               <p:sp>
                 <p:nvSpPr>
                   <p:cNvPr id="10" name="文本框 9">
@@ -5362,8 +5361,8 @@
           </a:p>
         </p:txBody>
       </p:sp>
-      <mc:AlternateContent xmlns:mc="http://schemas.openxmlformats.org/markup-compatibility/2006">
-        <mc:Choice xmlns:a14="http://schemas.microsoft.com/office/drawing/2010/main" Requires="a14">
+      <mc:AlternateContent xmlns:mc="http://schemas.openxmlformats.org/markup-compatibility/2006" xmlns:a14="http://schemas.microsoft.com/office/drawing/2010/main">
+        <mc:Choice Requires="a14">
           <p:sp>
             <p:nvSpPr>
               <p:cNvPr id="9" name="文本框 8">
@@ -5392,6 +5391,7 @@
               </a:bodyPr>
               <a:lstStyle/>
               <a:p>
+                <a:pPr/>
                 <a14:m>
                   <m:oMathPara xmlns:m="http://schemas.openxmlformats.org/officeDocument/2006/math">
                     <m:oMathParaPr>
@@ -5535,7 +5535,7 @@
             </p:txBody>
           </p:sp>
         </mc:Choice>
-        <mc:Fallback>
+        <mc:Fallback xmlns="">
           <p:sp>
             <p:nvSpPr>
               <p:cNvPr id="9" name="文本框 8">
@@ -5580,8 +5580,8 @@
           </p:sp>
         </mc:Fallback>
       </mc:AlternateContent>
-      <mc:AlternateContent xmlns:mc="http://schemas.openxmlformats.org/markup-compatibility/2006">
-        <mc:Choice xmlns:a14="http://schemas.microsoft.com/office/drawing/2010/main" Requires="a14">
+      <mc:AlternateContent xmlns:mc="http://schemas.openxmlformats.org/markup-compatibility/2006" xmlns:a14="http://schemas.microsoft.com/office/drawing/2010/main">
+        <mc:Choice Requires="a14">
           <p:sp>
             <p:nvSpPr>
               <p:cNvPr id="11" name="文本框 10">
@@ -5785,7 +5785,7 @@
             </p:txBody>
           </p:sp>
         </mc:Choice>
-        <mc:Fallback>
+        <mc:Fallback xmlns="">
           <p:sp>
             <p:nvSpPr>
               <p:cNvPr id="11" name="文本框 10">
@@ -5830,8 +5830,8 @@
           </p:sp>
         </mc:Fallback>
       </mc:AlternateContent>
-      <mc:AlternateContent xmlns:mc="http://schemas.openxmlformats.org/markup-compatibility/2006">
-        <mc:Choice xmlns:a14="http://schemas.microsoft.com/office/drawing/2010/main" Requires="a14">
+      <mc:AlternateContent xmlns:mc="http://schemas.openxmlformats.org/markup-compatibility/2006" xmlns:a14="http://schemas.microsoft.com/office/drawing/2010/main">
+        <mc:Choice Requires="a14">
           <p:sp>
             <p:nvSpPr>
               <p:cNvPr id="10" name="文本框 9">
@@ -5860,6 +5860,7 @@
               </a:bodyPr>
               <a:lstStyle/>
               <a:p>
+                <a:pPr/>
                 <a14:m>
                   <m:oMathPara xmlns:m="http://schemas.openxmlformats.org/officeDocument/2006/math">
                     <m:oMathParaPr>
@@ -6003,7 +6004,7 @@
             </p:txBody>
           </p:sp>
         </mc:Choice>
-        <mc:Fallback>
+        <mc:Fallback xmlns="">
           <p:sp>
             <p:nvSpPr>
               <p:cNvPr id="10" name="文本框 9">
@@ -6300,8 +6301,8 @@
           </a:p>
         </p:txBody>
       </p:sp>
-      <mc:AlternateContent xmlns:mc="http://schemas.openxmlformats.org/markup-compatibility/2006">
-        <mc:Choice xmlns:a14="http://schemas.microsoft.com/office/drawing/2010/main" Requires="a14">
+      <mc:AlternateContent xmlns:mc="http://schemas.openxmlformats.org/markup-compatibility/2006" xmlns:a14="http://schemas.microsoft.com/office/drawing/2010/main">
+        <mc:Choice Requires="a14">
           <p:sp>
             <p:nvSpPr>
               <p:cNvPr id="4" name="文本框 3">
@@ -6658,6 +6659,7 @@
                 </a:endParaRPr>
               </a:p>
               <a:p>
+                <a:pPr/>
                 <a14:m>
                   <m:oMathPara xmlns:m="http://schemas.openxmlformats.org/officeDocument/2006/math">
                     <m:oMathParaPr>
@@ -6850,7 +6852,7 @@
             </p:txBody>
           </p:sp>
         </mc:Choice>
-        <mc:Fallback>
+        <mc:Fallback xmlns="">
           <p:sp>
             <p:nvSpPr>
               <p:cNvPr id="4" name="文本框 3">
@@ -6925,8 +6927,8 @@
           <a:chExt cx="0" cy="0"/>
         </a:xfrm>
       </p:grpSpPr>
-      <mc:AlternateContent xmlns:mc="http://schemas.openxmlformats.org/markup-compatibility/2006">
-        <mc:Choice xmlns:a14="http://schemas.microsoft.com/office/drawing/2010/main" Requires="a14">
+      <mc:AlternateContent xmlns:mc="http://schemas.openxmlformats.org/markup-compatibility/2006" xmlns:a14="http://schemas.microsoft.com/office/drawing/2010/main">
+        <mc:Choice Requires="a14">
           <p:sp>
             <p:nvSpPr>
               <p:cNvPr id="2" name="标题 1">
@@ -7005,7 +7007,7 @@
             </p:txBody>
           </p:sp>
         </mc:Choice>
-        <mc:Fallback>
+        <mc:Fallback xmlns="">
           <p:sp>
             <p:nvSpPr>
               <p:cNvPr id="2" name="标题 1">
@@ -7105,8 +7107,8 @@
           </a:p>
         </p:txBody>
       </p:sp>
-      <mc:AlternateContent xmlns:mc="http://schemas.openxmlformats.org/markup-compatibility/2006">
-        <mc:Choice xmlns:a14="http://schemas.microsoft.com/office/drawing/2010/main" Requires="a14">
+      <mc:AlternateContent xmlns:mc="http://schemas.openxmlformats.org/markup-compatibility/2006" xmlns:a14="http://schemas.microsoft.com/office/drawing/2010/main">
+        <mc:Choice Requires="a14">
           <p:sp>
             <p:nvSpPr>
               <p:cNvPr id="3" name="文本框 2">
@@ -7397,7 +7399,7 @@
             </p:txBody>
           </p:sp>
         </mc:Choice>
-        <mc:Fallback>
+        <mc:Fallback xmlns="">
           <p:sp>
             <p:nvSpPr>
               <p:cNvPr id="3" name="文本框 2">
@@ -7442,8 +7444,8 @@
           </p:sp>
         </mc:Fallback>
       </mc:AlternateContent>
-      <mc:AlternateContent xmlns:mc="http://schemas.openxmlformats.org/markup-compatibility/2006">
-        <mc:Choice xmlns:a14="http://schemas.microsoft.com/office/drawing/2010/main" Requires="a14">
+      <mc:AlternateContent xmlns:mc="http://schemas.openxmlformats.org/markup-compatibility/2006" xmlns:a14="http://schemas.microsoft.com/office/drawing/2010/main">
+        <mc:Choice Requires="a14">
           <p:sp>
             <p:nvSpPr>
               <p:cNvPr id="5" name="文本框 4">
@@ -7701,7 +7703,7 @@
             </p:txBody>
           </p:sp>
         </mc:Choice>
-        <mc:Fallback>
+        <mc:Fallback xmlns="">
           <p:sp>
             <p:nvSpPr>
               <p:cNvPr id="5" name="文本框 4">
@@ -7776,8 +7778,8 @@
           <a:chExt cx="0" cy="0"/>
         </a:xfrm>
       </p:grpSpPr>
-      <mc:AlternateContent xmlns:mc="http://schemas.openxmlformats.org/markup-compatibility/2006">
-        <mc:Choice xmlns:a14="http://schemas.microsoft.com/office/drawing/2010/main" Requires="a14">
+      <mc:AlternateContent xmlns:mc="http://schemas.openxmlformats.org/markup-compatibility/2006" xmlns:a14="http://schemas.microsoft.com/office/drawing/2010/main">
+        <mc:Choice Requires="a14">
           <p:sp>
             <p:nvSpPr>
               <p:cNvPr id="2" name="标题 1">
@@ -7856,7 +7858,7 @@
             </p:txBody>
           </p:sp>
         </mc:Choice>
-        <mc:Fallback>
+        <mc:Fallback xmlns="">
           <p:sp>
             <p:nvSpPr>
               <p:cNvPr id="2" name="标题 1">
@@ -7963,8 +7965,8 @@
           </a:p>
         </p:txBody>
       </p:sp>
-      <mc:AlternateContent xmlns:mc="http://schemas.openxmlformats.org/markup-compatibility/2006">
-        <mc:Choice xmlns:a14="http://schemas.microsoft.com/office/drawing/2010/main" Requires="a14">
+      <mc:AlternateContent xmlns:mc="http://schemas.openxmlformats.org/markup-compatibility/2006" xmlns:a14="http://schemas.microsoft.com/office/drawing/2010/main">
+        <mc:Choice Requires="a14">
           <p:sp>
             <p:nvSpPr>
               <p:cNvPr id="3" name="文本框 2">
@@ -8210,7 +8212,7 @@
             </p:txBody>
           </p:sp>
         </mc:Choice>
-        <mc:Fallback>
+        <mc:Fallback xmlns="">
           <p:sp>
             <p:nvSpPr>
               <p:cNvPr id="3" name="文本框 2">
@@ -8255,8 +8257,8 @@
           </p:sp>
         </mc:Fallback>
       </mc:AlternateContent>
-      <mc:AlternateContent xmlns:mc="http://schemas.openxmlformats.org/markup-compatibility/2006">
-        <mc:Choice xmlns:a14="http://schemas.microsoft.com/office/drawing/2010/main" Requires="a14">
+      <mc:AlternateContent xmlns:mc="http://schemas.openxmlformats.org/markup-compatibility/2006" xmlns:a14="http://schemas.microsoft.com/office/drawing/2010/main">
+        <mc:Choice Requires="a14">
           <p:sp>
             <p:nvSpPr>
               <p:cNvPr id="5" name="文本框 4">
@@ -8497,7 +8499,7 @@
             </p:txBody>
           </p:sp>
         </mc:Choice>
-        <mc:Fallback>
+        <mc:Fallback xmlns="">
           <p:sp>
             <p:nvSpPr>
               <p:cNvPr id="5" name="文本框 4">
@@ -8572,8 +8574,8 @@
           <a:chExt cx="0" cy="0"/>
         </a:xfrm>
       </p:grpSpPr>
-      <mc:AlternateContent xmlns:mc="http://schemas.openxmlformats.org/markup-compatibility/2006">
-        <mc:Choice xmlns:a14="http://schemas.microsoft.com/office/drawing/2010/main" Requires="a14">
+      <mc:AlternateContent xmlns:mc="http://schemas.openxmlformats.org/markup-compatibility/2006" xmlns:a14="http://schemas.microsoft.com/office/drawing/2010/main">
+        <mc:Choice Requires="a14">
           <p:sp>
             <p:nvSpPr>
               <p:cNvPr id="2" name="标题 1">
@@ -8691,7 +8693,7 @@
             </p:txBody>
           </p:sp>
         </mc:Choice>
-        <mc:Fallback>
+        <mc:Fallback xmlns="">
           <p:sp>
             <p:nvSpPr>
               <p:cNvPr id="2" name="标题 1">
@@ -8735,8 +8737,8 @@
           </p:sp>
         </mc:Fallback>
       </mc:AlternateContent>
-      <mc:AlternateContent xmlns:mc="http://schemas.openxmlformats.org/markup-compatibility/2006">
-        <mc:Choice xmlns:a14="http://schemas.microsoft.com/office/drawing/2010/main" Requires="a14">
+      <mc:AlternateContent xmlns:mc="http://schemas.openxmlformats.org/markup-compatibility/2006" xmlns:a14="http://schemas.microsoft.com/office/drawing/2010/main">
+        <mc:Choice Requires="a14">
           <p:sp>
             <p:nvSpPr>
               <p:cNvPr id="4" name="文本框 3">
@@ -8815,7 +8817,7 @@
             </p:txBody>
           </p:sp>
         </mc:Choice>
-        <mc:Fallback>
+        <mc:Fallback xmlns="">
           <p:sp>
             <p:nvSpPr>
               <p:cNvPr id="4" name="文本框 3">
@@ -8860,8 +8862,8 @@
           </p:sp>
         </mc:Fallback>
       </mc:AlternateContent>
-      <mc:AlternateContent xmlns:mc="http://schemas.openxmlformats.org/markup-compatibility/2006">
-        <mc:Choice xmlns:a14="http://schemas.microsoft.com/office/drawing/2010/main" Requires="a14">
+      <mc:AlternateContent xmlns:mc="http://schemas.openxmlformats.org/markup-compatibility/2006" xmlns:a14="http://schemas.microsoft.com/office/drawing/2010/main">
+        <mc:Choice Requires="a14">
           <p:sp>
             <p:nvSpPr>
               <p:cNvPr id="3" name="文本框 2">
@@ -8890,6 +8892,7 @@
               </a:bodyPr>
               <a:lstStyle/>
               <a:p>
+                <a:pPr/>
                 <a14:m>
                   <m:oMathPara xmlns:m="http://schemas.openxmlformats.org/officeDocument/2006/math">
                     <m:oMathParaPr>
@@ -9311,7 +9314,7 @@
             </p:txBody>
           </p:sp>
         </mc:Choice>
-        <mc:Fallback>
+        <mc:Fallback xmlns="">
           <p:sp>
             <p:nvSpPr>
               <p:cNvPr id="3" name="文本框 2">
@@ -9356,8 +9359,8 @@
           </p:sp>
         </mc:Fallback>
       </mc:AlternateContent>
-      <mc:AlternateContent xmlns:mc="http://schemas.openxmlformats.org/markup-compatibility/2006">
-        <mc:Choice xmlns:a14="http://schemas.microsoft.com/office/drawing/2010/main" Requires="a14">
+      <mc:AlternateContent xmlns:mc="http://schemas.openxmlformats.org/markup-compatibility/2006" xmlns:a14="http://schemas.microsoft.com/office/drawing/2010/main">
+        <mc:Choice Requires="a14">
           <p:sp>
             <p:nvSpPr>
               <p:cNvPr id="5" name="文本框 4">
@@ -9618,7 +9621,7 @@
             </p:txBody>
           </p:sp>
         </mc:Choice>
-        <mc:Fallback>
+        <mc:Fallback xmlns="">
           <p:sp>
             <p:nvSpPr>
               <p:cNvPr id="5" name="文本框 4">
@@ -9693,8 +9696,8 @@
           <a:chExt cx="0" cy="0"/>
         </a:xfrm>
       </p:grpSpPr>
-      <mc:AlternateContent xmlns:mc="http://schemas.openxmlformats.org/markup-compatibility/2006">
-        <mc:Choice xmlns:a14="http://schemas.microsoft.com/office/drawing/2010/main" Requires="a14">
+      <mc:AlternateContent xmlns:mc="http://schemas.openxmlformats.org/markup-compatibility/2006" xmlns:a14="http://schemas.microsoft.com/office/drawing/2010/main">
+        <mc:Choice Requires="a14">
           <p:sp>
             <p:nvSpPr>
               <p:cNvPr id="2" name="标题 1">
@@ -9812,7 +9815,7 @@
             </p:txBody>
           </p:sp>
         </mc:Choice>
-        <mc:Fallback>
+        <mc:Fallback xmlns="">
           <p:sp>
             <p:nvSpPr>
               <p:cNvPr id="2" name="标题 1">
@@ -9856,8 +9859,8 @@
           </p:sp>
         </mc:Fallback>
       </mc:AlternateContent>
-      <mc:AlternateContent xmlns:mc="http://schemas.openxmlformats.org/markup-compatibility/2006">
-        <mc:Choice xmlns:a14="http://schemas.microsoft.com/office/drawing/2010/main" Requires="a14">
+      <mc:AlternateContent xmlns:mc="http://schemas.openxmlformats.org/markup-compatibility/2006" xmlns:a14="http://schemas.microsoft.com/office/drawing/2010/main">
+        <mc:Choice Requires="a14">
           <p:sp>
             <p:nvSpPr>
               <p:cNvPr id="4" name="文本框 3">
@@ -9936,7 +9939,7 @@
             </p:txBody>
           </p:sp>
         </mc:Choice>
-        <mc:Fallback>
+        <mc:Fallback xmlns="">
           <p:sp>
             <p:nvSpPr>
               <p:cNvPr id="4" name="文本框 3">
@@ -9981,8 +9984,8 @@
           </p:sp>
         </mc:Fallback>
       </mc:AlternateContent>
-      <mc:AlternateContent xmlns:mc="http://schemas.openxmlformats.org/markup-compatibility/2006">
-        <mc:Choice xmlns:a14="http://schemas.microsoft.com/office/drawing/2010/main" Requires="a14">
+      <mc:AlternateContent xmlns:mc="http://schemas.openxmlformats.org/markup-compatibility/2006" xmlns:a14="http://schemas.microsoft.com/office/drawing/2010/main">
+        <mc:Choice Requires="a14">
           <p:sp>
             <p:nvSpPr>
               <p:cNvPr id="3" name="文本框 2">
@@ -10011,6 +10014,7 @@
               </a:bodyPr>
               <a:lstStyle/>
               <a:p>
+                <a:pPr/>
                 <a14:m>
                   <m:oMathPara xmlns:m="http://schemas.openxmlformats.org/officeDocument/2006/math">
                     <m:oMathParaPr>
@@ -10668,7 +10672,7 @@
             </p:txBody>
           </p:sp>
         </mc:Choice>
-        <mc:Fallback>
+        <mc:Fallback xmlns="">
           <p:sp>
             <p:nvSpPr>
               <p:cNvPr id="3" name="文本框 2">
@@ -10713,8 +10717,8 @@
           </p:sp>
         </mc:Fallback>
       </mc:AlternateContent>
-      <mc:AlternateContent xmlns:mc="http://schemas.openxmlformats.org/markup-compatibility/2006">
-        <mc:Choice xmlns:a14="http://schemas.microsoft.com/office/drawing/2010/main" Requires="a14">
+      <mc:AlternateContent xmlns:mc="http://schemas.openxmlformats.org/markup-compatibility/2006" xmlns:a14="http://schemas.microsoft.com/office/drawing/2010/main">
+        <mc:Choice Requires="a14">
           <p:sp>
             <p:nvSpPr>
               <p:cNvPr id="5" name="文本框 4">
@@ -11058,7 +11062,7 @@
             </p:txBody>
           </p:sp>
         </mc:Choice>
-        <mc:Fallback>
+        <mc:Fallback xmlns="">
           <p:sp>
             <p:nvSpPr>
               <p:cNvPr id="5" name="文本框 4">
@@ -11133,8 +11137,8 @@
           <a:chExt cx="0" cy="0"/>
         </a:xfrm>
       </p:grpSpPr>
-      <mc:AlternateContent xmlns:mc="http://schemas.openxmlformats.org/markup-compatibility/2006">
-        <mc:Choice xmlns:a14="http://schemas.microsoft.com/office/drawing/2010/main" Requires="a14">
+      <mc:AlternateContent xmlns:mc="http://schemas.openxmlformats.org/markup-compatibility/2006" xmlns:a14="http://schemas.microsoft.com/office/drawing/2010/main">
+        <mc:Choice Requires="a14">
           <p:sp>
             <p:nvSpPr>
               <p:cNvPr id="2" name="标题 1">
@@ -11283,7 +11287,7 @@
             </p:txBody>
           </p:sp>
         </mc:Choice>
-        <mc:Fallback>
+        <mc:Fallback xmlns="">
           <p:sp>
             <p:nvSpPr>
               <p:cNvPr id="2" name="标题 1">
@@ -11327,8 +11331,8 @@
           </p:sp>
         </mc:Fallback>
       </mc:AlternateContent>
-      <mc:AlternateContent xmlns:mc="http://schemas.openxmlformats.org/markup-compatibility/2006">
-        <mc:Choice xmlns:a14="http://schemas.microsoft.com/office/drawing/2010/main" Requires="a14">
+      <mc:AlternateContent xmlns:mc="http://schemas.openxmlformats.org/markup-compatibility/2006" xmlns:a14="http://schemas.microsoft.com/office/drawing/2010/main">
+        <mc:Choice Requires="a14">
           <p:sp>
             <p:nvSpPr>
               <p:cNvPr id="4" name="文本框 3">
@@ -11437,7 +11441,7 @@
             </p:txBody>
           </p:sp>
         </mc:Choice>
-        <mc:Fallback>
+        <mc:Fallback xmlns="">
           <p:sp>
             <p:nvSpPr>
               <p:cNvPr id="4" name="文本框 3">
@@ -11482,8 +11486,8 @@
           </p:sp>
         </mc:Fallback>
       </mc:AlternateContent>
-      <mc:AlternateContent xmlns:mc="http://schemas.openxmlformats.org/markup-compatibility/2006">
-        <mc:Choice xmlns:a14="http://schemas.microsoft.com/office/drawing/2010/main" Requires="a14">
+      <mc:AlternateContent xmlns:mc="http://schemas.openxmlformats.org/markup-compatibility/2006" xmlns:a14="http://schemas.microsoft.com/office/drawing/2010/main">
+        <mc:Choice Requires="a14">
           <p:sp>
             <p:nvSpPr>
               <p:cNvPr id="3" name="文本框 2">
@@ -11512,6 +11516,7 @@
               </a:bodyPr>
               <a:lstStyle/>
               <a:p>
+                <a:pPr/>
                 <a14:m>
                   <m:oMathPara xmlns:m="http://schemas.openxmlformats.org/officeDocument/2006/math">
                     <m:oMathParaPr>
@@ -11705,7 +11710,7 @@
             </p:txBody>
           </p:sp>
         </mc:Choice>
-        <mc:Fallback>
+        <mc:Fallback xmlns="">
           <p:sp>
             <p:nvSpPr>
               <p:cNvPr id="3" name="文本框 2">
@@ -12067,8 +12072,8 @@
           </a:p>
         </p:txBody>
       </p:sp>
-      <mc:AlternateContent xmlns:mc="http://schemas.openxmlformats.org/markup-compatibility/2006">
-        <mc:Choice xmlns:a14="http://schemas.microsoft.com/office/drawing/2010/main" Requires="a14">
+      <mc:AlternateContent xmlns:mc="http://schemas.openxmlformats.org/markup-compatibility/2006" xmlns:a14="http://schemas.microsoft.com/office/drawing/2010/main">
+        <mc:Choice Requires="a14">
           <p:sp>
             <p:nvSpPr>
               <p:cNvPr id="3" name="文本框 2">
@@ -12097,6 +12102,7 @@
               </a:bodyPr>
               <a:lstStyle/>
               <a:p>
+                <a:pPr/>
                 <a14:m>
                   <m:oMathPara xmlns:m="http://schemas.openxmlformats.org/officeDocument/2006/math">
                     <m:oMathParaPr>
@@ -12401,7 +12407,7 @@
             </p:txBody>
           </p:sp>
         </mc:Choice>
-        <mc:Fallback>
+        <mc:Fallback xmlns="">
           <p:sp>
             <p:nvSpPr>
               <p:cNvPr id="3" name="文本框 2">
@@ -12446,8 +12452,8 @@
           </p:sp>
         </mc:Fallback>
       </mc:AlternateContent>
-      <mc:AlternateContent xmlns:mc="http://schemas.openxmlformats.org/markup-compatibility/2006">
-        <mc:Choice xmlns:a14="http://schemas.microsoft.com/office/drawing/2010/main" Requires="a14">
+      <mc:AlternateContent xmlns:mc="http://schemas.openxmlformats.org/markup-compatibility/2006" xmlns:a14="http://schemas.microsoft.com/office/drawing/2010/main">
+        <mc:Choice Requires="a14">
           <p:sp>
             <p:nvSpPr>
               <p:cNvPr id="5" name="文本框 4">
@@ -12565,7 +12571,7 @@
             </p:txBody>
           </p:sp>
         </mc:Choice>
-        <mc:Fallback>
+        <mc:Fallback xmlns="">
           <p:sp>
             <p:nvSpPr>
               <p:cNvPr id="5" name="文本框 4">
@@ -12809,6 +12815,1088 @@
           <p:cNvPr id="2" name="标题 1">
             <a:extLst>
               <a:ext uri="{FF2B5EF4-FFF2-40B4-BE49-F238E27FC236}">
+                <a16:creationId xmlns:a16="http://schemas.microsoft.com/office/drawing/2014/main" id="{87C85065-92B4-AE60-63D3-DD2FA198F93F}"/>
+              </a:ext>
+            </a:extLst>
+          </p:cNvPr>
+          <p:cNvSpPr>
+            <a:spLocks noGrp="1"/>
+          </p:cNvSpPr>
+          <p:nvPr>
+            <p:ph type="title"/>
+          </p:nvPr>
+        </p:nvSpPr>
+        <p:spPr/>
+        <p:txBody>
+          <a:bodyPr/>
+          <a:lstStyle/>
+          <a:p>
+            <a:r>
+              <a:rPr lang="zh-CN" altLang="en-US" dirty="0"/>
+              <a:t>测试条件</a:t>
+            </a:r>
+          </a:p>
+        </p:txBody>
+      </p:sp>
+      <p:sp>
+        <p:nvSpPr>
+          <p:cNvPr id="3" name="内容占位符 2">
+            <a:extLst>
+              <a:ext uri="{FF2B5EF4-FFF2-40B4-BE49-F238E27FC236}">
+                <a16:creationId xmlns:a16="http://schemas.microsoft.com/office/drawing/2014/main" id="{1BECAEC4-A157-A617-2B3F-5BD837E6D339}"/>
+              </a:ext>
+            </a:extLst>
+          </p:cNvPr>
+          <p:cNvSpPr>
+            <a:spLocks noGrp="1"/>
+          </p:cNvSpPr>
+          <p:nvPr>
+            <p:ph idx="1"/>
+          </p:nvPr>
+        </p:nvSpPr>
+        <p:spPr/>
+        <p:txBody>
+          <a:bodyPr/>
+          <a:lstStyle/>
+          <a:p>
+            <a:r>
+              <a:rPr lang="zh-CN" altLang="en-US" dirty="0"/>
+              <a:t>半精度</a:t>
+            </a:r>
+            <a:endParaRPr lang="en-US" altLang="zh-CN" dirty="0"/>
+          </a:p>
+          <a:p>
+            <a:r>
+              <a:rPr lang="en-US" altLang="zh-CN" dirty="0" err="1"/>
+              <a:t>text_encode</a:t>
+            </a:r>
+            <a:r>
+              <a:rPr lang="en-US" altLang="zh-CN" dirty="0"/>
+              <a:t> </a:t>
+            </a:r>
+            <a:r>
+              <a:rPr lang="zh-CN" altLang="en-US" dirty="0"/>
+              <a:t>前</a:t>
+            </a:r>
+            <a:r>
+              <a:rPr lang="en-US" altLang="zh-CN" dirty="0"/>
+              <a:t>9</a:t>
+            </a:r>
+            <a:r>
+              <a:rPr lang="zh-CN" altLang="en-US" dirty="0"/>
+              <a:t>层</a:t>
+            </a:r>
+            <a:endParaRPr lang="en-US" altLang="zh-CN" dirty="0"/>
+          </a:p>
+          <a:p>
+            <a:r>
+              <a:rPr lang="en-US" altLang="zh-CN" dirty="0"/>
+              <a:t>prompt </a:t>
+            </a:r>
+            <a:r>
+              <a:rPr lang="zh-CN" altLang="en-US" dirty="0"/>
+              <a:t>长度 </a:t>
+            </a:r>
+            <a:r>
+              <a:rPr lang="en-US" altLang="zh-CN" dirty="0"/>
+              <a:t>12</a:t>
+            </a:r>
+          </a:p>
+          <a:p>
+            <a:r>
+              <a:rPr lang="en-US" altLang="zh-CN" dirty="0"/>
+              <a:t>DPAM 4</a:t>
+            </a:r>
+            <a:r>
+              <a:rPr lang="zh-CN" altLang="en-US" dirty="0"/>
+              <a:t>层</a:t>
+            </a:r>
+            <a:r>
+              <a:rPr lang="en-US" altLang="zh-CN" dirty="0"/>
+              <a:t> – </a:t>
+            </a:r>
+            <a:r>
+              <a:rPr lang="zh-CN" altLang="en-US" dirty="0"/>
+              <a:t>仅通过第</a:t>
+            </a:r>
+            <a:r>
+              <a:rPr lang="en-US" altLang="zh-CN" dirty="0"/>
+              <a:t>24</a:t>
+            </a:r>
+            <a:r>
+              <a:rPr lang="zh-CN" altLang="en-US" dirty="0"/>
+              <a:t>层计算误差</a:t>
+            </a:r>
+          </a:p>
+        </p:txBody>
+      </p:sp>
+    </p:spTree>
+    <p:extLst>
+      <p:ext uri="{BB962C8B-B14F-4D97-AF65-F5344CB8AC3E}">
+        <p14:creationId xmlns:p14="http://schemas.microsoft.com/office/powerpoint/2010/main" val="3454551635"/>
+      </p:ext>
+    </p:extLst>
+  </p:cSld>
+  <p:clrMapOvr>
+    <a:masterClrMapping/>
+  </p:clrMapOvr>
+</p:sld>
+</file>
+
+<file path=ppt/slides/slide21.xml><?xml version="1.0" encoding="utf-8"?>
+<p:sld xmlns:a="http://schemas.openxmlformats.org/drawingml/2006/main" xmlns:r="http://schemas.openxmlformats.org/officeDocument/2006/relationships" xmlns:p="http://schemas.openxmlformats.org/presentationml/2006/main">
+  <p:cSld>
+    <p:spTree>
+      <p:nvGrpSpPr>
+        <p:cNvPr id="1" name=""/>
+        <p:cNvGrpSpPr/>
+        <p:nvPr/>
+      </p:nvGrpSpPr>
+      <p:grpSpPr>
+        <a:xfrm>
+          <a:off x="0" y="0"/>
+          <a:ext cx="0" cy="0"/>
+          <a:chOff x="0" y="0"/>
+          <a:chExt cx="0" cy="0"/>
+        </a:xfrm>
+      </p:grpSpPr>
+      <p:sp>
+        <p:nvSpPr>
+          <p:cNvPr id="2" name="标题 1">
+            <a:extLst>
+              <a:ext uri="{FF2B5EF4-FFF2-40B4-BE49-F238E27FC236}">
+                <a16:creationId xmlns:a16="http://schemas.microsoft.com/office/drawing/2014/main" id="{FB5F6BFF-B2A0-C39C-1DF3-1B00B1604B73}"/>
+              </a:ext>
+            </a:extLst>
+          </p:cNvPr>
+          <p:cNvSpPr>
+            <a:spLocks noGrp="1"/>
+          </p:cNvSpPr>
+          <p:nvPr>
+            <p:ph type="title"/>
+          </p:nvPr>
+        </p:nvSpPr>
+        <p:spPr>
+          <a:xfrm>
+            <a:off x="24242" y="370703"/>
+            <a:ext cx="3932237" cy="1600200"/>
+          </a:xfrm>
+        </p:spPr>
+        <p:txBody>
+          <a:bodyPr/>
+          <a:lstStyle/>
+          <a:p>
+            <a:r>
+              <a:rPr lang="zh-CN" altLang="en-US" dirty="0"/>
+              <a:t>测试数据</a:t>
+            </a:r>
+            <a:r>
+              <a:rPr lang="en-US" altLang="zh-CN" dirty="0"/>
+              <a:t>-</a:t>
+            </a:r>
+            <a:r>
+              <a:rPr lang="zh-CN" altLang="en-US" dirty="0"/>
+              <a:t>源码</a:t>
+            </a:r>
+          </a:p>
+        </p:txBody>
+      </p:sp>
+      <p:sp>
+        <p:nvSpPr>
+          <p:cNvPr id="3" name="内容占位符 2">
+            <a:extLst>
+              <a:ext uri="{FF2B5EF4-FFF2-40B4-BE49-F238E27FC236}">
+                <a16:creationId xmlns:a16="http://schemas.microsoft.com/office/drawing/2014/main" id="{FE71C334-9CAD-7BEC-1F81-8D1358A672B2}"/>
+              </a:ext>
+            </a:extLst>
+          </p:cNvPr>
+          <p:cNvSpPr>
+            <a:spLocks noGrp="1"/>
+          </p:cNvSpPr>
+          <p:nvPr>
+            <p:ph idx="1"/>
+          </p:nvPr>
+        </p:nvSpPr>
+        <p:spPr>
+          <a:xfrm>
+            <a:off x="3719384" y="0"/>
+            <a:ext cx="8472616" cy="6857999"/>
+          </a:xfrm>
+        </p:spPr>
+        <p:txBody>
+          <a:bodyPr>
+            <a:normAutofit fontScale="47500" lnSpcReduction="20000"/>
+          </a:bodyPr>
+          <a:lstStyle/>
+          <a:p>
+            <a:r>
+              <a:rPr lang="en-US" altLang="zh-CN" dirty="0"/>
+              <a:t>25-09-18 17:16:52.394 - INFO: </a:t>
+            </a:r>
+          </a:p>
+          <a:p>
+            <a:r>
+              <a:rPr lang="en-US" altLang="zh-CN" dirty="0"/>
+              <a:t>| objects    |   </a:t>
+            </a:r>
+            <a:r>
+              <a:rPr lang="en-US" altLang="zh-CN" dirty="0" err="1"/>
+              <a:t>pixel_auroc</a:t>
+            </a:r>
+            <a:r>
+              <a:rPr lang="en-US" altLang="zh-CN" dirty="0"/>
+              <a:t> |   </a:t>
+            </a:r>
+            <a:r>
+              <a:rPr lang="en-US" altLang="zh-CN" dirty="0" err="1"/>
+              <a:t>pixel_aupro</a:t>
+            </a:r>
+            <a:r>
+              <a:rPr lang="en-US" altLang="zh-CN" dirty="0"/>
+              <a:t> |   </a:t>
+            </a:r>
+            <a:r>
+              <a:rPr lang="en-US" altLang="zh-CN" dirty="0" err="1"/>
+              <a:t>image_auroc</a:t>
+            </a:r>
+            <a:r>
+              <a:rPr lang="en-US" altLang="zh-CN" dirty="0"/>
+              <a:t> |   </a:t>
+            </a:r>
+            <a:r>
+              <a:rPr lang="en-US" altLang="zh-CN" dirty="0" err="1"/>
+              <a:t>image_ap</a:t>
+            </a:r>
+            <a:r>
+              <a:rPr lang="en-US" altLang="zh-CN" dirty="0"/>
+              <a:t> |</a:t>
+            </a:r>
+          </a:p>
+          <a:p>
+            <a:r>
+              <a:rPr lang="en-US" altLang="zh-CN" dirty="0"/>
+              <a:t>|:-----------|--------------:|--------------:|--------------:|-----------:|</a:t>
+            </a:r>
+          </a:p>
+          <a:p>
+            <a:r>
+              <a:rPr lang="en-US" altLang="zh-CN" dirty="0"/>
+              <a:t>| candle     |          98.8 |          95.9 |          80.8 |       82.4 |</a:t>
+            </a:r>
+          </a:p>
+          <a:p>
+            <a:r>
+              <a:rPr lang="en-US" altLang="zh-CN" dirty="0"/>
+              <a:t>| capsules   |          95.2 |          80.7 |          86.6 |       91.7 |</a:t>
+            </a:r>
+          </a:p>
+          <a:p>
+            <a:r>
+              <a:rPr lang="en-US" altLang="zh-CN" dirty="0"/>
+              <a:t>| cashew     |          93.7 |          89.5 |          69.2 |       86.2 |</a:t>
+            </a:r>
+          </a:p>
+          <a:p>
+            <a:r>
+              <a:rPr lang="en-US" altLang="zh-CN" dirty="0"/>
+              <a:t>| </a:t>
+            </a:r>
+            <a:r>
+              <a:rPr lang="en-US" altLang="zh-CN" dirty="0" err="1"/>
+              <a:t>chewinggum</a:t>
+            </a:r>
+            <a:r>
+              <a:rPr lang="en-US" altLang="zh-CN" dirty="0"/>
+              <a:t> |          99.2 |          89   |          97.3 |       98.9 |</a:t>
+            </a:r>
+          </a:p>
+          <a:p>
+            <a:r>
+              <a:rPr lang="en-US" altLang="zh-CN" dirty="0"/>
+              <a:t>| </a:t>
+            </a:r>
+            <a:r>
+              <a:rPr lang="en-US" altLang="zh-CN" dirty="0" err="1"/>
+              <a:t>fryum</a:t>
+            </a:r>
+            <a:r>
+              <a:rPr lang="en-US" altLang="zh-CN" dirty="0"/>
+              <a:t>      |          94.2 |          86.3 |          92.7 |       96.7 |</a:t>
+            </a:r>
+          </a:p>
+          <a:p>
+            <a:r>
+              <a:rPr lang="en-US" altLang="zh-CN" dirty="0"/>
+              <a:t>| macaroni1  |          98.3 |          91.2 |          86.7 |       85.6 |</a:t>
+            </a:r>
+          </a:p>
+          <a:p>
+            <a:r>
+              <a:rPr lang="en-US" altLang="zh-CN" dirty="0"/>
+              <a:t>| macaroni2  |          97.6 |          83.6 |          71.8 |       70.1 |</a:t>
+            </a:r>
+          </a:p>
+          <a:p>
+            <a:r>
+              <a:rPr lang="en-US" altLang="zh-CN" dirty="0"/>
+              <a:t>| pcb1       |          93.7 |          80.7 |          81   |       80.6 |</a:t>
+            </a:r>
+          </a:p>
+          <a:p>
+            <a:r>
+              <a:rPr lang="en-US" altLang="zh-CN" dirty="0"/>
+              <a:t>| pcb2       |          92.3 |          78.4 |          62.9 |       65.3 |</a:t>
+            </a:r>
+          </a:p>
+          <a:p>
+            <a:r>
+              <a:rPr lang="en-US" altLang="zh-CN" dirty="0"/>
+              <a:t>| pcb3       |          88.2 |          76   |          61.6 |       69.3 |</a:t>
+            </a:r>
+          </a:p>
+          <a:p>
+            <a:r>
+              <a:rPr lang="en-US" altLang="zh-CN" dirty="0"/>
+              <a:t>| pcb4       |          95.7 |          89.4 |          93.2 |       93.6 |</a:t>
+            </a:r>
+          </a:p>
+          <a:p>
+            <a:r>
+              <a:rPr lang="en-US" altLang="zh-CN" dirty="0"/>
+              <a:t>| </a:t>
+            </a:r>
+            <a:r>
+              <a:rPr lang="en-US" altLang="zh-CN" dirty="0" err="1"/>
+              <a:t>pipe_fryum</a:t>
+            </a:r>
+            <a:r>
+              <a:rPr lang="en-US" altLang="zh-CN" dirty="0"/>
+              <a:t> |          98.2 |          95.8 |          92.9 |       96.5 |</a:t>
+            </a:r>
+          </a:p>
+          <a:p>
+            <a:r>
+              <a:rPr lang="en-US" altLang="zh-CN" dirty="0"/>
+              <a:t>| mean       |          95.4 |          86.4 |          81.4 |       84.7 |</a:t>
+            </a:r>
+            <a:endParaRPr lang="zh-CN" altLang="en-US" dirty="0"/>
+          </a:p>
+        </p:txBody>
+      </p:sp>
+      <p:sp>
+        <p:nvSpPr>
+          <p:cNvPr id="4" name="文本占位符 3">
+            <a:extLst>
+              <a:ext uri="{FF2B5EF4-FFF2-40B4-BE49-F238E27FC236}">
+                <a16:creationId xmlns:a16="http://schemas.microsoft.com/office/drawing/2014/main" id="{F5080508-0DC6-B449-3025-5BD7EFBFB7FA}"/>
+              </a:ext>
+            </a:extLst>
+          </p:cNvPr>
+          <p:cNvSpPr>
+            <a:spLocks noGrp="1"/>
+          </p:cNvSpPr>
+          <p:nvPr>
+            <p:ph type="body" sz="half" idx="2"/>
+          </p:nvPr>
+        </p:nvSpPr>
+        <p:spPr>
+          <a:xfrm>
+            <a:off x="24242" y="2069757"/>
+            <a:ext cx="3932237" cy="3811588"/>
+          </a:xfrm>
+        </p:spPr>
+        <p:txBody>
+          <a:bodyPr/>
+          <a:lstStyle/>
+          <a:p>
+            <a:r>
+              <a:rPr lang="zh-CN" altLang="en-US" dirty="0"/>
+              <a:t>文件存储在：</a:t>
+            </a:r>
+            <a:endParaRPr lang="en-US" altLang="zh-CN" dirty="0"/>
+          </a:p>
+          <a:p>
+            <a:r>
+              <a:rPr lang="en-US" altLang="zh-CN" dirty="0"/>
+              <a:t>9_12_4_train_mvtec_rawcode_f24/test_f24</a:t>
+            </a:r>
+          </a:p>
+        </p:txBody>
+      </p:sp>
+    </p:spTree>
+    <p:extLst>
+      <p:ext uri="{BB962C8B-B14F-4D97-AF65-F5344CB8AC3E}">
+        <p14:creationId xmlns:p14="http://schemas.microsoft.com/office/powerpoint/2010/main" val="2469200617"/>
+      </p:ext>
+    </p:extLst>
+  </p:cSld>
+  <p:clrMapOvr>
+    <a:masterClrMapping/>
+  </p:clrMapOvr>
+</p:sld>
+</file>
+
+<file path=ppt/slides/slide22.xml><?xml version="1.0" encoding="utf-8"?>
+<p:sld xmlns:a="http://schemas.openxmlformats.org/drawingml/2006/main" xmlns:r="http://schemas.openxmlformats.org/officeDocument/2006/relationships" xmlns:p="http://schemas.openxmlformats.org/presentationml/2006/main">
+  <p:cSld>
+    <p:spTree>
+      <p:nvGrpSpPr>
+        <p:cNvPr id="1" name=""/>
+        <p:cNvGrpSpPr/>
+        <p:nvPr/>
+      </p:nvGrpSpPr>
+      <p:grpSpPr>
+        <a:xfrm>
+          <a:off x="0" y="0"/>
+          <a:ext cx="0" cy="0"/>
+          <a:chOff x="0" y="0"/>
+          <a:chExt cx="0" cy="0"/>
+        </a:xfrm>
+      </p:grpSpPr>
+      <p:sp>
+        <p:nvSpPr>
+          <p:cNvPr id="2" name="标题 1">
+            <a:extLst>
+              <a:ext uri="{FF2B5EF4-FFF2-40B4-BE49-F238E27FC236}">
+                <a16:creationId xmlns:a16="http://schemas.microsoft.com/office/drawing/2014/main" id="{FB5F6BFF-B2A0-C39C-1DF3-1B00B1604B73}"/>
+              </a:ext>
+            </a:extLst>
+          </p:cNvPr>
+          <p:cNvSpPr>
+            <a:spLocks noGrp="1"/>
+          </p:cNvSpPr>
+          <p:nvPr>
+            <p:ph type="title"/>
+          </p:nvPr>
+        </p:nvSpPr>
+        <p:spPr>
+          <a:xfrm>
+            <a:off x="24242" y="370703"/>
+            <a:ext cx="3932237" cy="1600200"/>
+          </a:xfrm>
+        </p:spPr>
+        <p:txBody>
+          <a:bodyPr/>
+          <a:lstStyle/>
+          <a:p>
+            <a:r>
+              <a:rPr lang="zh-CN" altLang="en-US" dirty="0"/>
+              <a:t>测试数据</a:t>
+            </a:r>
+            <a:r>
+              <a:rPr lang="en-US" altLang="zh-CN" dirty="0"/>
+              <a:t>-</a:t>
+            </a:r>
+            <a:r>
+              <a:rPr lang="zh-CN" altLang="en-US" dirty="0"/>
+              <a:t>分离</a:t>
+            </a:r>
+            <a:r>
+              <a:rPr lang="en-US" altLang="zh-CN" dirty="0"/>
+              <a:t>patch prompt</a:t>
+            </a:r>
+            <a:endParaRPr lang="zh-CN" altLang="en-US" dirty="0"/>
+          </a:p>
+        </p:txBody>
+      </p:sp>
+      <p:sp>
+        <p:nvSpPr>
+          <p:cNvPr id="3" name="内容占位符 2">
+            <a:extLst>
+              <a:ext uri="{FF2B5EF4-FFF2-40B4-BE49-F238E27FC236}">
+                <a16:creationId xmlns:a16="http://schemas.microsoft.com/office/drawing/2014/main" id="{FE71C334-9CAD-7BEC-1F81-8D1358A672B2}"/>
+              </a:ext>
+            </a:extLst>
+          </p:cNvPr>
+          <p:cNvSpPr>
+            <a:spLocks noGrp="1"/>
+          </p:cNvSpPr>
+          <p:nvPr>
+            <p:ph idx="1"/>
+          </p:nvPr>
+        </p:nvSpPr>
+        <p:spPr>
+          <a:xfrm>
+            <a:off x="3719384" y="0"/>
+            <a:ext cx="8472616" cy="6857999"/>
+          </a:xfrm>
+        </p:spPr>
+        <p:txBody>
+          <a:bodyPr>
+            <a:normAutofit fontScale="47500" lnSpcReduction="20000"/>
+          </a:bodyPr>
+          <a:lstStyle/>
+          <a:p>
+            <a:r>
+              <a:rPr lang="en-US" altLang="zh-CN" dirty="0"/>
+              <a:t>25-09-18 17:16:50.008 - INFO: </a:t>
+            </a:r>
+          </a:p>
+          <a:p>
+            <a:r>
+              <a:rPr lang="en-US" altLang="zh-CN" dirty="0"/>
+              <a:t>| objects    |   </a:t>
+            </a:r>
+            <a:r>
+              <a:rPr lang="en-US" altLang="zh-CN" dirty="0" err="1"/>
+              <a:t>pixel_auroc</a:t>
+            </a:r>
+            <a:r>
+              <a:rPr lang="en-US" altLang="zh-CN" dirty="0"/>
+              <a:t> |   </a:t>
+            </a:r>
+            <a:r>
+              <a:rPr lang="en-US" altLang="zh-CN" dirty="0" err="1"/>
+              <a:t>pixel_aupro</a:t>
+            </a:r>
+            <a:r>
+              <a:rPr lang="en-US" altLang="zh-CN" dirty="0"/>
+              <a:t> |   </a:t>
+            </a:r>
+            <a:r>
+              <a:rPr lang="en-US" altLang="zh-CN" dirty="0" err="1"/>
+              <a:t>image_auroc</a:t>
+            </a:r>
+            <a:r>
+              <a:rPr lang="en-US" altLang="zh-CN" dirty="0"/>
+              <a:t> |   </a:t>
+            </a:r>
+            <a:r>
+              <a:rPr lang="en-US" altLang="zh-CN" dirty="0" err="1"/>
+              <a:t>image_ap</a:t>
+            </a:r>
+            <a:r>
+              <a:rPr lang="en-US" altLang="zh-CN" dirty="0"/>
+              <a:t> |</a:t>
+            </a:r>
+          </a:p>
+          <a:p>
+            <a:r>
+              <a:rPr lang="en-US" altLang="zh-CN" dirty="0"/>
+              <a:t>|:-----------|--------------:|--------------:|--------------:|-----------:|</a:t>
+            </a:r>
+          </a:p>
+          <a:p>
+            <a:r>
+              <a:rPr lang="en-US" altLang="zh-CN" dirty="0"/>
+              <a:t>| candle     |          98.7 |          94.7 |          73.3 |       72.5 |</a:t>
+            </a:r>
+          </a:p>
+          <a:p>
+            <a:r>
+              <a:rPr lang="en-US" altLang="zh-CN" dirty="0"/>
+              <a:t>| capsules   |          94.7 |          78.3 |          91.4 |       94.6 |</a:t>
+            </a:r>
+          </a:p>
+          <a:p>
+            <a:r>
+              <a:rPr lang="en-US" altLang="zh-CN" dirty="0"/>
+              <a:t>| cashew     |          92.1 |          87.9 |          89.3 |       95.4 |</a:t>
+            </a:r>
+          </a:p>
+          <a:p>
+            <a:r>
+              <a:rPr lang="en-US" altLang="zh-CN" dirty="0"/>
+              <a:t>| </a:t>
+            </a:r>
+            <a:r>
+              <a:rPr lang="en-US" altLang="zh-CN" dirty="0" err="1"/>
+              <a:t>chewinggum</a:t>
+            </a:r>
+            <a:r>
+              <a:rPr lang="en-US" altLang="zh-CN" dirty="0"/>
+              <a:t> |          99   |          86.5 |          97.4 |       98.9 |</a:t>
+            </a:r>
+          </a:p>
+          <a:p>
+            <a:r>
+              <a:rPr lang="en-US" altLang="zh-CN" dirty="0"/>
+              <a:t>| </a:t>
+            </a:r>
+            <a:r>
+              <a:rPr lang="en-US" altLang="zh-CN" dirty="0" err="1"/>
+              <a:t>fryum</a:t>
+            </a:r>
+            <a:r>
+              <a:rPr lang="en-US" altLang="zh-CN" dirty="0"/>
+              <a:t>      |          94.8 |          82.4 |          91.9 |       96.1 |</a:t>
+            </a:r>
+          </a:p>
+          <a:p>
+            <a:r>
+              <a:rPr lang="en-US" altLang="zh-CN" dirty="0"/>
+              <a:t>| macaroni1  |          98.5 |          90.7 |          84.4 |       84.2 |</a:t>
+            </a:r>
+          </a:p>
+          <a:p>
+            <a:r>
+              <a:rPr lang="en-US" altLang="zh-CN" dirty="0"/>
+              <a:t>| macaroni2  |          97.6 |          83.7 |          77.9 |       77.7 |</a:t>
+            </a:r>
+          </a:p>
+          <a:p>
+            <a:r>
+              <a:rPr lang="en-US" altLang="zh-CN" dirty="0"/>
+              <a:t>| pcb1       |          94.5 |          86.1 |          79.9 |       80   |</a:t>
+            </a:r>
+          </a:p>
+          <a:p>
+            <a:r>
+              <a:rPr lang="en-US" altLang="zh-CN" dirty="0"/>
+              <a:t>| pcb2       |          92.8 |          79.3 |          63.1 |       64.7 |</a:t>
+            </a:r>
+          </a:p>
+          <a:p>
+            <a:r>
+              <a:rPr lang="en-US" altLang="zh-CN" dirty="0"/>
+              <a:t>| pcb3       |          88.2 |          76.2 |          66.1 |       73   |</a:t>
+            </a:r>
+          </a:p>
+          <a:p>
+            <a:r>
+              <a:rPr lang="en-US" altLang="zh-CN" dirty="0"/>
+              <a:t>| pcb4       |          95.7 |          89.6 |          93.6 |       94.1 |</a:t>
+            </a:r>
+          </a:p>
+          <a:p>
+            <a:r>
+              <a:rPr lang="en-US" altLang="zh-CN" dirty="0"/>
+              <a:t>| </a:t>
+            </a:r>
+            <a:r>
+              <a:rPr lang="en-US" altLang="zh-CN" dirty="0" err="1"/>
+              <a:t>pipe_fryum</a:t>
+            </a:r>
+            <a:r>
+              <a:rPr lang="en-US" altLang="zh-CN" dirty="0"/>
+              <a:t> |          98.5 |          95.2 |          91.4 |       95.5 |</a:t>
+            </a:r>
+          </a:p>
+          <a:p>
+            <a:r>
+              <a:rPr lang="en-US" altLang="zh-CN" dirty="0"/>
+              <a:t>| mean       |          95.4 |          85.9 |          83.3 |       85.6 |</a:t>
+            </a:r>
+            <a:endParaRPr lang="zh-CN" altLang="en-US" dirty="0"/>
+          </a:p>
+        </p:txBody>
+      </p:sp>
+      <p:sp>
+        <p:nvSpPr>
+          <p:cNvPr id="4" name="文本占位符 3">
+            <a:extLst>
+              <a:ext uri="{FF2B5EF4-FFF2-40B4-BE49-F238E27FC236}">
+                <a16:creationId xmlns:a16="http://schemas.microsoft.com/office/drawing/2014/main" id="{F5080508-0DC6-B449-3025-5BD7EFBFB7FA}"/>
+              </a:ext>
+            </a:extLst>
+          </p:cNvPr>
+          <p:cNvSpPr>
+            <a:spLocks noGrp="1"/>
+          </p:cNvSpPr>
+          <p:nvPr>
+            <p:ph type="body" sz="half" idx="2"/>
+          </p:nvPr>
+        </p:nvSpPr>
+        <p:spPr>
+          <a:xfrm>
+            <a:off x="24242" y="2069757"/>
+            <a:ext cx="3932237" cy="3811588"/>
+          </a:xfrm>
+        </p:spPr>
+        <p:txBody>
+          <a:bodyPr/>
+          <a:lstStyle/>
+          <a:p>
+            <a:r>
+              <a:rPr lang="zh-CN" altLang="en-US" dirty="0"/>
+              <a:t>文件存储在：</a:t>
+            </a:r>
+            <a:endParaRPr lang="en-US" altLang="zh-CN" dirty="0"/>
+          </a:p>
+          <a:p>
+            <a:r>
+              <a:rPr lang="en-US" altLang="zh-CN" dirty="0"/>
+              <a:t>9_12_4_train_mvtec_mgclip_f24/test_f24</a:t>
+            </a:r>
+            <a:endParaRPr lang="zh-CN" altLang="en-US" dirty="0"/>
+          </a:p>
+        </p:txBody>
+      </p:sp>
+    </p:spTree>
+    <p:extLst>
+      <p:ext uri="{BB962C8B-B14F-4D97-AF65-F5344CB8AC3E}">
+        <p14:creationId xmlns:p14="http://schemas.microsoft.com/office/powerpoint/2010/main" val="346876769"/>
+      </p:ext>
+    </p:extLst>
+  </p:cSld>
+  <p:clrMapOvr>
+    <a:masterClrMapping/>
+  </p:clrMapOvr>
+</p:sld>
+</file>
+
+<file path=ppt/slides/slide23.xml><?xml version="1.0" encoding="utf-8"?>
+<p:sld xmlns:a="http://schemas.openxmlformats.org/drawingml/2006/main" xmlns:r="http://schemas.openxmlformats.org/officeDocument/2006/relationships" xmlns:p="http://schemas.openxmlformats.org/presentationml/2006/main">
+  <p:cSld>
+    <p:spTree>
+      <p:nvGrpSpPr>
+        <p:cNvPr id="1" name=""/>
+        <p:cNvGrpSpPr/>
+        <p:nvPr/>
+      </p:nvGrpSpPr>
+      <p:grpSpPr>
+        <a:xfrm>
+          <a:off x="0" y="0"/>
+          <a:ext cx="0" cy="0"/>
+          <a:chOff x="0" y="0"/>
+          <a:chExt cx="0" cy="0"/>
+        </a:xfrm>
+      </p:grpSpPr>
+      <p:sp>
+        <p:nvSpPr>
+          <p:cNvPr id="2" name="标题 1">
+            <a:extLst>
+              <a:ext uri="{FF2B5EF4-FFF2-40B4-BE49-F238E27FC236}">
+                <a16:creationId xmlns:a16="http://schemas.microsoft.com/office/drawing/2014/main" id="{FB5F6BFF-B2A0-C39C-1DF3-1B00B1604B73}"/>
+              </a:ext>
+            </a:extLst>
+          </p:cNvPr>
+          <p:cNvSpPr>
+            <a:spLocks noGrp="1"/>
+          </p:cNvSpPr>
+          <p:nvPr>
+            <p:ph type="title"/>
+          </p:nvPr>
+        </p:nvSpPr>
+        <p:spPr>
+          <a:xfrm>
+            <a:off x="24242" y="370703"/>
+            <a:ext cx="3932237" cy="1600200"/>
+          </a:xfrm>
+        </p:spPr>
+        <p:txBody>
+          <a:bodyPr>
+            <a:normAutofit fontScale="90000"/>
+          </a:bodyPr>
+          <a:lstStyle/>
+          <a:p>
+            <a:r>
+              <a:rPr lang="zh-CN" altLang="en-US" dirty="0"/>
+              <a:t>测试数据</a:t>
+            </a:r>
+            <a:r>
+              <a:rPr lang="en-US" altLang="zh-CN" dirty="0"/>
+              <a:t>-</a:t>
+            </a:r>
+            <a:r>
+              <a:rPr lang="zh-CN" altLang="en-US" dirty="0"/>
+              <a:t>分离</a:t>
+            </a:r>
+            <a:r>
+              <a:rPr lang="en-US" altLang="zh-CN" dirty="0"/>
+              <a:t>patch prompt-</a:t>
+            </a:r>
+            <a:r>
+              <a:rPr lang="zh-CN" altLang="en-US" dirty="0"/>
+              <a:t>同时使用</a:t>
+            </a:r>
+            <a:r>
+              <a:rPr lang="en-US" altLang="zh-CN" dirty="0"/>
+              <a:t>image loss</a:t>
+            </a:r>
+            <a:r>
+              <a:rPr lang="zh-CN" altLang="en-US" dirty="0"/>
+              <a:t>更新</a:t>
+            </a:r>
+            <a:r>
+              <a:rPr lang="en-US" altLang="zh-CN" dirty="0"/>
+              <a:t>patch</a:t>
+            </a:r>
+            <a:r>
+              <a:rPr lang="zh-CN" altLang="en-US" dirty="0"/>
+              <a:t>参数</a:t>
+            </a:r>
+          </a:p>
+        </p:txBody>
+      </p:sp>
+      <p:sp>
+        <p:nvSpPr>
+          <p:cNvPr id="3" name="内容占位符 2">
+            <a:extLst>
+              <a:ext uri="{FF2B5EF4-FFF2-40B4-BE49-F238E27FC236}">
+                <a16:creationId xmlns:a16="http://schemas.microsoft.com/office/drawing/2014/main" id="{FE71C334-9CAD-7BEC-1F81-8D1358A672B2}"/>
+              </a:ext>
+            </a:extLst>
+          </p:cNvPr>
+          <p:cNvSpPr>
+            <a:spLocks noGrp="1"/>
+          </p:cNvSpPr>
+          <p:nvPr>
+            <p:ph idx="1"/>
+          </p:nvPr>
+        </p:nvSpPr>
+        <p:spPr>
+          <a:xfrm>
+            <a:off x="3719384" y="0"/>
+            <a:ext cx="8472616" cy="6857999"/>
+          </a:xfrm>
+        </p:spPr>
+        <p:txBody>
+          <a:bodyPr>
+            <a:normAutofit fontScale="47500" lnSpcReduction="20000"/>
+          </a:bodyPr>
+          <a:lstStyle/>
+          <a:p>
+            <a:r>
+              <a:rPr lang="en-US" altLang="zh-CN" dirty="0"/>
+              <a:t>25-09-19 16:53:24.530 - INFO: </a:t>
+            </a:r>
+          </a:p>
+          <a:p>
+            <a:r>
+              <a:rPr lang="en-US" altLang="zh-CN" dirty="0"/>
+              <a:t>| objects    |   </a:t>
+            </a:r>
+            <a:r>
+              <a:rPr lang="en-US" altLang="zh-CN" dirty="0" err="1"/>
+              <a:t>pixel_auroc</a:t>
+            </a:r>
+            <a:r>
+              <a:rPr lang="en-US" altLang="zh-CN" dirty="0"/>
+              <a:t> |   </a:t>
+            </a:r>
+            <a:r>
+              <a:rPr lang="en-US" altLang="zh-CN" dirty="0" err="1"/>
+              <a:t>pixel_aupro</a:t>
+            </a:r>
+            <a:r>
+              <a:rPr lang="en-US" altLang="zh-CN" dirty="0"/>
+              <a:t> |   </a:t>
+            </a:r>
+            <a:r>
+              <a:rPr lang="en-US" altLang="zh-CN" dirty="0" err="1"/>
+              <a:t>image_auroc</a:t>
+            </a:r>
+            <a:r>
+              <a:rPr lang="en-US" altLang="zh-CN" dirty="0"/>
+              <a:t> |   </a:t>
+            </a:r>
+            <a:r>
+              <a:rPr lang="en-US" altLang="zh-CN" dirty="0" err="1"/>
+              <a:t>image_ap</a:t>
+            </a:r>
+            <a:r>
+              <a:rPr lang="en-US" altLang="zh-CN" dirty="0"/>
+              <a:t> |</a:t>
+            </a:r>
+          </a:p>
+          <a:p>
+            <a:r>
+              <a:rPr lang="en-US" altLang="zh-CN" dirty="0"/>
+              <a:t>|:-----------|--------------:|--------------:|--------------:|-----------:|</a:t>
+            </a:r>
+          </a:p>
+          <a:p>
+            <a:r>
+              <a:rPr lang="en-US" altLang="zh-CN" dirty="0"/>
+              <a:t>| candle     |          98.8 |          94.8 |          73.3 |       72.5 |</a:t>
+            </a:r>
+          </a:p>
+          <a:p>
+            <a:r>
+              <a:rPr lang="en-US" altLang="zh-CN" dirty="0"/>
+              <a:t>| capsules   |          95   |          78.5 |          91.4 |       94.6 |</a:t>
+            </a:r>
+          </a:p>
+          <a:p>
+            <a:r>
+              <a:rPr lang="en-US" altLang="zh-CN" dirty="0"/>
+              <a:t>| cashew     |          92   |          86.4 |          89.3 |       95.4 |</a:t>
+            </a:r>
+          </a:p>
+          <a:p>
+            <a:r>
+              <a:rPr lang="en-US" altLang="zh-CN" dirty="0"/>
+              <a:t>| </a:t>
+            </a:r>
+            <a:r>
+              <a:rPr lang="en-US" altLang="zh-CN" dirty="0" err="1"/>
+              <a:t>chewinggum</a:t>
+            </a:r>
+            <a:r>
+              <a:rPr lang="en-US" altLang="zh-CN" dirty="0"/>
+              <a:t> |          99.1 |          92.2 |          97.4 |       98.9 |</a:t>
+            </a:r>
+          </a:p>
+          <a:p>
+            <a:r>
+              <a:rPr lang="en-US" altLang="zh-CN" dirty="0"/>
+              <a:t>| </a:t>
+            </a:r>
+            <a:r>
+              <a:rPr lang="en-US" altLang="zh-CN" dirty="0" err="1"/>
+              <a:t>fryum</a:t>
+            </a:r>
+            <a:r>
+              <a:rPr lang="en-US" altLang="zh-CN" dirty="0"/>
+              <a:t>      |          94   |          84.2 |          91.9 |       96.1 |</a:t>
+            </a:r>
+          </a:p>
+          <a:p>
+            <a:r>
+              <a:rPr lang="en-US" altLang="zh-CN" dirty="0"/>
+              <a:t>| macaroni1  |          98.2 |          90.4 |          84.4 |       84.2 |</a:t>
+            </a:r>
+          </a:p>
+          <a:p>
+            <a:r>
+              <a:rPr lang="en-US" altLang="zh-CN" dirty="0"/>
+              <a:t>| macaroni2  |          97.4 |          82.1 |          77.9 |       77.7 |</a:t>
+            </a:r>
+          </a:p>
+          <a:p>
+            <a:r>
+              <a:rPr lang="en-US" altLang="zh-CN" dirty="0"/>
+              <a:t>| pcb1       |          93.9 |          82.6 |          79.9 |       80   |</a:t>
+            </a:r>
+          </a:p>
+          <a:p>
+            <a:r>
+              <a:rPr lang="en-US" altLang="zh-CN" dirty="0"/>
+              <a:t>| pcb2       |          92.5 |          78.8 |          63.1 |       64.7 |</a:t>
+            </a:r>
+          </a:p>
+          <a:p>
+            <a:r>
+              <a:rPr lang="en-US" altLang="zh-CN" dirty="0"/>
+              <a:t>| pcb3       |          88.2 |          76.2 |          66.1 |       73   |</a:t>
+            </a:r>
+          </a:p>
+          <a:p>
+            <a:r>
+              <a:rPr lang="en-US" altLang="zh-CN" dirty="0"/>
+              <a:t>| pcb4       |          95.8 |          89.8 |          93.6 |       94.1 |</a:t>
+            </a:r>
+          </a:p>
+          <a:p>
+            <a:r>
+              <a:rPr lang="en-US" altLang="zh-CN" dirty="0"/>
+              <a:t>| </a:t>
+            </a:r>
+            <a:r>
+              <a:rPr lang="en-US" altLang="zh-CN" dirty="0" err="1"/>
+              <a:t>pipe_fryum</a:t>
+            </a:r>
+            <a:r>
+              <a:rPr lang="en-US" altLang="zh-CN" dirty="0"/>
+              <a:t> |          98.1 |          95.4 |          91.4 |       95.5 |</a:t>
+            </a:r>
+          </a:p>
+          <a:p>
+            <a:r>
+              <a:rPr lang="en-US" altLang="zh-CN" dirty="0"/>
+              <a:t>| mean       |          95.2 |          86   |          83.3 |       85.6 |</a:t>
+            </a:r>
+            <a:endParaRPr lang="zh-CN" altLang="en-US" dirty="0"/>
+          </a:p>
+        </p:txBody>
+      </p:sp>
+      <p:sp>
+        <p:nvSpPr>
+          <p:cNvPr id="4" name="文本占位符 3">
+            <a:extLst>
+              <a:ext uri="{FF2B5EF4-FFF2-40B4-BE49-F238E27FC236}">
+                <a16:creationId xmlns:a16="http://schemas.microsoft.com/office/drawing/2014/main" id="{F5080508-0DC6-B449-3025-5BD7EFBFB7FA}"/>
+              </a:ext>
+            </a:extLst>
+          </p:cNvPr>
+          <p:cNvSpPr>
+            <a:spLocks noGrp="1"/>
+          </p:cNvSpPr>
+          <p:nvPr>
+            <p:ph type="body" sz="half" idx="2"/>
+          </p:nvPr>
+        </p:nvSpPr>
+        <p:spPr>
+          <a:xfrm>
+            <a:off x="24242" y="2069757"/>
+            <a:ext cx="3932237" cy="3811588"/>
+          </a:xfrm>
+        </p:spPr>
+        <p:txBody>
+          <a:bodyPr/>
+          <a:lstStyle/>
+          <a:p>
+            <a:r>
+              <a:rPr lang="zh-CN" altLang="en-US" dirty="0"/>
+              <a:t>文件存储在：</a:t>
+            </a:r>
+            <a:endParaRPr lang="en-US" altLang="zh-CN" dirty="0"/>
+          </a:p>
+          <a:p>
+            <a:r>
+              <a:rPr lang="en-US" altLang="zh-CN" dirty="0"/>
+              <a:t>9_12_4_train_mvtec_mgclip_Lp_add_Li/test_f24/log.txt</a:t>
+            </a:r>
+          </a:p>
+          <a:p>
+            <a:endParaRPr lang="en-US" altLang="zh-CN" dirty="0"/>
+          </a:p>
+          <a:p>
+            <a:r>
+              <a:rPr lang="en-US" altLang="zh-CN" dirty="0">
+                <a:solidFill>
+                  <a:srgbClr val="FF0000"/>
+                </a:solidFill>
+              </a:rPr>
+              <a:t>× </a:t>
+            </a:r>
+            <a:r>
+              <a:rPr lang="zh-CN" altLang="en-US" dirty="0">
+                <a:solidFill>
+                  <a:srgbClr val="FF0000"/>
+                </a:solidFill>
+              </a:rPr>
+              <a:t>从结果看，并没有很大提升</a:t>
+            </a:r>
+          </a:p>
+        </p:txBody>
+      </p:sp>
+    </p:spTree>
+    <p:extLst>
+      <p:ext uri="{BB962C8B-B14F-4D97-AF65-F5344CB8AC3E}">
+        <p14:creationId xmlns:p14="http://schemas.microsoft.com/office/powerpoint/2010/main" val="1141999998"/>
+      </p:ext>
+    </p:extLst>
+  </p:cSld>
+  <p:clrMapOvr>
+    <a:masterClrMapping/>
+  </p:clrMapOvr>
+</p:sld>
+</file>
+
+<file path=ppt/slides/slide24.xml><?xml version="1.0" encoding="utf-8"?>
+<p:sld xmlns:a="http://schemas.openxmlformats.org/drawingml/2006/main" xmlns:r="http://schemas.openxmlformats.org/officeDocument/2006/relationships" xmlns:p="http://schemas.openxmlformats.org/presentationml/2006/main">
+  <p:cSld>
+    <p:spTree>
+      <p:nvGrpSpPr>
+        <p:cNvPr id="1" name=""/>
+        <p:cNvGrpSpPr/>
+        <p:nvPr/>
+      </p:nvGrpSpPr>
+      <p:grpSpPr>
+        <a:xfrm>
+          <a:off x="0" y="0"/>
+          <a:ext cx="0" cy="0"/>
+          <a:chOff x="0" y="0"/>
+          <a:chExt cx="0" cy="0"/>
+        </a:xfrm>
+      </p:grpSpPr>
+      <p:sp>
+        <p:nvSpPr>
+          <p:cNvPr id="2" name="标题 1">
+            <a:extLst>
+              <a:ext uri="{FF2B5EF4-FFF2-40B4-BE49-F238E27FC236}">
                 <a16:creationId xmlns:a16="http://schemas.microsoft.com/office/drawing/2014/main" id="{3209386C-8EE3-E492-40BB-F173994A1E74}"/>
               </a:ext>
             </a:extLst>
@@ -12878,7 +13966,7 @@
 </p:sld>
 </file>
 
-<file path=ppt/slides/slide21.xml><?xml version="1.0" encoding="utf-8"?>
+<file path=ppt/slides/slide25.xml><?xml version="1.0" encoding="utf-8"?>
 <p:sld xmlns:a="http://schemas.openxmlformats.org/drawingml/2006/main" xmlns:r="http://schemas.openxmlformats.org/officeDocument/2006/relationships" xmlns:p="http://schemas.openxmlformats.org/presentationml/2006/main">
   <p:cSld>
     <p:spTree>
@@ -13752,8 +14840,8 @@
           </a:prstGeom>
         </p:spPr>
       </p:pic>
-      <mc:AlternateContent xmlns:mc="http://schemas.openxmlformats.org/markup-compatibility/2006">
-        <mc:Choice xmlns:a14="http://schemas.microsoft.com/office/drawing/2010/main" Requires="a14">
+      <mc:AlternateContent xmlns:mc="http://schemas.openxmlformats.org/markup-compatibility/2006" xmlns:a14="http://schemas.microsoft.com/office/drawing/2010/main">
+        <mc:Choice Requires="a14">
           <p:sp>
             <p:nvSpPr>
               <p:cNvPr id="33" name="文本框 32">
@@ -13837,7 +14925,7 @@
             </p:txBody>
           </p:sp>
         </mc:Choice>
-        <mc:Fallback>
+        <mc:Fallback xmlns="">
           <p:sp>
             <p:nvSpPr>
               <p:cNvPr id="33" name="文本框 32">
@@ -13882,8 +14970,8 @@
           </p:sp>
         </mc:Fallback>
       </mc:AlternateContent>
-      <mc:AlternateContent xmlns:mc="http://schemas.openxmlformats.org/markup-compatibility/2006">
-        <mc:Choice xmlns:a14="http://schemas.microsoft.com/office/drawing/2010/main" Requires="a14">
+      <mc:AlternateContent xmlns:mc="http://schemas.openxmlformats.org/markup-compatibility/2006" xmlns:a14="http://schemas.microsoft.com/office/drawing/2010/main">
+        <mc:Choice Requires="a14">
           <p:sp>
             <p:nvSpPr>
               <p:cNvPr id="34" name="文本框 33">
@@ -13967,7 +15055,7 @@
             </p:txBody>
           </p:sp>
         </mc:Choice>
-        <mc:Fallback>
+        <mc:Fallback xmlns="">
           <p:sp>
             <p:nvSpPr>
               <p:cNvPr id="34" name="文本框 33">
@@ -14012,8 +15100,8 @@
           </p:sp>
         </mc:Fallback>
       </mc:AlternateContent>
-      <mc:AlternateContent xmlns:mc="http://schemas.openxmlformats.org/markup-compatibility/2006">
-        <mc:Choice xmlns:a14="http://schemas.microsoft.com/office/drawing/2010/main" Requires="a14">
+      <mc:AlternateContent xmlns:mc="http://schemas.openxmlformats.org/markup-compatibility/2006" xmlns:a14="http://schemas.microsoft.com/office/drawing/2010/main">
+        <mc:Choice Requires="a14">
           <p:sp>
             <p:nvSpPr>
               <p:cNvPr id="35" name="文本框 34">
@@ -14097,7 +15185,7 @@
             </p:txBody>
           </p:sp>
         </mc:Choice>
-        <mc:Fallback>
+        <mc:Fallback xmlns="">
           <p:sp>
             <p:nvSpPr>
               <p:cNvPr id="35" name="文本框 34">
@@ -14532,8 +15620,8 @@
           </a:fontRef>
         </p:style>
       </p:cxnSp>
-      <mc:AlternateContent xmlns:mc="http://schemas.openxmlformats.org/markup-compatibility/2006">
-        <mc:Choice xmlns:a14="http://schemas.microsoft.com/office/drawing/2010/main" Requires="a14">
+      <mc:AlternateContent xmlns:mc="http://schemas.openxmlformats.org/markup-compatibility/2006" xmlns:a14="http://schemas.microsoft.com/office/drawing/2010/main">
+        <mc:Choice Requires="a14">
           <p:sp>
             <p:nvSpPr>
               <p:cNvPr id="50" name="文本框 49">
@@ -14630,7 +15718,7 @@
             </p:txBody>
           </p:sp>
         </mc:Choice>
-        <mc:Fallback>
+        <mc:Fallback xmlns="">
           <p:sp>
             <p:nvSpPr>
               <p:cNvPr id="50" name="文本框 49">
@@ -14675,8 +15763,8 @@
           </p:sp>
         </mc:Fallback>
       </mc:AlternateContent>
-      <mc:AlternateContent xmlns:mc="http://schemas.openxmlformats.org/markup-compatibility/2006">
-        <mc:Choice xmlns:a14="http://schemas.microsoft.com/office/drawing/2010/main" Requires="a14">
+      <mc:AlternateContent xmlns:mc="http://schemas.openxmlformats.org/markup-compatibility/2006" xmlns:a14="http://schemas.microsoft.com/office/drawing/2010/main">
+        <mc:Choice Requires="a14">
           <p:sp>
             <p:nvSpPr>
               <p:cNvPr id="51" name="文本框 50">
@@ -14773,7 +15861,7 @@
             </p:txBody>
           </p:sp>
         </mc:Choice>
-        <mc:Fallback>
+        <mc:Fallback xmlns="">
           <p:sp>
             <p:nvSpPr>
               <p:cNvPr id="51" name="文本框 50">
@@ -14818,8 +15906,8 @@
           </p:sp>
         </mc:Fallback>
       </mc:AlternateContent>
-      <mc:AlternateContent xmlns:mc="http://schemas.openxmlformats.org/markup-compatibility/2006">
-        <mc:Choice xmlns:a14="http://schemas.microsoft.com/office/drawing/2010/main" Requires="a14">
+      <mc:AlternateContent xmlns:mc="http://schemas.openxmlformats.org/markup-compatibility/2006" xmlns:a14="http://schemas.microsoft.com/office/drawing/2010/main">
+        <mc:Choice Requires="a14">
           <p:sp>
             <p:nvSpPr>
               <p:cNvPr id="52" name="文本框 51">
@@ -14916,7 +16004,7 @@
             </p:txBody>
           </p:sp>
         </mc:Choice>
-        <mc:Fallback>
+        <mc:Fallback xmlns="">
           <p:sp>
             <p:nvSpPr>
               <p:cNvPr id="52" name="文本框 51">
@@ -16391,8 +17479,8 @@
           </a:fontRef>
         </p:style>
       </p:cxnSp>
-      <mc:AlternateContent xmlns:mc="http://schemas.openxmlformats.org/markup-compatibility/2006">
-        <mc:Choice xmlns:a14="http://schemas.microsoft.com/office/drawing/2010/main" Requires="a14">
+      <mc:AlternateContent xmlns:mc="http://schemas.openxmlformats.org/markup-compatibility/2006" xmlns:a14="http://schemas.microsoft.com/office/drawing/2010/main">
+        <mc:Choice Requires="a14">
           <p:sp>
             <p:nvSpPr>
               <p:cNvPr id="95" name="文本框 94">
@@ -16496,7 +17584,7 @@
             </p:txBody>
           </p:sp>
         </mc:Choice>
-        <mc:Fallback>
+        <mc:Fallback xmlns="">
           <p:sp>
             <p:nvSpPr>
               <p:cNvPr id="95" name="文本框 94">
@@ -16541,8 +17629,8 @@
           </p:sp>
         </mc:Fallback>
       </mc:AlternateContent>
-      <mc:AlternateContent xmlns:mc="http://schemas.openxmlformats.org/markup-compatibility/2006">
-        <mc:Choice xmlns:a14="http://schemas.microsoft.com/office/drawing/2010/main" Requires="a14">
+      <mc:AlternateContent xmlns:mc="http://schemas.openxmlformats.org/markup-compatibility/2006" xmlns:a14="http://schemas.microsoft.com/office/drawing/2010/main">
+        <mc:Choice Requires="a14">
           <p:sp>
             <p:nvSpPr>
               <p:cNvPr id="96" name="文本框 95">
@@ -16646,7 +17734,7 @@
             </p:txBody>
           </p:sp>
         </mc:Choice>
-        <mc:Fallback>
+        <mc:Fallback xmlns="">
           <p:sp>
             <p:nvSpPr>
               <p:cNvPr id="96" name="文本框 95">
@@ -17101,8 +18189,8 @@
           </p:txBody>
         </p:sp>
       </p:grpSp>
-      <mc:AlternateContent xmlns:mc="http://schemas.openxmlformats.org/markup-compatibility/2006">
-        <mc:Choice xmlns:a14="http://schemas.microsoft.com/office/drawing/2010/main" Requires="a14">
+      <mc:AlternateContent xmlns:mc="http://schemas.openxmlformats.org/markup-compatibility/2006" xmlns:a14="http://schemas.microsoft.com/office/drawing/2010/main">
+        <mc:Choice Requires="a14">
           <p:sp>
             <p:nvSpPr>
               <p:cNvPr id="119" name="文本框 118">
@@ -17206,7 +18294,7 @@
             </p:txBody>
           </p:sp>
         </mc:Choice>
-        <mc:Fallback>
+        <mc:Fallback xmlns="">
           <p:sp>
             <p:nvSpPr>
               <p:cNvPr id="119" name="文本框 118">
@@ -17251,8 +18339,8 @@
           </p:sp>
         </mc:Fallback>
       </mc:AlternateContent>
-      <mc:AlternateContent xmlns:mc="http://schemas.openxmlformats.org/markup-compatibility/2006">
-        <mc:Choice xmlns:a14="http://schemas.microsoft.com/office/drawing/2010/main" Requires="a14">
+      <mc:AlternateContent xmlns:mc="http://schemas.openxmlformats.org/markup-compatibility/2006" xmlns:a14="http://schemas.microsoft.com/office/drawing/2010/main">
+        <mc:Choice Requires="a14">
           <p:sp>
             <p:nvSpPr>
               <p:cNvPr id="120" name="文本框 119">
@@ -17356,7 +18444,7 @@
             </p:txBody>
           </p:sp>
         </mc:Choice>
-        <mc:Fallback>
+        <mc:Fallback xmlns="">
           <p:sp>
             <p:nvSpPr>
               <p:cNvPr id="120" name="文本框 119">
@@ -17811,8 +18899,8 @@
           </p:txBody>
         </p:sp>
       </p:grpSp>
-      <mc:AlternateContent xmlns:mc="http://schemas.openxmlformats.org/markup-compatibility/2006">
-        <mc:Choice xmlns:a14="http://schemas.microsoft.com/office/drawing/2010/main" Requires="a14">
+      <mc:AlternateContent xmlns:mc="http://schemas.openxmlformats.org/markup-compatibility/2006" xmlns:a14="http://schemas.microsoft.com/office/drawing/2010/main">
+        <mc:Choice Requires="a14">
           <p:sp>
             <p:nvSpPr>
               <p:cNvPr id="131" name="文本框 130">
@@ -17916,7 +19004,7 @@
             </p:txBody>
           </p:sp>
         </mc:Choice>
-        <mc:Fallback>
+        <mc:Fallback xmlns="">
           <p:sp>
             <p:nvSpPr>
               <p:cNvPr id="131" name="文本框 130">
@@ -17961,8 +19049,8 @@
           </p:sp>
         </mc:Fallback>
       </mc:AlternateContent>
-      <mc:AlternateContent xmlns:mc="http://schemas.openxmlformats.org/markup-compatibility/2006">
-        <mc:Choice xmlns:a14="http://schemas.microsoft.com/office/drawing/2010/main" Requires="a14">
+      <mc:AlternateContent xmlns:mc="http://schemas.openxmlformats.org/markup-compatibility/2006" xmlns:a14="http://schemas.microsoft.com/office/drawing/2010/main">
+        <mc:Choice Requires="a14">
           <p:sp>
             <p:nvSpPr>
               <p:cNvPr id="132" name="文本框 131">
@@ -18066,7 +19154,7 @@
             </p:txBody>
           </p:sp>
         </mc:Choice>
-        <mc:Fallback>
+        <mc:Fallback xmlns="">
           <p:sp>
             <p:nvSpPr>
               <p:cNvPr id="132" name="文本框 131">
@@ -18279,8 +19367,8 @@
           </a:fontRef>
         </p:style>
       </p:cxnSp>
-      <mc:AlternateContent xmlns:mc="http://schemas.openxmlformats.org/markup-compatibility/2006">
-        <mc:Choice xmlns:a14="http://schemas.microsoft.com/office/drawing/2010/main" Requires="a14">
+      <mc:AlternateContent xmlns:mc="http://schemas.openxmlformats.org/markup-compatibility/2006" xmlns:a14="http://schemas.microsoft.com/office/drawing/2010/main">
+        <mc:Choice Requires="a14">
           <p:sp>
             <p:nvSpPr>
               <p:cNvPr id="141" name="文本框 140">
@@ -18355,7 +19443,7 @@
             </p:txBody>
           </p:sp>
         </mc:Choice>
-        <mc:Fallback>
+        <mc:Fallback xmlns="">
           <p:sp>
             <p:nvSpPr>
               <p:cNvPr id="141" name="文本框 140">
@@ -18642,8 +19730,8 @@
           </a:p>
         </p:txBody>
       </p:sp>
-      <mc:AlternateContent xmlns:mc="http://schemas.openxmlformats.org/markup-compatibility/2006">
-        <mc:Choice xmlns:a14="http://schemas.microsoft.com/office/drawing/2010/main" Requires="a14">
+      <mc:AlternateContent xmlns:mc="http://schemas.openxmlformats.org/markup-compatibility/2006" xmlns:a14="http://schemas.microsoft.com/office/drawing/2010/main">
+        <mc:Choice Requires="a14">
           <p:sp>
             <p:nvSpPr>
               <p:cNvPr id="148" name="文本框 147">
@@ -18731,7 +19819,7 @@
             </p:txBody>
           </p:sp>
         </mc:Choice>
-        <mc:Fallback>
+        <mc:Fallback xmlns="">
           <p:sp>
             <p:nvSpPr>
               <p:cNvPr id="148" name="文本框 147">
@@ -18955,8 +20043,8 @@
           </a:fontRef>
         </p:style>
       </p:cxnSp>
-      <mc:AlternateContent xmlns:mc="http://schemas.openxmlformats.org/markup-compatibility/2006">
-        <mc:Choice xmlns:a14="http://schemas.microsoft.com/office/drawing/2010/main" Requires="a14">
+      <mc:AlternateContent xmlns:mc="http://schemas.openxmlformats.org/markup-compatibility/2006" xmlns:a14="http://schemas.microsoft.com/office/drawing/2010/main">
+        <mc:Choice Requires="a14">
           <p:sp>
             <p:nvSpPr>
               <p:cNvPr id="162" name="文本框 161">
@@ -19069,7 +20157,7 @@
             </p:txBody>
           </p:sp>
         </mc:Choice>
-        <mc:Fallback>
+        <mc:Fallback xmlns="">
           <p:sp>
             <p:nvSpPr>
               <p:cNvPr id="162" name="文本框 161">
@@ -19264,8 +20352,8 @@
           </a:p>
         </p:txBody>
       </p:sp>
-      <mc:AlternateContent xmlns:mc="http://schemas.openxmlformats.org/markup-compatibility/2006">
-        <mc:Choice xmlns:a14="http://schemas.microsoft.com/office/drawing/2010/main" Requires="a14">
+      <mc:AlternateContent xmlns:mc="http://schemas.openxmlformats.org/markup-compatibility/2006" xmlns:a14="http://schemas.microsoft.com/office/drawing/2010/main">
+        <mc:Choice Requires="a14">
           <p:sp>
             <p:nvSpPr>
               <p:cNvPr id="169" name="文本框 168">
@@ -19349,7 +20437,7 @@
             </p:txBody>
           </p:sp>
         </mc:Choice>
-        <mc:Fallback>
+        <mc:Fallback xmlns="">
           <p:sp>
             <p:nvSpPr>
               <p:cNvPr id="169" name="文本框 168">
@@ -19917,8 +21005,8 @@
           </a:fontRef>
         </p:style>
       </p:cxnSp>
-      <mc:AlternateContent xmlns:mc="http://schemas.openxmlformats.org/markup-compatibility/2006">
-        <mc:Choice xmlns:a14="http://schemas.microsoft.com/office/drawing/2010/main" Requires="a14">
+      <mc:AlternateContent xmlns:mc="http://schemas.openxmlformats.org/markup-compatibility/2006" xmlns:a14="http://schemas.microsoft.com/office/drawing/2010/main">
+        <mc:Choice Requires="a14">
           <p:sp>
             <p:nvSpPr>
               <p:cNvPr id="199" name="文本框 198">
@@ -20009,7 +21097,7 @@
             </p:txBody>
           </p:sp>
         </mc:Choice>
-        <mc:Fallback>
+        <mc:Fallback xmlns="">
           <p:sp>
             <p:nvSpPr>
               <p:cNvPr id="199" name="文本框 198">
@@ -20054,8 +21142,8 @@
           </p:sp>
         </mc:Fallback>
       </mc:AlternateContent>
-      <mc:AlternateContent xmlns:mc="http://schemas.openxmlformats.org/markup-compatibility/2006">
-        <mc:Choice xmlns:a14="http://schemas.microsoft.com/office/drawing/2010/main" Requires="a14">
+      <mc:AlternateContent xmlns:mc="http://schemas.openxmlformats.org/markup-compatibility/2006" xmlns:a14="http://schemas.microsoft.com/office/drawing/2010/main">
+        <mc:Choice Requires="a14">
           <p:sp>
             <p:nvSpPr>
               <p:cNvPr id="200" name="文本框 199">
@@ -20146,7 +21234,7 @@
             </p:txBody>
           </p:sp>
         </mc:Choice>
-        <mc:Fallback>
+        <mc:Fallback xmlns="">
           <p:sp>
             <p:nvSpPr>
               <p:cNvPr id="200" name="文本框 199">
@@ -20309,8 +21397,8 @@
           </a:prstGeom>
         </p:spPr>
       </p:pic>
-      <mc:AlternateContent xmlns:mc="http://schemas.openxmlformats.org/markup-compatibility/2006">
-        <mc:Choice xmlns:a14="http://schemas.microsoft.com/office/drawing/2010/main" Requires="a14">
+      <mc:AlternateContent xmlns:mc="http://schemas.openxmlformats.org/markup-compatibility/2006" xmlns:a14="http://schemas.microsoft.com/office/drawing/2010/main">
+        <mc:Choice Requires="a14">
           <p:sp>
             <p:nvSpPr>
               <p:cNvPr id="213" name="文本框 212">
@@ -20401,7 +21489,7 @@
             </p:txBody>
           </p:sp>
         </mc:Choice>
-        <mc:Fallback>
+        <mc:Fallback xmlns="">
           <p:sp>
             <p:nvSpPr>
               <p:cNvPr id="213" name="文本框 212">
@@ -20446,8 +21534,8 @@
           </p:sp>
         </mc:Fallback>
       </mc:AlternateContent>
-      <mc:AlternateContent xmlns:mc="http://schemas.openxmlformats.org/markup-compatibility/2006">
-        <mc:Choice xmlns:a14="http://schemas.microsoft.com/office/drawing/2010/main" Requires="a14">
+      <mc:AlternateContent xmlns:mc="http://schemas.openxmlformats.org/markup-compatibility/2006" xmlns:a14="http://schemas.microsoft.com/office/drawing/2010/main">
+        <mc:Choice Requires="a14">
           <p:sp>
             <p:nvSpPr>
               <p:cNvPr id="214" name="文本框 213">
@@ -20538,7 +21626,7 @@
             </p:txBody>
           </p:sp>
         </mc:Choice>
-        <mc:Fallback>
+        <mc:Fallback xmlns="">
           <p:sp>
             <p:nvSpPr>
               <p:cNvPr id="214" name="文本框 213">
@@ -21463,8 +22551,8 @@
           </a:fontRef>
         </p:style>
       </p:cxnSp>
-      <mc:AlternateContent xmlns:mc="http://schemas.openxmlformats.org/markup-compatibility/2006">
-        <mc:Choice xmlns:a14="http://schemas.microsoft.com/office/drawing/2010/main" Requires="a14">
+      <mc:AlternateContent xmlns:mc="http://schemas.openxmlformats.org/markup-compatibility/2006" xmlns:a14="http://schemas.microsoft.com/office/drawing/2010/main">
+        <mc:Choice Requires="a14">
           <p:sp>
             <p:nvSpPr>
               <p:cNvPr id="265" name="文本框 264">
@@ -21548,7 +22636,7 @@
             </p:txBody>
           </p:sp>
         </mc:Choice>
-        <mc:Fallback>
+        <mc:Fallback xmlns="">
           <p:sp>
             <p:nvSpPr>
               <p:cNvPr id="265" name="文本框 264">
@@ -21593,8 +22681,8 @@
           </p:sp>
         </mc:Fallback>
       </mc:AlternateContent>
-      <mc:AlternateContent xmlns:mc="http://schemas.openxmlformats.org/markup-compatibility/2006">
-        <mc:Choice xmlns:a14="http://schemas.microsoft.com/office/drawing/2010/main" Requires="a14">
+      <mc:AlternateContent xmlns:mc="http://schemas.openxmlformats.org/markup-compatibility/2006" xmlns:a14="http://schemas.microsoft.com/office/drawing/2010/main">
+        <mc:Choice Requires="a14">
           <p:sp>
             <p:nvSpPr>
               <p:cNvPr id="266" name="文本框 265">
@@ -21678,7 +22766,7 @@
             </p:txBody>
           </p:sp>
         </mc:Choice>
-        <mc:Fallback>
+        <mc:Fallback xmlns="">
           <p:sp>
             <p:nvSpPr>
               <p:cNvPr id="266" name="文本框 265">
@@ -21736,7 +22824,7 @@
 </p:sld>
 </file>
 
-<file path=ppt/slides/slide22.xml><?xml version="1.0" encoding="utf-8"?>
+<file path=ppt/slides/slide26.xml><?xml version="1.0" encoding="utf-8"?>
 <p:sld xmlns:a="http://schemas.openxmlformats.org/drawingml/2006/main" xmlns:r="http://schemas.openxmlformats.org/officeDocument/2006/relationships" xmlns:p="http://schemas.openxmlformats.org/presentationml/2006/main">
   <p:cSld>
     <p:spTree>
@@ -21753,8 +22841,8 @@
           <a:chExt cx="0" cy="0"/>
         </a:xfrm>
       </p:grpSpPr>
-      <mc:AlternateContent xmlns:mc="http://schemas.openxmlformats.org/markup-compatibility/2006">
-        <mc:Choice xmlns:a14="http://schemas.microsoft.com/office/drawing/2010/main" Requires="a14">
+      <mc:AlternateContent xmlns:mc="http://schemas.openxmlformats.org/markup-compatibility/2006" xmlns:a14="http://schemas.microsoft.com/office/drawing/2010/main">
+        <mc:Choice Requires="a14">
           <p:sp>
             <p:nvSpPr>
               <p:cNvPr id="21" name="文本框 20">
@@ -22065,7 +23153,7 @@
             </p:txBody>
           </p:sp>
         </mc:Choice>
-        <mc:Fallback>
+        <mc:Fallback xmlns="">
           <p:sp>
             <p:nvSpPr>
               <p:cNvPr id="21" name="文本框 20">
@@ -22110,8 +23198,8 @@
           </p:sp>
         </mc:Fallback>
       </mc:AlternateContent>
-      <mc:AlternateContent xmlns:mc="http://schemas.openxmlformats.org/markup-compatibility/2006">
-        <mc:Choice xmlns:a14="http://schemas.microsoft.com/office/drawing/2010/main" Requires="a14">
+      <mc:AlternateContent xmlns:mc="http://schemas.openxmlformats.org/markup-compatibility/2006" xmlns:a14="http://schemas.microsoft.com/office/drawing/2010/main">
+        <mc:Choice Requires="a14">
           <p:sp>
             <p:nvSpPr>
               <p:cNvPr id="23" name="文本框 22">
@@ -22540,7 +23628,7 @@
             </p:txBody>
           </p:sp>
         </mc:Choice>
-        <mc:Fallback>
+        <mc:Fallback xmlns="">
           <p:sp>
             <p:nvSpPr>
               <p:cNvPr id="23" name="文本框 22">
@@ -22585,8 +23673,8 @@
           </p:sp>
         </mc:Fallback>
       </mc:AlternateContent>
-      <mc:AlternateContent xmlns:mc="http://schemas.openxmlformats.org/markup-compatibility/2006">
-        <mc:Choice xmlns:a14="http://schemas.microsoft.com/office/drawing/2010/main" Requires="a14">
+      <mc:AlternateContent xmlns:mc="http://schemas.openxmlformats.org/markup-compatibility/2006" xmlns:a14="http://schemas.microsoft.com/office/drawing/2010/main">
+        <mc:Choice Requires="a14">
           <p:sp>
             <p:nvSpPr>
               <p:cNvPr id="24" name="文本框 23">
@@ -22897,7 +23985,7 @@
             </p:txBody>
           </p:sp>
         </mc:Choice>
-        <mc:Fallback>
+        <mc:Fallback xmlns="">
           <p:sp>
             <p:nvSpPr>
               <p:cNvPr id="24" name="文本框 23">
@@ -22942,8 +24030,8 @@
           </p:sp>
         </mc:Fallback>
       </mc:AlternateContent>
-      <mc:AlternateContent xmlns:mc="http://schemas.openxmlformats.org/markup-compatibility/2006">
-        <mc:Choice xmlns:a14="http://schemas.microsoft.com/office/drawing/2010/main" Requires="a14">
+      <mc:AlternateContent xmlns:mc="http://schemas.openxmlformats.org/markup-compatibility/2006" xmlns:a14="http://schemas.microsoft.com/office/drawing/2010/main">
+        <mc:Choice Requires="a14">
           <p:sp>
             <p:nvSpPr>
               <p:cNvPr id="25" name="文本框 24">
@@ -23372,7 +24460,7 @@
             </p:txBody>
           </p:sp>
         </mc:Choice>
-        <mc:Fallback>
+        <mc:Fallback xmlns="">
           <p:sp>
             <p:nvSpPr>
               <p:cNvPr id="25" name="文本框 24">
@@ -23460,8 +24548,8 @@
           </a:p>
         </p:txBody>
       </p:sp>
-      <mc:AlternateContent xmlns:mc="http://schemas.openxmlformats.org/markup-compatibility/2006">
-        <mc:Choice xmlns:a14="http://schemas.microsoft.com/office/drawing/2010/main" Requires="a14">
+      <mc:AlternateContent xmlns:mc="http://schemas.openxmlformats.org/markup-compatibility/2006" xmlns:a14="http://schemas.microsoft.com/office/drawing/2010/main">
+        <mc:Choice Requires="a14">
           <p:sp>
             <p:nvSpPr>
               <p:cNvPr id="27" name="文本框 26">
@@ -23772,7 +24860,7 @@
             </p:txBody>
           </p:sp>
         </mc:Choice>
-        <mc:Fallback>
+        <mc:Fallback xmlns="">
           <p:sp>
             <p:nvSpPr>
               <p:cNvPr id="27" name="文本框 26">
@@ -23817,8 +24905,8 @@
           </p:sp>
         </mc:Fallback>
       </mc:AlternateContent>
-      <mc:AlternateContent xmlns:mc="http://schemas.openxmlformats.org/markup-compatibility/2006">
-        <mc:Choice xmlns:a14="http://schemas.microsoft.com/office/drawing/2010/main" Requires="a14">
+      <mc:AlternateContent xmlns:mc="http://schemas.openxmlformats.org/markup-compatibility/2006" xmlns:a14="http://schemas.microsoft.com/office/drawing/2010/main">
+        <mc:Choice Requires="a14">
           <p:sp>
             <p:nvSpPr>
               <p:cNvPr id="29" name="文本框 28">
@@ -24247,7 +25335,7 @@
             </p:txBody>
           </p:sp>
         </mc:Choice>
-        <mc:Fallback>
+        <mc:Fallback xmlns="">
           <p:sp>
             <p:nvSpPr>
               <p:cNvPr id="29" name="文本框 28">
@@ -24354,7 +25442,7 @@
 </p:sld>
 </file>
 
-<file path=ppt/slides/slide23.xml><?xml version="1.0" encoding="utf-8"?>
+<file path=ppt/slides/slide27.xml><?xml version="1.0" encoding="utf-8"?>
 <p:sld xmlns:a="http://schemas.openxmlformats.org/drawingml/2006/main" xmlns:r="http://schemas.openxmlformats.org/officeDocument/2006/relationships" xmlns:p="http://schemas.openxmlformats.org/presentationml/2006/main">
   <p:cSld>
     <p:spTree>
@@ -24414,7 +25502,7 @@
 </p:sld>
 </file>
 
-<file path=ppt/slides/slide24.xml><?xml version="1.0" encoding="utf-8"?>
+<file path=ppt/slides/slide28.xml><?xml version="1.0" encoding="utf-8"?>
 <p:sld xmlns:a="http://schemas.openxmlformats.org/drawingml/2006/main" xmlns:r="http://schemas.openxmlformats.org/officeDocument/2006/relationships" xmlns:p="http://schemas.openxmlformats.org/presentationml/2006/main">
   <p:cSld>
     <p:spTree>
@@ -24504,7 +25592,7 @@
 </p:sld>
 </file>
 
-<file path=ppt/slides/slide25.xml><?xml version="1.0" encoding="utf-8"?>
+<file path=ppt/slides/slide29.xml><?xml version="1.0" encoding="utf-8"?>
 <p:sld xmlns:a="http://schemas.openxmlformats.org/drawingml/2006/main" xmlns:r="http://schemas.openxmlformats.org/officeDocument/2006/relationships" xmlns:p="http://schemas.openxmlformats.org/presentationml/2006/main">
   <p:cSld>
     <p:spTree>
@@ -26408,7 +27496,2725 @@
 </p:sld>
 </file>
 
-<file path=ppt/slides/slide26.xml><?xml version="1.0" encoding="utf-8"?>
+<file path=ppt/slides/slide3.xml><?xml version="1.0" encoding="utf-8"?>
+<p:sld xmlns:a="http://schemas.openxmlformats.org/drawingml/2006/main" xmlns:r="http://schemas.openxmlformats.org/officeDocument/2006/relationships" xmlns:p="http://schemas.openxmlformats.org/presentationml/2006/main">
+  <p:cSld>
+    <p:spTree>
+      <p:nvGrpSpPr>
+        <p:cNvPr id="1" name=""/>
+        <p:cNvGrpSpPr/>
+        <p:nvPr/>
+      </p:nvGrpSpPr>
+      <p:grpSpPr>
+        <a:xfrm>
+          <a:off x="0" y="0"/>
+          <a:ext cx="0" cy="0"/>
+          <a:chOff x="0" y="0"/>
+          <a:chExt cx="0" cy="0"/>
+        </a:xfrm>
+      </p:grpSpPr>
+      <p:sp>
+        <p:nvSpPr>
+          <p:cNvPr id="2" name="标题 1">
+            <a:extLst>
+              <a:ext uri="{FF2B5EF4-FFF2-40B4-BE49-F238E27FC236}">
+                <a16:creationId xmlns:a16="http://schemas.microsoft.com/office/drawing/2014/main" id="{0AD6C6DB-576B-5091-8F6B-B27BA9293636}"/>
+              </a:ext>
+            </a:extLst>
+          </p:cNvPr>
+          <p:cNvSpPr>
+            <a:spLocks noGrp="1"/>
+          </p:cNvSpPr>
+          <p:nvPr>
+            <p:ph type="title"/>
+          </p:nvPr>
+        </p:nvSpPr>
+        <p:spPr>
+          <a:xfrm>
+            <a:off x="98854" y="1183338"/>
+            <a:ext cx="3932237" cy="463378"/>
+          </a:xfrm>
+        </p:spPr>
+        <p:txBody>
+          <a:bodyPr>
+            <a:normAutofit fontScale="90000"/>
+          </a:bodyPr>
+          <a:lstStyle/>
+          <a:p>
+            <a:r>
+              <a:rPr lang="zh-CN" altLang="en-US" dirty="0"/>
+              <a:t>具体设计内容</a:t>
+            </a:r>
+            <a:r>
+              <a:rPr lang="en-US" altLang="zh-CN" dirty="0"/>
+              <a:t>(1/3)</a:t>
+            </a:r>
+            <a:endParaRPr lang="zh-CN" altLang="en-US" dirty="0"/>
+          </a:p>
+        </p:txBody>
+      </p:sp>
+      <p:sp>
+        <p:nvSpPr>
+          <p:cNvPr id="4" name="文本占位符 3">
+            <a:extLst>
+              <a:ext uri="{FF2B5EF4-FFF2-40B4-BE49-F238E27FC236}">
+                <a16:creationId xmlns:a16="http://schemas.microsoft.com/office/drawing/2014/main" id="{4DB01706-1348-26AF-431D-3101AB0310D6}"/>
+              </a:ext>
+            </a:extLst>
+          </p:cNvPr>
+          <p:cNvSpPr>
+            <a:spLocks noGrp="1"/>
+          </p:cNvSpPr>
+          <p:nvPr>
+            <p:ph type="body" sz="half" idx="2"/>
+          </p:nvPr>
+        </p:nvSpPr>
+        <p:spPr>
+          <a:xfrm>
+            <a:off x="199082" y="2211787"/>
+            <a:ext cx="4512533" cy="2483825"/>
+          </a:xfrm>
+        </p:spPr>
+        <p:txBody>
+          <a:bodyPr>
+            <a:normAutofit fontScale="85000" lnSpcReduction="10000"/>
+          </a:bodyPr>
+          <a:lstStyle/>
+          <a:p>
+            <a:pPr>
+              <a:lnSpc>
+                <a:spcPct val="160000"/>
+              </a:lnSpc>
+            </a:pPr>
+            <a:r>
+              <a:rPr lang="en-US" altLang="zh-CN" sz="2400" dirty="0"/>
+              <a:t>MGPL</a:t>
+            </a:r>
+            <a:r>
+              <a:rPr lang="zh-CN" altLang="en-US" sz="2400" dirty="0"/>
+              <a:t>（</a:t>
+            </a:r>
+            <a:r>
+              <a:rPr lang="en-US" altLang="zh-CN" sz="2400" dirty="0"/>
+              <a:t>Multi-grained Prompt Learning</a:t>
+            </a:r>
+            <a:r>
+              <a:rPr lang="zh-CN" altLang="en-US" sz="2400" dirty="0"/>
+              <a:t>）：包含两个部分的文本提示</a:t>
+            </a:r>
+            <a:endParaRPr lang="en-US" altLang="zh-CN" sz="2400" dirty="0"/>
+          </a:p>
+          <a:p>
+            <a:pPr>
+              <a:lnSpc>
+                <a:spcPct val="160000"/>
+              </a:lnSpc>
+            </a:pPr>
+            <a:r>
+              <a:rPr lang="en-US" altLang="zh-CN" sz="2400" dirty="0"/>
+              <a:t>1.patch</a:t>
+            </a:r>
+            <a:r>
+              <a:rPr lang="zh-CN" altLang="en-US" sz="2400" dirty="0"/>
+              <a:t>级别的局部文本提示</a:t>
+            </a:r>
+            <a:endParaRPr lang="en-US" altLang="zh-CN" sz="2400" dirty="0"/>
+          </a:p>
+          <a:p>
+            <a:pPr>
+              <a:lnSpc>
+                <a:spcPct val="160000"/>
+              </a:lnSpc>
+            </a:pPr>
+            <a:r>
+              <a:rPr lang="en-US" altLang="zh-CN" sz="2400" dirty="0"/>
+              <a:t>2.</a:t>
+            </a:r>
+            <a:r>
+              <a:rPr lang="zh-CN" altLang="en-US" sz="2400" dirty="0"/>
+              <a:t>图像级别的全局文本提示。</a:t>
+            </a:r>
+          </a:p>
+        </p:txBody>
+      </p:sp>
+      <p:sp>
+        <p:nvSpPr>
+          <p:cNvPr id="9" name="文本框 8">
+            <a:extLst>
+              <a:ext uri="{FF2B5EF4-FFF2-40B4-BE49-F238E27FC236}">
+                <a16:creationId xmlns:a16="http://schemas.microsoft.com/office/drawing/2014/main" id="{F93DB3AA-B33F-7210-E943-D62ADD9383CA}"/>
+              </a:ext>
+            </a:extLst>
+          </p:cNvPr>
+          <p:cNvSpPr txBox="1"/>
+          <p:nvPr/>
+        </p:nvSpPr>
+        <p:spPr>
+          <a:xfrm>
+            <a:off x="8039531" y="2821860"/>
+            <a:ext cx="2276475" cy="369332"/>
+          </a:xfrm>
+          <a:prstGeom prst="rect">
+            <a:avLst/>
+          </a:prstGeom>
+          <a:noFill/>
+        </p:spPr>
+        <p:txBody>
+          <a:bodyPr wrap="square">
+            <a:spAutoFit/>
+          </a:bodyPr>
+          <a:lstStyle/>
+          <a:p>
+            <a:r>
+              <a:rPr lang="en-US" altLang="zh-CN" sz="1800" dirty="0"/>
+              <a:t>1.patch</a:t>
+            </a:r>
+            <a:r>
+              <a:rPr lang="zh-CN" altLang="en-US" sz="1800" dirty="0"/>
+              <a:t>级</a:t>
+            </a:r>
+            <a:r>
+              <a:rPr lang="zh-CN" altLang="en-US" dirty="0"/>
+              <a:t>文本提示</a:t>
+            </a:r>
+          </a:p>
+        </p:txBody>
+      </p:sp>
+      <p:sp>
+        <p:nvSpPr>
+          <p:cNvPr id="10" name="文本框 9">
+            <a:extLst>
+              <a:ext uri="{FF2B5EF4-FFF2-40B4-BE49-F238E27FC236}">
+                <a16:creationId xmlns:a16="http://schemas.microsoft.com/office/drawing/2014/main" id="{35466B88-D6D3-623B-0510-CBE40E1BC085}"/>
+              </a:ext>
+            </a:extLst>
+          </p:cNvPr>
+          <p:cNvSpPr txBox="1"/>
+          <p:nvPr/>
+        </p:nvSpPr>
+        <p:spPr>
+          <a:xfrm>
+            <a:off x="8099127" y="5781476"/>
+            <a:ext cx="2276475" cy="369332"/>
+          </a:xfrm>
+          <a:prstGeom prst="rect">
+            <a:avLst/>
+          </a:prstGeom>
+          <a:noFill/>
+        </p:spPr>
+        <p:txBody>
+          <a:bodyPr wrap="square">
+            <a:spAutoFit/>
+          </a:bodyPr>
+          <a:lstStyle/>
+          <a:p>
+            <a:r>
+              <a:rPr lang="en-US" altLang="zh-CN" sz="1800" dirty="0"/>
+              <a:t>2.</a:t>
+            </a:r>
+            <a:r>
+              <a:rPr lang="zh-CN" altLang="en-US" sz="1800" dirty="0"/>
+              <a:t>图像级</a:t>
+            </a:r>
+            <a:r>
+              <a:rPr lang="zh-CN" altLang="en-US" dirty="0"/>
+              <a:t>文本提示</a:t>
+            </a:r>
+          </a:p>
+        </p:txBody>
+      </p:sp>
+      <p:sp>
+        <p:nvSpPr>
+          <p:cNvPr id="11" name="矩形: 圆角 10">
+            <a:extLst>
+              <a:ext uri="{FF2B5EF4-FFF2-40B4-BE49-F238E27FC236}">
+                <a16:creationId xmlns:a16="http://schemas.microsoft.com/office/drawing/2014/main" id="{4A51ECF3-4DEF-CFF7-50FD-874A63A8D63B}"/>
+              </a:ext>
+            </a:extLst>
+          </p:cNvPr>
+          <p:cNvSpPr/>
+          <p:nvPr/>
+        </p:nvSpPr>
+        <p:spPr>
+          <a:xfrm>
+            <a:off x="7459236" y="864972"/>
+            <a:ext cx="3286897" cy="1918329"/>
+          </a:xfrm>
+          <a:prstGeom prst="roundRect">
+            <a:avLst/>
+          </a:prstGeom>
+          <a:solidFill>
+            <a:srgbClr val="CACACA"/>
+          </a:solidFill>
+          <a:ln>
+            <a:solidFill>
+              <a:schemeClr val="accent1"/>
+            </a:solidFill>
+          </a:ln>
+        </p:spPr>
+        <p:style>
+          <a:lnRef idx="2">
+            <a:schemeClr val="accent1">
+              <a:shade val="15000"/>
+            </a:schemeClr>
+          </a:lnRef>
+          <a:fillRef idx="1">
+            <a:schemeClr val="accent1"/>
+          </a:fillRef>
+          <a:effectRef idx="0">
+            <a:schemeClr val="accent1"/>
+          </a:effectRef>
+          <a:fontRef idx="minor">
+            <a:schemeClr val="lt1"/>
+          </a:fontRef>
+        </p:style>
+        <p:txBody>
+          <a:bodyPr rtlCol="0" anchor="ctr"/>
+          <a:lstStyle/>
+          <a:p>
+            <a:pPr algn="ctr"/>
+            <a:endParaRPr lang="zh-CN" altLang="en-US"/>
+          </a:p>
+        </p:txBody>
+      </p:sp>
+      <p:sp>
+        <p:nvSpPr>
+          <p:cNvPr id="12" name="矩形: 圆角 11">
+            <a:extLst>
+              <a:ext uri="{FF2B5EF4-FFF2-40B4-BE49-F238E27FC236}">
+                <a16:creationId xmlns:a16="http://schemas.microsoft.com/office/drawing/2014/main" id="{62578B82-D72B-B029-8838-DFD3C80F4ACB}"/>
+              </a:ext>
+            </a:extLst>
+          </p:cNvPr>
+          <p:cNvSpPr/>
+          <p:nvPr/>
+        </p:nvSpPr>
+        <p:spPr>
+          <a:xfrm>
+            <a:off x="7737006" y="1005780"/>
+            <a:ext cx="2737278" cy="500986"/>
+          </a:xfrm>
+          <a:prstGeom prst="roundRect">
+            <a:avLst/>
+          </a:prstGeom>
+          <a:solidFill>
+            <a:srgbClr val="FFFFFF"/>
+          </a:solidFill>
+        </p:spPr>
+        <p:style>
+          <a:lnRef idx="2">
+            <a:schemeClr val="accent1">
+              <a:shade val="15000"/>
+            </a:schemeClr>
+          </a:lnRef>
+          <a:fillRef idx="1">
+            <a:schemeClr val="accent1"/>
+          </a:fillRef>
+          <a:effectRef idx="0">
+            <a:schemeClr val="accent1"/>
+          </a:effectRef>
+          <a:fontRef idx="minor">
+            <a:schemeClr val="lt1"/>
+          </a:fontRef>
+        </p:style>
+        <p:txBody>
+          <a:bodyPr rtlCol="0" anchor="ctr"/>
+          <a:lstStyle/>
+          <a:p>
+            <a:pPr algn="ctr"/>
+            <a:endParaRPr lang="zh-CN" altLang="en-US" dirty="0">
+              <a:solidFill>
+                <a:schemeClr val="tx1"/>
+              </a:solidFill>
+            </a:endParaRPr>
+          </a:p>
+        </p:txBody>
+      </p:sp>
+      <p:sp>
+        <p:nvSpPr>
+          <p:cNvPr id="13" name="文本框 12">
+            <a:extLst>
+              <a:ext uri="{FF2B5EF4-FFF2-40B4-BE49-F238E27FC236}">
+                <a16:creationId xmlns:a16="http://schemas.microsoft.com/office/drawing/2014/main" id="{F6E25165-E11F-AF70-439F-E7DFE36F615E}"/>
+              </a:ext>
+            </a:extLst>
+          </p:cNvPr>
+          <p:cNvSpPr txBox="1"/>
+          <p:nvPr/>
+        </p:nvSpPr>
+        <p:spPr>
+          <a:xfrm>
+            <a:off x="7979936" y="1466166"/>
+            <a:ext cx="2395666" cy="369332"/>
+          </a:xfrm>
+          <a:prstGeom prst="rect">
+            <a:avLst/>
+          </a:prstGeom>
+          <a:noFill/>
+        </p:spPr>
+        <p:txBody>
+          <a:bodyPr wrap="square">
+            <a:spAutoFit/>
+          </a:bodyPr>
+          <a:lstStyle/>
+          <a:p>
+            <a:r>
+              <a:rPr lang="en-US" altLang="zh-CN" dirty="0"/>
+              <a:t>Patch</a:t>
+            </a:r>
+            <a:r>
+              <a:rPr lang="zh-CN" altLang="en-US" dirty="0"/>
+              <a:t>级：正常文本</a:t>
+            </a:r>
+          </a:p>
+        </p:txBody>
+      </p:sp>
+      <p:sp>
+        <p:nvSpPr>
+          <p:cNvPr id="15" name="文本框 14">
+            <a:extLst>
+              <a:ext uri="{FF2B5EF4-FFF2-40B4-BE49-F238E27FC236}">
+                <a16:creationId xmlns:a16="http://schemas.microsoft.com/office/drawing/2014/main" id="{27B76C01-9199-5874-1354-5742A7CA3158}"/>
+              </a:ext>
+            </a:extLst>
+          </p:cNvPr>
+          <p:cNvSpPr txBox="1"/>
+          <p:nvPr/>
+        </p:nvSpPr>
+        <p:spPr>
+          <a:xfrm>
+            <a:off x="7979936" y="2358646"/>
+            <a:ext cx="2395666" cy="369332"/>
+          </a:xfrm>
+          <a:prstGeom prst="rect">
+            <a:avLst/>
+          </a:prstGeom>
+          <a:noFill/>
+        </p:spPr>
+        <p:txBody>
+          <a:bodyPr wrap="square">
+            <a:spAutoFit/>
+          </a:bodyPr>
+          <a:lstStyle/>
+          <a:p>
+            <a:r>
+              <a:rPr lang="en-US" altLang="zh-CN" dirty="0"/>
+              <a:t>Patch</a:t>
+            </a:r>
+            <a:r>
+              <a:rPr lang="zh-CN" altLang="en-US" dirty="0"/>
+              <a:t>级：异常文本</a:t>
+            </a:r>
+          </a:p>
+        </p:txBody>
+      </p:sp>
+      <mc:AlternateContent xmlns:mc="http://schemas.openxmlformats.org/markup-compatibility/2006" xmlns:a14="http://schemas.microsoft.com/office/drawing/2010/main">
+        <mc:Choice Requires="a14">
+          <p:sp>
+            <p:nvSpPr>
+              <p:cNvPr id="17" name="文本框 16">
+                <a:extLst>
+                  <a:ext uri="{FF2B5EF4-FFF2-40B4-BE49-F238E27FC236}">
+                    <a16:creationId xmlns:a16="http://schemas.microsoft.com/office/drawing/2014/main" id="{C3CE621A-BDFA-9BE2-B74D-B310EFE2A50A}"/>
+                  </a:ext>
+                </a:extLst>
+              </p:cNvPr>
+              <p:cNvSpPr txBox="1"/>
+              <p:nvPr/>
+            </p:nvSpPr>
+            <p:spPr>
+              <a:xfrm>
+                <a:off x="8226128" y="1055141"/>
+                <a:ext cx="373792" cy="369332"/>
+              </a:xfrm>
+              <a:prstGeom prst="rect">
+                <a:avLst/>
+              </a:prstGeom>
+              <a:solidFill>
+                <a:srgbClr val="ED721F"/>
+              </a:solidFill>
+            </p:spPr>
+            <p:txBody>
+              <a:bodyPr wrap="square">
+                <a:spAutoFit/>
+              </a:bodyPr>
+              <a:lstStyle/>
+              <a:p>
+                <a:pPr/>
+                <a14:m>
+                  <m:oMathPara xmlns:m="http://schemas.openxmlformats.org/officeDocument/2006/math">
+                    <m:oMathParaPr>
+                      <m:jc m:val="centerGroup"/>
+                    </m:oMathParaPr>
+                    <m:oMath xmlns:m="http://schemas.openxmlformats.org/officeDocument/2006/math">
+                      <m:sSub>
+                        <m:sSubPr>
+                          <m:ctrlPr>
+                            <a:rPr lang="en-US" altLang="zh-CN" i="1" smtClean="0">
+                              <a:solidFill>
+                                <a:schemeClr val="tx1"/>
+                              </a:solidFill>
+                              <a:latin typeface="Cambria Math" panose="02040503050406030204" pitchFamily="18" charset="0"/>
+                            </a:rPr>
+                          </m:ctrlPr>
+                        </m:sSubPr>
+                        <m:e>
+                          <m:r>
+                            <a:rPr lang="en-US" altLang="zh-CN" b="0" i="1" smtClean="0">
+                              <a:solidFill>
+                                <a:schemeClr val="tx1"/>
+                              </a:solidFill>
+                              <a:latin typeface="Cambria Math" panose="02040503050406030204" pitchFamily="18" charset="0"/>
+                            </a:rPr>
+                            <m:t>𝐴</m:t>
+                          </m:r>
+                        </m:e>
+                        <m:sub>
+                          <m:r>
+                            <a:rPr lang="en-US" altLang="zh-CN" b="0" i="1" smtClean="0">
+                              <a:solidFill>
+                                <a:schemeClr val="tx1"/>
+                              </a:solidFill>
+                              <a:latin typeface="Cambria Math" panose="02040503050406030204" pitchFamily="18" charset="0"/>
+                            </a:rPr>
+                            <m:t>1</m:t>
+                          </m:r>
+                        </m:sub>
+                      </m:sSub>
+                      <m:r>
+                        <a:rPr lang="en-US" altLang="zh-CN" b="0" i="1" smtClean="0">
+                          <a:solidFill>
+                            <a:schemeClr val="tx1"/>
+                          </a:solidFill>
+                          <a:latin typeface="Cambria Math" panose="02040503050406030204" pitchFamily="18" charset="0"/>
+                        </a:rPr>
+                        <m:t> </m:t>
+                      </m:r>
+                    </m:oMath>
+                  </m:oMathPara>
+                </a14:m>
+                <a:endParaRPr lang="zh-CN" altLang="en-US" dirty="0"/>
+              </a:p>
+            </p:txBody>
+          </p:sp>
+        </mc:Choice>
+        <mc:Fallback xmlns="">
+          <p:sp>
+            <p:nvSpPr>
+              <p:cNvPr id="17" name="文本框 16">
+                <a:extLst>
+                  <a:ext uri="{FF2B5EF4-FFF2-40B4-BE49-F238E27FC236}">
+                    <a16:creationId xmlns:a16="http://schemas.microsoft.com/office/drawing/2014/main" id="{C3CE621A-BDFA-9BE2-B74D-B310EFE2A50A}"/>
+                  </a:ext>
+                </a:extLst>
+              </p:cNvPr>
+              <p:cNvSpPr txBox="1">
+                <a:spLocks noRot="1" noChangeAspect="1" noMove="1" noResize="1" noEditPoints="1" noAdjustHandles="1" noChangeArrowheads="1" noChangeShapeType="1" noTextEdit="1"/>
+              </p:cNvSpPr>
+              <p:nvPr/>
+            </p:nvSpPr>
+            <p:spPr>
+              <a:xfrm>
+                <a:off x="8226128" y="1055141"/>
+                <a:ext cx="373792" cy="369332"/>
+              </a:xfrm>
+              <a:prstGeom prst="rect">
+                <a:avLst/>
+              </a:prstGeom>
+              <a:blipFill>
+                <a:blip r:embed="rId2"/>
+                <a:stretch>
+                  <a:fillRect r="-4839"/>
+                </a:stretch>
+              </a:blipFill>
+            </p:spPr>
+            <p:txBody>
+              <a:bodyPr/>
+              <a:lstStyle/>
+              <a:p>
+                <a:r>
+                  <a:rPr lang="zh-CN" altLang="en-US">
+                    <a:noFill/>
+                  </a:rPr>
+                  <a:t> </a:t>
+                </a:r>
+              </a:p>
+            </p:txBody>
+          </p:sp>
+        </mc:Fallback>
+      </mc:AlternateContent>
+      <mc:AlternateContent xmlns:mc="http://schemas.openxmlformats.org/markup-compatibility/2006" xmlns:a14="http://schemas.microsoft.com/office/drawing/2010/main">
+        <mc:Choice Requires="a14">
+          <p:sp>
+            <p:nvSpPr>
+              <p:cNvPr id="18" name="文本框 17">
+                <a:extLst>
+                  <a:ext uri="{FF2B5EF4-FFF2-40B4-BE49-F238E27FC236}">
+                    <a16:creationId xmlns:a16="http://schemas.microsoft.com/office/drawing/2014/main" id="{67DC2404-41E1-E7A0-EA95-E7F2A565F394}"/>
+                  </a:ext>
+                </a:extLst>
+              </p:cNvPr>
+              <p:cNvSpPr txBox="1"/>
+              <p:nvPr/>
+            </p:nvSpPr>
+            <p:spPr>
+              <a:xfrm>
+                <a:off x="8690536" y="1056136"/>
+                <a:ext cx="373792" cy="369332"/>
+              </a:xfrm>
+              <a:prstGeom prst="rect">
+                <a:avLst/>
+              </a:prstGeom>
+              <a:solidFill>
+                <a:srgbClr val="ED721F"/>
+              </a:solidFill>
+            </p:spPr>
+            <p:txBody>
+              <a:bodyPr wrap="square">
+                <a:spAutoFit/>
+              </a:bodyPr>
+              <a:lstStyle/>
+              <a:p>
+                <a:pPr/>
+                <a14:m>
+                  <m:oMathPara xmlns:m="http://schemas.openxmlformats.org/officeDocument/2006/math">
+                    <m:oMathParaPr>
+                      <m:jc m:val="centerGroup"/>
+                    </m:oMathParaPr>
+                    <m:oMath xmlns:m="http://schemas.openxmlformats.org/officeDocument/2006/math">
+                      <m:sSub>
+                        <m:sSubPr>
+                          <m:ctrlPr>
+                            <a:rPr lang="en-US" altLang="zh-CN" i="1" smtClean="0">
+                              <a:solidFill>
+                                <a:schemeClr val="tx1"/>
+                              </a:solidFill>
+                              <a:latin typeface="Cambria Math" panose="02040503050406030204" pitchFamily="18" charset="0"/>
+                            </a:rPr>
+                          </m:ctrlPr>
+                        </m:sSubPr>
+                        <m:e>
+                          <m:r>
+                            <a:rPr lang="en-US" altLang="zh-CN" b="0" i="1" smtClean="0">
+                              <a:solidFill>
+                                <a:schemeClr val="tx1"/>
+                              </a:solidFill>
+                              <a:latin typeface="Cambria Math" panose="02040503050406030204" pitchFamily="18" charset="0"/>
+                            </a:rPr>
+                            <m:t>𝐴</m:t>
+                          </m:r>
+                        </m:e>
+                        <m:sub>
+                          <m:r>
+                            <a:rPr lang="en-US" altLang="zh-CN" i="1">
+                              <a:latin typeface="Cambria Math" panose="02040503050406030204" pitchFamily="18" charset="0"/>
+                            </a:rPr>
+                            <m:t>2</m:t>
+                          </m:r>
+                        </m:sub>
+                      </m:sSub>
+                      <m:r>
+                        <a:rPr lang="en-US" altLang="zh-CN" b="0" i="1" smtClean="0">
+                          <a:solidFill>
+                            <a:schemeClr val="tx1"/>
+                          </a:solidFill>
+                          <a:latin typeface="Cambria Math" panose="02040503050406030204" pitchFamily="18" charset="0"/>
+                        </a:rPr>
+                        <m:t> </m:t>
+                      </m:r>
+                    </m:oMath>
+                  </m:oMathPara>
+                </a14:m>
+                <a:endParaRPr lang="zh-CN" altLang="en-US" dirty="0"/>
+              </a:p>
+            </p:txBody>
+          </p:sp>
+        </mc:Choice>
+        <mc:Fallback xmlns="">
+          <p:sp>
+            <p:nvSpPr>
+              <p:cNvPr id="18" name="文本框 17">
+                <a:extLst>
+                  <a:ext uri="{FF2B5EF4-FFF2-40B4-BE49-F238E27FC236}">
+                    <a16:creationId xmlns:a16="http://schemas.microsoft.com/office/drawing/2014/main" id="{67DC2404-41E1-E7A0-EA95-E7F2A565F394}"/>
+                  </a:ext>
+                </a:extLst>
+              </p:cNvPr>
+              <p:cNvSpPr txBox="1">
+                <a:spLocks noRot="1" noChangeAspect="1" noMove="1" noResize="1" noEditPoints="1" noAdjustHandles="1" noChangeArrowheads="1" noChangeShapeType="1" noTextEdit="1"/>
+              </p:cNvSpPr>
+              <p:nvPr/>
+            </p:nvSpPr>
+            <p:spPr>
+              <a:xfrm>
+                <a:off x="8690536" y="1056136"/>
+                <a:ext cx="373792" cy="369332"/>
+              </a:xfrm>
+              <a:prstGeom prst="rect">
+                <a:avLst/>
+              </a:prstGeom>
+              <a:blipFill>
+                <a:blip r:embed="rId3"/>
+                <a:stretch>
+                  <a:fillRect r="-8197"/>
+                </a:stretch>
+              </a:blipFill>
+            </p:spPr>
+            <p:txBody>
+              <a:bodyPr/>
+              <a:lstStyle/>
+              <a:p>
+                <a:r>
+                  <a:rPr lang="zh-CN" altLang="en-US">
+                    <a:noFill/>
+                  </a:rPr>
+                  <a:t> </a:t>
+                </a:r>
+              </a:p>
+            </p:txBody>
+          </p:sp>
+        </mc:Fallback>
+      </mc:AlternateContent>
+      <mc:AlternateContent xmlns:mc="http://schemas.openxmlformats.org/markup-compatibility/2006" xmlns:a14="http://schemas.microsoft.com/office/drawing/2010/main">
+        <mc:Choice Requires="a14">
+          <p:sp>
+            <p:nvSpPr>
+              <p:cNvPr id="19" name="文本框 18">
+                <a:extLst>
+                  <a:ext uri="{FF2B5EF4-FFF2-40B4-BE49-F238E27FC236}">
+                    <a16:creationId xmlns:a16="http://schemas.microsoft.com/office/drawing/2014/main" id="{6F8FAB7F-7999-20EF-0F3C-1AC30901117E}"/>
+                  </a:ext>
+                </a:extLst>
+              </p:cNvPr>
+              <p:cNvSpPr txBox="1"/>
+              <p:nvPr/>
+            </p:nvSpPr>
+            <p:spPr>
+              <a:xfrm>
+                <a:off x="9407871" y="1045869"/>
+                <a:ext cx="373792" cy="369332"/>
+              </a:xfrm>
+              <a:prstGeom prst="rect">
+                <a:avLst/>
+              </a:prstGeom>
+              <a:solidFill>
+                <a:srgbClr val="ED721F"/>
+              </a:solidFill>
+            </p:spPr>
+            <p:txBody>
+              <a:bodyPr wrap="square">
+                <a:spAutoFit/>
+              </a:bodyPr>
+              <a:lstStyle/>
+              <a:p>
+                <a:pPr/>
+                <a14:m>
+                  <m:oMathPara xmlns:m="http://schemas.openxmlformats.org/officeDocument/2006/math">
+                    <m:oMathParaPr>
+                      <m:jc m:val="centerGroup"/>
+                    </m:oMathParaPr>
+                    <m:oMath xmlns:m="http://schemas.openxmlformats.org/officeDocument/2006/math">
+                      <m:sSub>
+                        <m:sSubPr>
+                          <m:ctrlPr>
+                            <a:rPr lang="en-US" altLang="zh-CN" i="1" smtClean="0">
+                              <a:solidFill>
+                                <a:schemeClr val="tx1"/>
+                              </a:solidFill>
+                              <a:latin typeface="Cambria Math" panose="02040503050406030204" pitchFamily="18" charset="0"/>
+                            </a:rPr>
+                          </m:ctrlPr>
+                        </m:sSubPr>
+                        <m:e>
+                          <m:r>
+                            <a:rPr lang="en-US" altLang="zh-CN" b="0" i="1" smtClean="0">
+                              <a:solidFill>
+                                <a:schemeClr val="tx1"/>
+                              </a:solidFill>
+                              <a:latin typeface="Cambria Math" panose="02040503050406030204" pitchFamily="18" charset="0"/>
+                            </a:rPr>
+                            <m:t>𝐴</m:t>
+                          </m:r>
+                        </m:e>
+                        <m:sub>
+                          <m:r>
+                            <m:rPr>
+                              <m:sty m:val="p"/>
+                            </m:rPr>
+                            <a:rPr lang="en-US" altLang="zh-CN" i="1">
+                              <a:latin typeface="Cambria Math" panose="02040503050406030204" pitchFamily="18" charset="0"/>
+                            </a:rPr>
+                            <m:t>E</m:t>
+                          </m:r>
+                        </m:sub>
+                      </m:sSub>
+                      <m:r>
+                        <a:rPr lang="en-US" altLang="zh-CN" b="0" i="1" smtClean="0">
+                          <a:solidFill>
+                            <a:schemeClr val="tx1"/>
+                          </a:solidFill>
+                          <a:latin typeface="Cambria Math" panose="02040503050406030204" pitchFamily="18" charset="0"/>
+                        </a:rPr>
+                        <m:t> </m:t>
+                      </m:r>
+                    </m:oMath>
+                  </m:oMathPara>
+                </a14:m>
+                <a:endParaRPr lang="zh-CN" altLang="en-US" dirty="0"/>
+              </a:p>
+            </p:txBody>
+          </p:sp>
+        </mc:Choice>
+        <mc:Fallback xmlns="">
+          <p:sp>
+            <p:nvSpPr>
+              <p:cNvPr id="19" name="文本框 18">
+                <a:extLst>
+                  <a:ext uri="{FF2B5EF4-FFF2-40B4-BE49-F238E27FC236}">
+                    <a16:creationId xmlns:a16="http://schemas.microsoft.com/office/drawing/2014/main" id="{6F8FAB7F-7999-20EF-0F3C-1AC30901117E}"/>
+                  </a:ext>
+                </a:extLst>
+              </p:cNvPr>
+              <p:cNvSpPr txBox="1">
+                <a:spLocks noRot="1" noChangeAspect="1" noMove="1" noResize="1" noEditPoints="1" noAdjustHandles="1" noChangeArrowheads="1" noChangeShapeType="1" noTextEdit="1"/>
+              </p:cNvSpPr>
+              <p:nvPr/>
+            </p:nvSpPr>
+            <p:spPr>
+              <a:xfrm>
+                <a:off x="9407871" y="1045869"/>
+                <a:ext cx="373792" cy="369332"/>
+              </a:xfrm>
+              <a:prstGeom prst="rect">
+                <a:avLst/>
+              </a:prstGeom>
+              <a:blipFill>
+                <a:blip r:embed="rId4"/>
+                <a:stretch>
+                  <a:fillRect r="-9677"/>
+                </a:stretch>
+              </a:blipFill>
+            </p:spPr>
+            <p:txBody>
+              <a:bodyPr/>
+              <a:lstStyle/>
+              <a:p>
+                <a:r>
+                  <a:rPr lang="zh-CN" altLang="en-US">
+                    <a:noFill/>
+                  </a:rPr>
+                  <a:t> </a:t>
+                </a:r>
+              </a:p>
+            </p:txBody>
+          </p:sp>
+        </mc:Fallback>
+      </mc:AlternateContent>
+      <mc:AlternateContent xmlns:mc="http://schemas.openxmlformats.org/markup-compatibility/2006" xmlns:a14="http://schemas.microsoft.com/office/drawing/2010/main">
+        <mc:Choice Requires="a14">
+          <p:sp>
+            <p:nvSpPr>
+              <p:cNvPr id="20" name="文本框 19">
+                <a:extLst>
+                  <a:ext uri="{FF2B5EF4-FFF2-40B4-BE49-F238E27FC236}">
+                    <a16:creationId xmlns:a16="http://schemas.microsoft.com/office/drawing/2014/main" id="{937D2FF9-B476-9832-6FF6-7F573B846B6D}"/>
+                  </a:ext>
+                </a:extLst>
+              </p:cNvPr>
+              <p:cNvSpPr txBox="1"/>
+              <p:nvPr/>
+            </p:nvSpPr>
+            <p:spPr>
+              <a:xfrm>
+                <a:off x="9067030" y="1084428"/>
+                <a:ext cx="373792" cy="369332"/>
+              </a:xfrm>
+              <a:prstGeom prst="rect">
+                <a:avLst/>
+              </a:prstGeom>
+              <a:noFill/>
+            </p:spPr>
+            <p:txBody>
+              <a:bodyPr wrap="square">
+                <a:spAutoFit/>
+              </a:bodyPr>
+              <a:lstStyle/>
+              <a:p>
+                <a:pPr/>
+                <a14:m>
+                  <m:oMathPara xmlns:m="http://schemas.openxmlformats.org/officeDocument/2006/math">
+                    <m:oMathParaPr>
+                      <m:jc m:val="centerGroup"/>
+                    </m:oMathParaPr>
+                    <m:oMath xmlns:m="http://schemas.openxmlformats.org/officeDocument/2006/math">
+                      <m:r>
+                        <a:rPr lang="en-US" altLang="zh-CN" i="1" smtClean="0">
+                          <a:solidFill>
+                            <a:schemeClr val="tx1"/>
+                          </a:solidFill>
+                          <a:latin typeface="Cambria Math" panose="02040503050406030204" pitchFamily="18" charset="0"/>
+                        </a:rPr>
+                        <m:t>…</m:t>
+                      </m:r>
+                    </m:oMath>
+                  </m:oMathPara>
+                </a14:m>
+                <a:endParaRPr lang="zh-CN" altLang="en-US" dirty="0"/>
+              </a:p>
+            </p:txBody>
+          </p:sp>
+        </mc:Choice>
+        <mc:Fallback xmlns="">
+          <p:sp>
+            <p:nvSpPr>
+              <p:cNvPr id="20" name="文本框 19">
+                <a:extLst>
+                  <a:ext uri="{FF2B5EF4-FFF2-40B4-BE49-F238E27FC236}">
+                    <a16:creationId xmlns:a16="http://schemas.microsoft.com/office/drawing/2014/main" id="{937D2FF9-B476-9832-6FF6-7F573B846B6D}"/>
+                  </a:ext>
+                </a:extLst>
+              </p:cNvPr>
+              <p:cNvSpPr txBox="1">
+                <a:spLocks noRot="1" noChangeAspect="1" noMove="1" noResize="1" noEditPoints="1" noAdjustHandles="1" noChangeArrowheads="1" noChangeShapeType="1" noTextEdit="1"/>
+              </p:cNvSpPr>
+              <p:nvPr/>
+            </p:nvSpPr>
+            <p:spPr>
+              <a:xfrm>
+                <a:off x="9067030" y="1084428"/>
+                <a:ext cx="373792" cy="369332"/>
+              </a:xfrm>
+              <a:prstGeom prst="rect">
+                <a:avLst/>
+              </a:prstGeom>
+              <a:blipFill>
+                <a:blip r:embed="rId5"/>
+                <a:stretch>
+                  <a:fillRect/>
+                </a:stretch>
+              </a:blipFill>
+            </p:spPr>
+            <p:txBody>
+              <a:bodyPr/>
+              <a:lstStyle/>
+              <a:p>
+                <a:r>
+                  <a:rPr lang="zh-CN" altLang="en-US">
+                    <a:noFill/>
+                  </a:rPr>
+                  <a:t> </a:t>
+                </a:r>
+              </a:p>
+            </p:txBody>
+          </p:sp>
+        </mc:Fallback>
+      </mc:AlternateContent>
+      <p:sp>
+        <p:nvSpPr>
+          <p:cNvPr id="22" name="矩形: 圆角 21">
+            <a:extLst>
+              <a:ext uri="{FF2B5EF4-FFF2-40B4-BE49-F238E27FC236}">
+                <a16:creationId xmlns:a16="http://schemas.microsoft.com/office/drawing/2014/main" id="{A324B040-4097-044E-5BC5-52036972370A}"/>
+              </a:ext>
+            </a:extLst>
+          </p:cNvPr>
+          <p:cNvSpPr/>
+          <p:nvPr/>
+        </p:nvSpPr>
+        <p:spPr>
+          <a:xfrm>
+            <a:off x="7761720" y="1824702"/>
+            <a:ext cx="2737278" cy="500986"/>
+          </a:xfrm>
+          <a:prstGeom prst="roundRect">
+            <a:avLst/>
+          </a:prstGeom>
+          <a:solidFill>
+            <a:srgbClr val="FFFFFF"/>
+          </a:solidFill>
+        </p:spPr>
+        <p:style>
+          <a:lnRef idx="2">
+            <a:schemeClr val="accent1">
+              <a:shade val="15000"/>
+            </a:schemeClr>
+          </a:lnRef>
+          <a:fillRef idx="1">
+            <a:schemeClr val="accent1"/>
+          </a:fillRef>
+          <a:effectRef idx="0">
+            <a:schemeClr val="accent1"/>
+          </a:effectRef>
+          <a:fontRef idx="minor">
+            <a:schemeClr val="lt1"/>
+          </a:fontRef>
+        </p:style>
+        <p:txBody>
+          <a:bodyPr rtlCol="0" anchor="ctr"/>
+          <a:lstStyle/>
+          <a:p>
+            <a:pPr algn="ctr"/>
+            <a:endParaRPr lang="zh-CN" altLang="en-US" dirty="0">
+              <a:solidFill>
+                <a:schemeClr val="tx1"/>
+              </a:solidFill>
+            </a:endParaRPr>
+          </a:p>
+        </p:txBody>
+      </p:sp>
+      <mc:AlternateContent xmlns:mc="http://schemas.openxmlformats.org/markup-compatibility/2006" xmlns:a14="http://schemas.microsoft.com/office/drawing/2010/main">
+        <mc:Choice Requires="a14">
+          <p:sp>
+            <p:nvSpPr>
+              <p:cNvPr id="21" name="文本框 20">
+                <a:extLst>
+                  <a:ext uri="{FF2B5EF4-FFF2-40B4-BE49-F238E27FC236}">
+                    <a16:creationId xmlns:a16="http://schemas.microsoft.com/office/drawing/2014/main" id="{0DD0F8D9-8B4B-1DE3-2FD2-1C5D2C33B6BA}"/>
+                  </a:ext>
+                </a:extLst>
+              </p:cNvPr>
+              <p:cNvSpPr txBox="1"/>
+              <p:nvPr/>
+            </p:nvSpPr>
+            <p:spPr>
+              <a:xfrm>
+                <a:off x="8197812" y="1890529"/>
+                <a:ext cx="373792" cy="369332"/>
+              </a:xfrm>
+              <a:prstGeom prst="rect">
+                <a:avLst/>
+              </a:prstGeom>
+              <a:solidFill>
+                <a:srgbClr val="ED721F"/>
+              </a:solidFill>
+            </p:spPr>
+            <p:txBody>
+              <a:bodyPr wrap="square">
+                <a:spAutoFit/>
+              </a:bodyPr>
+              <a:lstStyle/>
+              <a:p>
+                <a:pPr/>
+                <a14:m>
+                  <m:oMathPara xmlns:m="http://schemas.openxmlformats.org/officeDocument/2006/math">
+                    <m:oMathParaPr>
+                      <m:jc m:val="centerGroup"/>
+                    </m:oMathParaPr>
+                    <m:oMath xmlns:m="http://schemas.openxmlformats.org/officeDocument/2006/math">
+                      <m:sSub>
+                        <m:sSubPr>
+                          <m:ctrlPr>
+                            <a:rPr lang="en-US" altLang="zh-CN" i="1" smtClean="0">
+                              <a:solidFill>
+                                <a:schemeClr val="tx1"/>
+                              </a:solidFill>
+                              <a:latin typeface="Cambria Math" panose="02040503050406030204" pitchFamily="18" charset="0"/>
+                            </a:rPr>
+                          </m:ctrlPr>
+                        </m:sSubPr>
+                        <m:e>
+                          <m:r>
+                            <m:rPr>
+                              <m:sty m:val="p"/>
+                            </m:rPr>
+                            <a:rPr lang="en-US" altLang="zh-CN" i="1">
+                              <a:latin typeface="Cambria Math" panose="02040503050406030204" pitchFamily="18" charset="0"/>
+                            </a:rPr>
+                            <m:t>B</m:t>
+                          </m:r>
+                        </m:e>
+                        <m:sub>
+                          <m:r>
+                            <a:rPr lang="en-US" altLang="zh-CN" b="0" i="1" smtClean="0">
+                              <a:solidFill>
+                                <a:schemeClr val="tx1"/>
+                              </a:solidFill>
+                              <a:latin typeface="Cambria Math" panose="02040503050406030204" pitchFamily="18" charset="0"/>
+                            </a:rPr>
+                            <m:t>1</m:t>
+                          </m:r>
+                        </m:sub>
+                      </m:sSub>
+                      <m:r>
+                        <a:rPr lang="en-US" altLang="zh-CN" b="0" i="1" smtClean="0">
+                          <a:solidFill>
+                            <a:schemeClr val="tx1"/>
+                          </a:solidFill>
+                          <a:latin typeface="Cambria Math" panose="02040503050406030204" pitchFamily="18" charset="0"/>
+                        </a:rPr>
+                        <m:t> </m:t>
+                      </m:r>
+                    </m:oMath>
+                  </m:oMathPara>
+                </a14:m>
+                <a:endParaRPr lang="zh-CN" altLang="en-US" dirty="0"/>
+              </a:p>
+            </p:txBody>
+          </p:sp>
+        </mc:Choice>
+        <mc:Fallback xmlns="">
+          <p:sp>
+            <p:nvSpPr>
+              <p:cNvPr id="21" name="文本框 20">
+                <a:extLst>
+                  <a:ext uri="{FF2B5EF4-FFF2-40B4-BE49-F238E27FC236}">
+                    <a16:creationId xmlns:a16="http://schemas.microsoft.com/office/drawing/2014/main" id="{0DD0F8D9-8B4B-1DE3-2FD2-1C5D2C33B6BA}"/>
+                  </a:ext>
+                </a:extLst>
+              </p:cNvPr>
+              <p:cNvSpPr txBox="1">
+                <a:spLocks noRot="1" noChangeAspect="1" noMove="1" noResize="1" noEditPoints="1" noAdjustHandles="1" noChangeArrowheads="1" noChangeShapeType="1" noTextEdit="1"/>
+              </p:cNvSpPr>
+              <p:nvPr/>
+            </p:nvSpPr>
+            <p:spPr>
+              <a:xfrm>
+                <a:off x="8197812" y="1890529"/>
+                <a:ext cx="373792" cy="369332"/>
+              </a:xfrm>
+              <a:prstGeom prst="rect">
+                <a:avLst/>
+              </a:prstGeom>
+              <a:blipFill>
+                <a:blip r:embed="rId6"/>
+                <a:stretch>
+                  <a:fillRect r="-4918"/>
+                </a:stretch>
+              </a:blipFill>
+            </p:spPr>
+            <p:txBody>
+              <a:bodyPr/>
+              <a:lstStyle/>
+              <a:p>
+                <a:r>
+                  <a:rPr lang="zh-CN" altLang="en-US">
+                    <a:noFill/>
+                  </a:rPr>
+                  <a:t> </a:t>
+                </a:r>
+              </a:p>
+            </p:txBody>
+          </p:sp>
+        </mc:Fallback>
+      </mc:AlternateContent>
+      <mc:AlternateContent xmlns:mc="http://schemas.openxmlformats.org/markup-compatibility/2006" xmlns:a14="http://schemas.microsoft.com/office/drawing/2010/main">
+        <mc:Choice Requires="a14">
+          <p:sp>
+            <p:nvSpPr>
+              <p:cNvPr id="23" name="文本框 22">
+                <a:extLst>
+                  <a:ext uri="{FF2B5EF4-FFF2-40B4-BE49-F238E27FC236}">
+                    <a16:creationId xmlns:a16="http://schemas.microsoft.com/office/drawing/2014/main" id="{57BAE9C4-E014-52CB-CF26-EEB3741D5CF4}"/>
+                  </a:ext>
+                </a:extLst>
+              </p:cNvPr>
+              <p:cNvSpPr txBox="1"/>
+              <p:nvPr/>
+            </p:nvSpPr>
+            <p:spPr>
+              <a:xfrm>
+                <a:off x="8756567" y="1893651"/>
+                <a:ext cx="373792" cy="369332"/>
+              </a:xfrm>
+              <a:prstGeom prst="rect">
+                <a:avLst/>
+              </a:prstGeom>
+              <a:solidFill>
+                <a:srgbClr val="ED721F"/>
+              </a:solidFill>
+            </p:spPr>
+            <p:txBody>
+              <a:bodyPr wrap="square">
+                <a:spAutoFit/>
+              </a:bodyPr>
+              <a:lstStyle/>
+              <a:p>
+                <a:pPr/>
+                <a14:m>
+                  <m:oMathPara xmlns:m="http://schemas.openxmlformats.org/officeDocument/2006/math">
+                    <m:oMathParaPr>
+                      <m:jc m:val="centerGroup"/>
+                    </m:oMathParaPr>
+                    <m:oMath xmlns:m="http://schemas.openxmlformats.org/officeDocument/2006/math">
+                      <m:sSub>
+                        <m:sSubPr>
+                          <m:ctrlPr>
+                            <a:rPr lang="en-US" altLang="zh-CN" i="1" smtClean="0">
+                              <a:solidFill>
+                                <a:schemeClr val="tx1"/>
+                              </a:solidFill>
+                              <a:latin typeface="Cambria Math" panose="02040503050406030204" pitchFamily="18" charset="0"/>
+                            </a:rPr>
+                          </m:ctrlPr>
+                        </m:sSubPr>
+                        <m:e>
+                          <m:r>
+                            <a:rPr lang="en-US" altLang="zh-CN" b="0" i="1" smtClean="0">
+                              <a:solidFill>
+                                <a:schemeClr val="tx1"/>
+                              </a:solidFill>
+                              <a:latin typeface="Cambria Math" panose="02040503050406030204" pitchFamily="18" charset="0"/>
+                            </a:rPr>
+                            <m:t>𝐵</m:t>
+                          </m:r>
+                        </m:e>
+                        <m:sub>
+                          <m:r>
+                            <a:rPr lang="en-US" altLang="zh-CN" b="0" i="1" smtClean="0">
+                              <a:solidFill>
+                                <a:schemeClr val="tx1"/>
+                              </a:solidFill>
+                              <a:latin typeface="Cambria Math" panose="02040503050406030204" pitchFamily="18" charset="0"/>
+                            </a:rPr>
+                            <m:t>2</m:t>
+                          </m:r>
+                        </m:sub>
+                      </m:sSub>
+                      <m:r>
+                        <a:rPr lang="en-US" altLang="zh-CN" b="0" i="1" smtClean="0">
+                          <a:solidFill>
+                            <a:schemeClr val="tx1"/>
+                          </a:solidFill>
+                          <a:latin typeface="Cambria Math" panose="02040503050406030204" pitchFamily="18" charset="0"/>
+                        </a:rPr>
+                        <m:t> </m:t>
+                      </m:r>
+                    </m:oMath>
+                  </m:oMathPara>
+                </a14:m>
+                <a:endParaRPr lang="zh-CN" altLang="en-US" dirty="0"/>
+              </a:p>
+            </p:txBody>
+          </p:sp>
+        </mc:Choice>
+        <mc:Fallback xmlns="">
+          <p:sp>
+            <p:nvSpPr>
+              <p:cNvPr id="23" name="文本框 22">
+                <a:extLst>
+                  <a:ext uri="{FF2B5EF4-FFF2-40B4-BE49-F238E27FC236}">
+                    <a16:creationId xmlns:a16="http://schemas.microsoft.com/office/drawing/2014/main" id="{57BAE9C4-E014-52CB-CF26-EEB3741D5CF4}"/>
+                  </a:ext>
+                </a:extLst>
+              </p:cNvPr>
+              <p:cNvSpPr txBox="1">
+                <a:spLocks noRot="1" noChangeAspect="1" noMove="1" noResize="1" noEditPoints="1" noAdjustHandles="1" noChangeArrowheads="1" noChangeShapeType="1" noTextEdit="1"/>
+              </p:cNvSpPr>
+              <p:nvPr/>
+            </p:nvSpPr>
+            <p:spPr>
+              <a:xfrm>
+                <a:off x="8756567" y="1893651"/>
+                <a:ext cx="373792" cy="369332"/>
+              </a:xfrm>
+              <a:prstGeom prst="rect">
+                <a:avLst/>
+              </a:prstGeom>
+              <a:blipFill>
+                <a:blip r:embed="rId7"/>
+                <a:stretch>
+                  <a:fillRect r="-4839"/>
+                </a:stretch>
+              </a:blipFill>
+            </p:spPr>
+            <p:txBody>
+              <a:bodyPr/>
+              <a:lstStyle/>
+              <a:p>
+                <a:r>
+                  <a:rPr lang="zh-CN" altLang="en-US">
+                    <a:noFill/>
+                  </a:rPr>
+                  <a:t> </a:t>
+                </a:r>
+              </a:p>
+            </p:txBody>
+          </p:sp>
+        </mc:Fallback>
+      </mc:AlternateContent>
+      <mc:AlternateContent xmlns:mc="http://schemas.openxmlformats.org/markup-compatibility/2006" xmlns:a14="http://schemas.microsoft.com/office/drawing/2010/main">
+        <mc:Choice Requires="a14">
+          <p:sp>
+            <p:nvSpPr>
+              <p:cNvPr id="24" name="文本框 23">
+                <a:extLst>
+                  <a:ext uri="{FF2B5EF4-FFF2-40B4-BE49-F238E27FC236}">
+                    <a16:creationId xmlns:a16="http://schemas.microsoft.com/office/drawing/2014/main" id="{29FB8F72-B3CF-0FEE-5932-771484B75760}"/>
+                  </a:ext>
+                </a:extLst>
+              </p:cNvPr>
+              <p:cNvSpPr txBox="1"/>
+              <p:nvPr/>
+            </p:nvSpPr>
+            <p:spPr>
+              <a:xfrm>
+                <a:off x="9454123" y="1886463"/>
+                <a:ext cx="373792" cy="369332"/>
+              </a:xfrm>
+              <a:prstGeom prst="rect">
+                <a:avLst/>
+              </a:prstGeom>
+              <a:solidFill>
+                <a:srgbClr val="ED721F"/>
+              </a:solidFill>
+            </p:spPr>
+            <p:txBody>
+              <a:bodyPr wrap="square">
+                <a:spAutoFit/>
+              </a:bodyPr>
+              <a:lstStyle/>
+              <a:p>
+                <a:pPr/>
+                <a14:m>
+                  <m:oMathPara xmlns:m="http://schemas.openxmlformats.org/officeDocument/2006/math">
+                    <m:oMathParaPr>
+                      <m:jc m:val="centerGroup"/>
+                    </m:oMathParaPr>
+                    <m:oMath xmlns:m="http://schemas.openxmlformats.org/officeDocument/2006/math">
+                      <m:sSub>
+                        <m:sSubPr>
+                          <m:ctrlPr>
+                            <a:rPr lang="en-US" altLang="zh-CN" i="1" smtClean="0">
+                              <a:solidFill>
+                                <a:schemeClr val="tx1"/>
+                              </a:solidFill>
+                              <a:latin typeface="Cambria Math" panose="02040503050406030204" pitchFamily="18" charset="0"/>
+                            </a:rPr>
+                          </m:ctrlPr>
+                        </m:sSubPr>
+                        <m:e>
+                          <m:r>
+                            <a:rPr lang="en-US" altLang="zh-CN" b="0" i="1" smtClean="0">
+                              <a:solidFill>
+                                <a:schemeClr val="tx1"/>
+                              </a:solidFill>
+                              <a:latin typeface="Cambria Math" panose="02040503050406030204" pitchFamily="18" charset="0"/>
+                            </a:rPr>
+                            <m:t>𝐵</m:t>
+                          </m:r>
+                        </m:e>
+                        <m:sub>
+                          <m:r>
+                            <a:rPr lang="en-US" altLang="zh-CN" b="0" i="1" smtClean="0">
+                              <a:solidFill>
+                                <a:schemeClr val="tx1"/>
+                              </a:solidFill>
+                              <a:latin typeface="Cambria Math" panose="02040503050406030204" pitchFamily="18" charset="0"/>
+                            </a:rPr>
+                            <m:t>𝐸</m:t>
+                          </m:r>
+                        </m:sub>
+                      </m:sSub>
+                      <m:r>
+                        <a:rPr lang="en-US" altLang="zh-CN" b="0" i="1" smtClean="0">
+                          <a:solidFill>
+                            <a:schemeClr val="tx1"/>
+                          </a:solidFill>
+                          <a:latin typeface="Cambria Math" panose="02040503050406030204" pitchFamily="18" charset="0"/>
+                        </a:rPr>
+                        <m:t> </m:t>
+                      </m:r>
+                    </m:oMath>
+                  </m:oMathPara>
+                </a14:m>
+                <a:endParaRPr lang="zh-CN" altLang="en-US" dirty="0"/>
+              </a:p>
+            </p:txBody>
+          </p:sp>
+        </mc:Choice>
+        <mc:Fallback xmlns="">
+          <p:sp>
+            <p:nvSpPr>
+              <p:cNvPr id="24" name="文本框 23">
+                <a:extLst>
+                  <a:ext uri="{FF2B5EF4-FFF2-40B4-BE49-F238E27FC236}">
+                    <a16:creationId xmlns:a16="http://schemas.microsoft.com/office/drawing/2014/main" id="{29FB8F72-B3CF-0FEE-5932-771484B75760}"/>
+                  </a:ext>
+                </a:extLst>
+              </p:cNvPr>
+              <p:cNvSpPr txBox="1">
+                <a:spLocks noRot="1" noChangeAspect="1" noMove="1" noResize="1" noEditPoints="1" noAdjustHandles="1" noChangeArrowheads="1" noChangeShapeType="1" noTextEdit="1"/>
+              </p:cNvSpPr>
+              <p:nvPr/>
+            </p:nvSpPr>
+            <p:spPr>
+              <a:xfrm>
+                <a:off x="9454123" y="1886463"/>
+                <a:ext cx="373792" cy="369332"/>
+              </a:xfrm>
+              <a:prstGeom prst="rect">
+                <a:avLst/>
+              </a:prstGeom>
+              <a:blipFill>
+                <a:blip r:embed="rId8"/>
+                <a:stretch>
+                  <a:fillRect r="-11475"/>
+                </a:stretch>
+              </a:blipFill>
+            </p:spPr>
+            <p:txBody>
+              <a:bodyPr/>
+              <a:lstStyle/>
+              <a:p>
+                <a:r>
+                  <a:rPr lang="zh-CN" altLang="en-US">
+                    <a:noFill/>
+                  </a:rPr>
+                  <a:t> </a:t>
+                </a:r>
+              </a:p>
+            </p:txBody>
+          </p:sp>
+        </mc:Fallback>
+      </mc:AlternateContent>
+      <mc:AlternateContent xmlns:mc="http://schemas.openxmlformats.org/markup-compatibility/2006" xmlns:a14="http://schemas.microsoft.com/office/drawing/2010/main">
+        <mc:Choice Requires="a14">
+          <p:sp>
+            <p:nvSpPr>
+              <p:cNvPr id="25" name="文本框 24">
+                <a:extLst>
+                  <a:ext uri="{FF2B5EF4-FFF2-40B4-BE49-F238E27FC236}">
+                    <a16:creationId xmlns:a16="http://schemas.microsoft.com/office/drawing/2014/main" id="{72C864EF-1B70-F503-BB33-ECF14FC93224}"/>
+                  </a:ext>
+                </a:extLst>
+              </p:cNvPr>
+              <p:cNvSpPr txBox="1"/>
+              <p:nvPr/>
+            </p:nvSpPr>
+            <p:spPr>
+              <a:xfrm>
+                <a:off x="9102684" y="1940856"/>
+                <a:ext cx="373792" cy="369332"/>
+              </a:xfrm>
+              <a:prstGeom prst="rect">
+                <a:avLst/>
+              </a:prstGeom>
+              <a:noFill/>
+            </p:spPr>
+            <p:txBody>
+              <a:bodyPr wrap="square">
+                <a:spAutoFit/>
+              </a:bodyPr>
+              <a:lstStyle/>
+              <a:p>
+                <a:pPr/>
+                <a14:m>
+                  <m:oMathPara xmlns:m="http://schemas.openxmlformats.org/officeDocument/2006/math">
+                    <m:oMathParaPr>
+                      <m:jc m:val="centerGroup"/>
+                    </m:oMathParaPr>
+                    <m:oMath xmlns:m="http://schemas.openxmlformats.org/officeDocument/2006/math">
+                      <m:r>
+                        <a:rPr lang="en-US" altLang="zh-CN" i="1" smtClean="0">
+                          <a:solidFill>
+                            <a:schemeClr val="tx1"/>
+                          </a:solidFill>
+                          <a:latin typeface="Cambria Math" panose="02040503050406030204" pitchFamily="18" charset="0"/>
+                        </a:rPr>
+                        <m:t>…</m:t>
+                      </m:r>
+                    </m:oMath>
+                  </m:oMathPara>
+                </a14:m>
+                <a:endParaRPr lang="zh-CN" altLang="en-US" dirty="0"/>
+              </a:p>
+            </p:txBody>
+          </p:sp>
+        </mc:Choice>
+        <mc:Fallback xmlns="">
+          <p:sp>
+            <p:nvSpPr>
+              <p:cNvPr id="25" name="文本框 24">
+                <a:extLst>
+                  <a:ext uri="{FF2B5EF4-FFF2-40B4-BE49-F238E27FC236}">
+                    <a16:creationId xmlns:a16="http://schemas.microsoft.com/office/drawing/2014/main" id="{72C864EF-1B70-F503-BB33-ECF14FC93224}"/>
+                  </a:ext>
+                </a:extLst>
+              </p:cNvPr>
+              <p:cNvSpPr txBox="1">
+                <a:spLocks noRot="1" noChangeAspect="1" noMove="1" noResize="1" noEditPoints="1" noAdjustHandles="1" noChangeArrowheads="1" noChangeShapeType="1" noTextEdit="1"/>
+              </p:cNvSpPr>
+              <p:nvPr/>
+            </p:nvSpPr>
+            <p:spPr>
+              <a:xfrm>
+                <a:off x="9102684" y="1940856"/>
+                <a:ext cx="373792" cy="369332"/>
+              </a:xfrm>
+              <a:prstGeom prst="rect">
+                <a:avLst/>
+              </a:prstGeom>
+              <a:blipFill>
+                <a:blip r:embed="rId9"/>
+                <a:stretch>
+                  <a:fillRect/>
+                </a:stretch>
+              </a:blipFill>
+            </p:spPr>
+            <p:txBody>
+              <a:bodyPr/>
+              <a:lstStyle/>
+              <a:p>
+                <a:r>
+                  <a:rPr lang="zh-CN" altLang="en-US">
+                    <a:noFill/>
+                  </a:rPr>
+                  <a:t> </a:t>
+                </a:r>
+              </a:p>
+            </p:txBody>
+          </p:sp>
+        </mc:Fallback>
+      </mc:AlternateContent>
+      <p:sp>
+        <p:nvSpPr>
+          <p:cNvPr id="26" name="矩形: 圆角 25">
+            <a:extLst>
+              <a:ext uri="{FF2B5EF4-FFF2-40B4-BE49-F238E27FC236}">
+                <a16:creationId xmlns:a16="http://schemas.microsoft.com/office/drawing/2014/main" id="{FDA96200-BF9C-00C2-C14D-91C6D4694129}"/>
+              </a:ext>
+            </a:extLst>
+          </p:cNvPr>
+          <p:cNvSpPr/>
+          <p:nvPr/>
+        </p:nvSpPr>
+        <p:spPr>
+          <a:xfrm>
+            <a:off x="7517670" y="3725087"/>
+            <a:ext cx="3286897" cy="1918329"/>
+          </a:xfrm>
+          <a:prstGeom prst="roundRect">
+            <a:avLst/>
+          </a:prstGeom>
+          <a:solidFill>
+            <a:srgbClr val="CACACA"/>
+          </a:solidFill>
+          <a:ln>
+            <a:solidFill>
+              <a:schemeClr val="accent1"/>
+            </a:solidFill>
+          </a:ln>
+        </p:spPr>
+        <p:style>
+          <a:lnRef idx="2">
+            <a:schemeClr val="accent1">
+              <a:shade val="15000"/>
+            </a:schemeClr>
+          </a:lnRef>
+          <a:fillRef idx="1">
+            <a:schemeClr val="accent1"/>
+          </a:fillRef>
+          <a:effectRef idx="0">
+            <a:schemeClr val="accent1"/>
+          </a:effectRef>
+          <a:fontRef idx="minor">
+            <a:schemeClr val="lt1"/>
+          </a:fontRef>
+        </p:style>
+        <p:txBody>
+          <a:bodyPr rtlCol="0" anchor="ctr"/>
+          <a:lstStyle/>
+          <a:p>
+            <a:pPr algn="ctr"/>
+            <a:endParaRPr lang="zh-CN" altLang="en-US"/>
+          </a:p>
+        </p:txBody>
+      </p:sp>
+      <p:sp>
+        <p:nvSpPr>
+          <p:cNvPr id="27" name="矩形: 圆角 26">
+            <a:extLst>
+              <a:ext uri="{FF2B5EF4-FFF2-40B4-BE49-F238E27FC236}">
+                <a16:creationId xmlns:a16="http://schemas.microsoft.com/office/drawing/2014/main" id="{169EFAFB-1B63-544D-2C6D-8ADBEBB183BC}"/>
+              </a:ext>
+            </a:extLst>
+          </p:cNvPr>
+          <p:cNvSpPr/>
+          <p:nvPr/>
+        </p:nvSpPr>
+        <p:spPr>
+          <a:xfrm>
+            <a:off x="7795440" y="3865895"/>
+            <a:ext cx="2737278" cy="500986"/>
+          </a:xfrm>
+          <a:prstGeom prst="roundRect">
+            <a:avLst/>
+          </a:prstGeom>
+          <a:solidFill>
+            <a:srgbClr val="FFFFFF"/>
+          </a:solidFill>
+        </p:spPr>
+        <p:style>
+          <a:lnRef idx="2">
+            <a:schemeClr val="accent1">
+              <a:shade val="15000"/>
+            </a:schemeClr>
+          </a:lnRef>
+          <a:fillRef idx="1">
+            <a:schemeClr val="accent1"/>
+          </a:fillRef>
+          <a:effectRef idx="0">
+            <a:schemeClr val="accent1"/>
+          </a:effectRef>
+          <a:fontRef idx="minor">
+            <a:schemeClr val="lt1"/>
+          </a:fontRef>
+        </p:style>
+        <p:txBody>
+          <a:bodyPr rtlCol="0" anchor="ctr"/>
+          <a:lstStyle/>
+          <a:p>
+            <a:pPr algn="ctr"/>
+            <a:endParaRPr lang="zh-CN" altLang="en-US" dirty="0">
+              <a:solidFill>
+                <a:schemeClr val="tx1"/>
+              </a:solidFill>
+            </a:endParaRPr>
+          </a:p>
+        </p:txBody>
+      </p:sp>
+      <p:sp>
+        <p:nvSpPr>
+          <p:cNvPr id="28" name="文本框 27">
+            <a:extLst>
+              <a:ext uri="{FF2B5EF4-FFF2-40B4-BE49-F238E27FC236}">
+                <a16:creationId xmlns:a16="http://schemas.microsoft.com/office/drawing/2014/main" id="{7650FB27-2449-2ED6-A64F-08BB300922BD}"/>
+              </a:ext>
+            </a:extLst>
+          </p:cNvPr>
+          <p:cNvSpPr txBox="1"/>
+          <p:nvPr/>
+        </p:nvSpPr>
+        <p:spPr>
+          <a:xfrm>
+            <a:off x="8038370" y="4326281"/>
+            <a:ext cx="2395666" cy="369332"/>
+          </a:xfrm>
+          <a:prstGeom prst="rect">
+            <a:avLst/>
+          </a:prstGeom>
+          <a:noFill/>
+        </p:spPr>
+        <p:txBody>
+          <a:bodyPr wrap="square">
+            <a:spAutoFit/>
+          </a:bodyPr>
+          <a:lstStyle/>
+          <a:p>
+            <a:r>
+              <a:rPr lang="zh-CN" altLang="en-US" dirty="0"/>
+              <a:t>图像级：正常文本</a:t>
+            </a:r>
+          </a:p>
+        </p:txBody>
+      </p:sp>
+      <p:sp>
+        <p:nvSpPr>
+          <p:cNvPr id="29" name="文本框 28">
+            <a:extLst>
+              <a:ext uri="{FF2B5EF4-FFF2-40B4-BE49-F238E27FC236}">
+                <a16:creationId xmlns:a16="http://schemas.microsoft.com/office/drawing/2014/main" id="{5C374934-55BE-E53E-A9AF-50BFD66E090E}"/>
+              </a:ext>
+            </a:extLst>
+          </p:cNvPr>
+          <p:cNvSpPr txBox="1"/>
+          <p:nvPr/>
+        </p:nvSpPr>
+        <p:spPr>
+          <a:xfrm>
+            <a:off x="8038370" y="5218761"/>
+            <a:ext cx="2395666" cy="369332"/>
+          </a:xfrm>
+          <a:prstGeom prst="rect">
+            <a:avLst/>
+          </a:prstGeom>
+          <a:noFill/>
+        </p:spPr>
+        <p:txBody>
+          <a:bodyPr wrap="square">
+            <a:spAutoFit/>
+          </a:bodyPr>
+          <a:lstStyle/>
+          <a:p>
+            <a:r>
+              <a:rPr lang="zh-CN" altLang="en-US" dirty="0"/>
+              <a:t>图像级：异常文本</a:t>
+            </a:r>
+          </a:p>
+        </p:txBody>
+      </p:sp>
+      <mc:AlternateContent xmlns:mc="http://schemas.openxmlformats.org/markup-compatibility/2006" xmlns:a14="http://schemas.microsoft.com/office/drawing/2010/main">
+        <mc:Choice Requires="a14">
+          <p:sp>
+            <p:nvSpPr>
+              <p:cNvPr id="30" name="文本框 29">
+                <a:extLst>
+                  <a:ext uri="{FF2B5EF4-FFF2-40B4-BE49-F238E27FC236}">
+                    <a16:creationId xmlns:a16="http://schemas.microsoft.com/office/drawing/2014/main" id="{2C187057-6F32-26CE-086D-F37F6CBC187F}"/>
+                  </a:ext>
+                </a:extLst>
+              </p:cNvPr>
+              <p:cNvSpPr txBox="1"/>
+              <p:nvPr/>
+            </p:nvSpPr>
+            <p:spPr>
+              <a:xfrm>
+                <a:off x="8284562" y="3915256"/>
+                <a:ext cx="373792" cy="369332"/>
+              </a:xfrm>
+              <a:prstGeom prst="rect">
+                <a:avLst/>
+              </a:prstGeom>
+              <a:solidFill>
+                <a:srgbClr val="ED721F"/>
+              </a:solidFill>
+            </p:spPr>
+            <p:txBody>
+              <a:bodyPr wrap="square">
+                <a:spAutoFit/>
+              </a:bodyPr>
+              <a:lstStyle/>
+              <a:p>
+                <a:pPr/>
+                <a14:m>
+                  <m:oMathPara xmlns:m="http://schemas.openxmlformats.org/officeDocument/2006/math">
+                    <m:oMathParaPr>
+                      <m:jc m:val="centerGroup"/>
+                    </m:oMathParaPr>
+                    <m:oMath xmlns:m="http://schemas.openxmlformats.org/officeDocument/2006/math">
+                      <m:sSub>
+                        <m:sSubPr>
+                          <m:ctrlPr>
+                            <a:rPr lang="en-US" altLang="zh-CN" i="1" smtClean="0">
+                              <a:solidFill>
+                                <a:schemeClr val="tx1"/>
+                              </a:solidFill>
+                              <a:latin typeface="Cambria Math" panose="02040503050406030204" pitchFamily="18" charset="0"/>
+                            </a:rPr>
+                          </m:ctrlPr>
+                        </m:sSubPr>
+                        <m:e>
+                          <m:r>
+                            <a:rPr lang="en-US" altLang="zh-CN" b="0" i="1" smtClean="0">
+                              <a:solidFill>
+                                <a:schemeClr val="tx1"/>
+                              </a:solidFill>
+                              <a:latin typeface="Cambria Math" panose="02040503050406030204" pitchFamily="18" charset="0"/>
+                            </a:rPr>
+                            <m:t>𝐶</m:t>
+                          </m:r>
+                        </m:e>
+                        <m:sub>
+                          <m:r>
+                            <a:rPr lang="en-US" altLang="zh-CN" b="0" i="1" smtClean="0">
+                              <a:solidFill>
+                                <a:schemeClr val="tx1"/>
+                              </a:solidFill>
+                              <a:latin typeface="Cambria Math" panose="02040503050406030204" pitchFamily="18" charset="0"/>
+                            </a:rPr>
+                            <m:t>1</m:t>
+                          </m:r>
+                        </m:sub>
+                      </m:sSub>
+                      <m:r>
+                        <a:rPr lang="en-US" altLang="zh-CN" b="0" i="1" smtClean="0">
+                          <a:solidFill>
+                            <a:schemeClr val="tx1"/>
+                          </a:solidFill>
+                          <a:latin typeface="Cambria Math" panose="02040503050406030204" pitchFamily="18" charset="0"/>
+                        </a:rPr>
+                        <m:t> </m:t>
+                      </m:r>
+                    </m:oMath>
+                  </m:oMathPara>
+                </a14:m>
+                <a:endParaRPr lang="zh-CN" altLang="en-US" dirty="0"/>
+              </a:p>
+            </p:txBody>
+          </p:sp>
+        </mc:Choice>
+        <mc:Fallback xmlns="">
+          <p:sp>
+            <p:nvSpPr>
+              <p:cNvPr id="30" name="文本框 29">
+                <a:extLst>
+                  <a:ext uri="{FF2B5EF4-FFF2-40B4-BE49-F238E27FC236}">
+                    <a16:creationId xmlns:a16="http://schemas.microsoft.com/office/drawing/2014/main" id="{2C187057-6F32-26CE-086D-F37F6CBC187F}"/>
+                  </a:ext>
+                </a:extLst>
+              </p:cNvPr>
+              <p:cNvSpPr txBox="1">
+                <a:spLocks noRot="1" noChangeAspect="1" noMove="1" noResize="1" noEditPoints="1" noAdjustHandles="1" noChangeArrowheads="1" noChangeShapeType="1" noTextEdit="1"/>
+              </p:cNvSpPr>
+              <p:nvPr/>
+            </p:nvSpPr>
+            <p:spPr>
+              <a:xfrm>
+                <a:off x="8284562" y="3915256"/>
+                <a:ext cx="373792" cy="369332"/>
+              </a:xfrm>
+              <a:prstGeom prst="rect">
+                <a:avLst/>
+              </a:prstGeom>
+              <a:blipFill>
+                <a:blip r:embed="rId10"/>
+                <a:stretch>
+                  <a:fillRect r="-1639"/>
+                </a:stretch>
+              </a:blipFill>
+            </p:spPr>
+            <p:txBody>
+              <a:bodyPr/>
+              <a:lstStyle/>
+              <a:p>
+                <a:r>
+                  <a:rPr lang="zh-CN" altLang="en-US">
+                    <a:noFill/>
+                  </a:rPr>
+                  <a:t> </a:t>
+                </a:r>
+              </a:p>
+            </p:txBody>
+          </p:sp>
+        </mc:Fallback>
+      </mc:AlternateContent>
+      <mc:AlternateContent xmlns:mc="http://schemas.openxmlformats.org/markup-compatibility/2006" xmlns:a14="http://schemas.microsoft.com/office/drawing/2010/main">
+        <mc:Choice Requires="a14">
+          <p:sp>
+            <p:nvSpPr>
+              <p:cNvPr id="31" name="文本框 30">
+                <a:extLst>
+                  <a:ext uri="{FF2B5EF4-FFF2-40B4-BE49-F238E27FC236}">
+                    <a16:creationId xmlns:a16="http://schemas.microsoft.com/office/drawing/2014/main" id="{02246CBD-D58E-0EE7-AB86-2A17CAFA4871}"/>
+                  </a:ext>
+                </a:extLst>
+              </p:cNvPr>
+              <p:cNvSpPr txBox="1"/>
+              <p:nvPr/>
+            </p:nvSpPr>
+            <p:spPr>
+              <a:xfrm>
+                <a:off x="8748970" y="3916251"/>
+                <a:ext cx="373792" cy="369332"/>
+              </a:xfrm>
+              <a:prstGeom prst="rect">
+                <a:avLst/>
+              </a:prstGeom>
+              <a:solidFill>
+                <a:srgbClr val="ED721F"/>
+              </a:solidFill>
+            </p:spPr>
+            <p:txBody>
+              <a:bodyPr wrap="square">
+                <a:spAutoFit/>
+              </a:bodyPr>
+              <a:lstStyle/>
+              <a:p>
+                <a:pPr/>
+                <a14:m>
+                  <m:oMathPara xmlns:m="http://schemas.openxmlformats.org/officeDocument/2006/math">
+                    <m:oMathParaPr>
+                      <m:jc m:val="centerGroup"/>
+                    </m:oMathParaPr>
+                    <m:oMath xmlns:m="http://schemas.openxmlformats.org/officeDocument/2006/math">
+                      <m:sSub>
+                        <m:sSubPr>
+                          <m:ctrlPr>
+                            <a:rPr lang="en-US" altLang="zh-CN" i="1" smtClean="0">
+                              <a:solidFill>
+                                <a:schemeClr val="tx1"/>
+                              </a:solidFill>
+                              <a:latin typeface="Cambria Math" panose="02040503050406030204" pitchFamily="18" charset="0"/>
+                            </a:rPr>
+                          </m:ctrlPr>
+                        </m:sSubPr>
+                        <m:e>
+                          <m:r>
+                            <a:rPr lang="en-US" altLang="zh-CN" b="0" i="1" smtClean="0">
+                              <a:solidFill>
+                                <a:schemeClr val="tx1"/>
+                              </a:solidFill>
+                              <a:latin typeface="Cambria Math" panose="02040503050406030204" pitchFamily="18" charset="0"/>
+                            </a:rPr>
+                            <m:t>𝐶</m:t>
+                          </m:r>
+                        </m:e>
+                        <m:sub>
+                          <m:r>
+                            <a:rPr lang="en-US" altLang="zh-CN" i="1">
+                              <a:latin typeface="Cambria Math" panose="02040503050406030204" pitchFamily="18" charset="0"/>
+                            </a:rPr>
+                            <m:t>2</m:t>
+                          </m:r>
+                        </m:sub>
+                      </m:sSub>
+                      <m:r>
+                        <a:rPr lang="en-US" altLang="zh-CN" b="0" i="1" smtClean="0">
+                          <a:solidFill>
+                            <a:schemeClr val="tx1"/>
+                          </a:solidFill>
+                          <a:latin typeface="Cambria Math" panose="02040503050406030204" pitchFamily="18" charset="0"/>
+                        </a:rPr>
+                        <m:t> </m:t>
+                      </m:r>
+                    </m:oMath>
+                  </m:oMathPara>
+                </a14:m>
+                <a:endParaRPr lang="zh-CN" altLang="en-US" dirty="0"/>
+              </a:p>
+            </p:txBody>
+          </p:sp>
+        </mc:Choice>
+        <mc:Fallback xmlns="">
+          <p:sp>
+            <p:nvSpPr>
+              <p:cNvPr id="31" name="文本框 30">
+                <a:extLst>
+                  <a:ext uri="{FF2B5EF4-FFF2-40B4-BE49-F238E27FC236}">
+                    <a16:creationId xmlns:a16="http://schemas.microsoft.com/office/drawing/2014/main" id="{02246CBD-D58E-0EE7-AB86-2A17CAFA4871}"/>
+                  </a:ext>
+                </a:extLst>
+              </p:cNvPr>
+              <p:cNvSpPr txBox="1">
+                <a:spLocks noRot="1" noChangeAspect="1" noMove="1" noResize="1" noEditPoints="1" noAdjustHandles="1" noChangeArrowheads="1" noChangeShapeType="1" noTextEdit="1"/>
+              </p:cNvSpPr>
+              <p:nvPr/>
+            </p:nvSpPr>
+            <p:spPr>
+              <a:xfrm>
+                <a:off x="8748970" y="3916251"/>
+                <a:ext cx="373792" cy="369332"/>
+              </a:xfrm>
+              <a:prstGeom prst="rect">
+                <a:avLst/>
+              </a:prstGeom>
+              <a:blipFill>
+                <a:blip r:embed="rId11"/>
+                <a:stretch>
+                  <a:fillRect r="-1613"/>
+                </a:stretch>
+              </a:blipFill>
+            </p:spPr>
+            <p:txBody>
+              <a:bodyPr/>
+              <a:lstStyle/>
+              <a:p>
+                <a:r>
+                  <a:rPr lang="zh-CN" altLang="en-US">
+                    <a:noFill/>
+                  </a:rPr>
+                  <a:t> </a:t>
+                </a:r>
+              </a:p>
+            </p:txBody>
+          </p:sp>
+        </mc:Fallback>
+      </mc:AlternateContent>
+      <mc:AlternateContent xmlns:mc="http://schemas.openxmlformats.org/markup-compatibility/2006" xmlns:a14="http://schemas.microsoft.com/office/drawing/2010/main">
+        <mc:Choice Requires="a14">
+          <p:sp>
+            <p:nvSpPr>
+              <p:cNvPr id="32" name="文本框 31">
+                <a:extLst>
+                  <a:ext uri="{FF2B5EF4-FFF2-40B4-BE49-F238E27FC236}">
+                    <a16:creationId xmlns:a16="http://schemas.microsoft.com/office/drawing/2014/main" id="{26D95899-93BD-DE90-E1D2-8784DAD2FD59}"/>
+                  </a:ext>
+                </a:extLst>
+              </p:cNvPr>
+              <p:cNvSpPr txBox="1"/>
+              <p:nvPr/>
+            </p:nvSpPr>
+            <p:spPr>
+              <a:xfrm>
+                <a:off x="9466305" y="3905984"/>
+                <a:ext cx="373792" cy="369332"/>
+              </a:xfrm>
+              <a:prstGeom prst="rect">
+                <a:avLst/>
+              </a:prstGeom>
+              <a:solidFill>
+                <a:srgbClr val="ED721F"/>
+              </a:solidFill>
+            </p:spPr>
+            <p:txBody>
+              <a:bodyPr wrap="square">
+                <a:spAutoFit/>
+              </a:bodyPr>
+              <a:lstStyle/>
+              <a:p>
+                <a:pPr/>
+                <a14:m>
+                  <m:oMathPara xmlns:m="http://schemas.openxmlformats.org/officeDocument/2006/math">
+                    <m:oMathParaPr>
+                      <m:jc m:val="centerGroup"/>
+                    </m:oMathParaPr>
+                    <m:oMath xmlns:m="http://schemas.openxmlformats.org/officeDocument/2006/math">
+                      <m:sSub>
+                        <m:sSubPr>
+                          <m:ctrlPr>
+                            <a:rPr lang="en-US" altLang="zh-CN" i="1" smtClean="0">
+                              <a:solidFill>
+                                <a:schemeClr val="tx1"/>
+                              </a:solidFill>
+                              <a:latin typeface="Cambria Math" panose="02040503050406030204" pitchFamily="18" charset="0"/>
+                            </a:rPr>
+                          </m:ctrlPr>
+                        </m:sSubPr>
+                        <m:e>
+                          <m:r>
+                            <a:rPr lang="en-US" altLang="zh-CN" b="0" i="1" smtClean="0">
+                              <a:solidFill>
+                                <a:schemeClr val="tx1"/>
+                              </a:solidFill>
+                              <a:latin typeface="Cambria Math" panose="02040503050406030204" pitchFamily="18" charset="0"/>
+                            </a:rPr>
+                            <m:t>𝐶</m:t>
+                          </m:r>
+                        </m:e>
+                        <m:sub>
+                          <m:r>
+                            <m:rPr>
+                              <m:sty m:val="p"/>
+                            </m:rPr>
+                            <a:rPr lang="en-US" altLang="zh-CN" i="1">
+                              <a:latin typeface="Cambria Math" panose="02040503050406030204" pitchFamily="18" charset="0"/>
+                            </a:rPr>
+                            <m:t>E</m:t>
+                          </m:r>
+                        </m:sub>
+                      </m:sSub>
+                      <m:r>
+                        <a:rPr lang="en-US" altLang="zh-CN" b="0" i="1" smtClean="0">
+                          <a:solidFill>
+                            <a:schemeClr val="tx1"/>
+                          </a:solidFill>
+                          <a:latin typeface="Cambria Math" panose="02040503050406030204" pitchFamily="18" charset="0"/>
+                        </a:rPr>
+                        <m:t> </m:t>
+                      </m:r>
+                    </m:oMath>
+                  </m:oMathPara>
+                </a14:m>
+                <a:endParaRPr lang="zh-CN" altLang="en-US" dirty="0"/>
+              </a:p>
+            </p:txBody>
+          </p:sp>
+        </mc:Choice>
+        <mc:Fallback xmlns="">
+          <p:sp>
+            <p:nvSpPr>
+              <p:cNvPr id="32" name="文本框 31">
+                <a:extLst>
+                  <a:ext uri="{FF2B5EF4-FFF2-40B4-BE49-F238E27FC236}">
+                    <a16:creationId xmlns:a16="http://schemas.microsoft.com/office/drawing/2014/main" id="{26D95899-93BD-DE90-E1D2-8784DAD2FD59}"/>
+                  </a:ext>
+                </a:extLst>
+              </p:cNvPr>
+              <p:cNvSpPr txBox="1">
+                <a:spLocks noRot="1" noChangeAspect="1" noMove="1" noResize="1" noEditPoints="1" noAdjustHandles="1" noChangeArrowheads="1" noChangeShapeType="1" noTextEdit="1"/>
+              </p:cNvSpPr>
+              <p:nvPr/>
+            </p:nvSpPr>
+            <p:spPr>
+              <a:xfrm>
+                <a:off x="9466305" y="3905984"/>
+                <a:ext cx="373792" cy="369332"/>
+              </a:xfrm>
+              <a:prstGeom prst="rect">
+                <a:avLst/>
+              </a:prstGeom>
+              <a:blipFill>
+                <a:blip r:embed="rId12"/>
+                <a:stretch>
+                  <a:fillRect r="-4918"/>
+                </a:stretch>
+              </a:blipFill>
+            </p:spPr>
+            <p:txBody>
+              <a:bodyPr/>
+              <a:lstStyle/>
+              <a:p>
+                <a:r>
+                  <a:rPr lang="zh-CN" altLang="en-US">
+                    <a:noFill/>
+                  </a:rPr>
+                  <a:t> </a:t>
+                </a:r>
+              </a:p>
+            </p:txBody>
+          </p:sp>
+        </mc:Fallback>
+      </mc:AlternateContent>
+      <mc:AlternateContent xmlns:mc="http://schemas.openxmlformats.org/markup-compatibility/2006" xmlns:a14="http://schemas.microsoft.com/office/drawing/2010/main">
+        <mc:Choice Requires="a14">
+          <p:sp>
+            <p:nvSpPr>
+              <p:cNvPr id="33" name="文本框 32">
+                <a:extLst>
+                  <a:ext uri="{FF2B5EF4-FFF2-40B4-BE49-F238E27FC236}">
+                    <a16:creationId xmlns:a16="http://schemas.microsoft.com/office/drawing/2014/main" id="{68D4F672-DC57-5B4F-F72A-4C298E30E7F1}"/>
+                  </a:ext>
+                </a:extLst>
+              </p:cNvPr>
+              <p:cNvSpPr txBox="1"/>
+              <p:nvPr/>
+            </p:nvSpPr>
+            <p:spPr>
+              <a:xfrm>
+                <a:off x="9125464" y="3944543"/>
+                <a:ext cx="373792" cy="369332"/>
+              </a:xfrm>
+              <a:prstGeom prst="rect">
+                <a:avLst/>
+              </a:prstGeom>
+              <a:noFill/>
+            </p:spPr>
+            <p:txBody>
+              <a:bodyPr wrap="square">
+                <a:spAutoFit/>
+              </a:bodyPr>
+              <a:lstStyle/>
+              <a:p>
+                <a:pPr/>
+                <a14:m>
+                  <m:oMathPara xmlns:m="http://schemas.openxmlformats.org/officeDocument/2006/math">
+                    <m:oMathParaPr>
+                      <m:jc m:val="centerGroup"/>
+                    </m:oMathParaPr>
+                    <m:oMath xmlns:m="http://schemas.openxmlformats.org/officeDocument/2006/math">
+                      <m:r>
+                        <a:rPr lang="en-US" altLang="zh-CN" i="1" smtClean="0">
+                          <a:solidFill>
+                            <a:schemeClr val="tx1"/>
+                          </a:solidFill>
+                          <a:latin typeface="Cambria Math" panose="02040503050406030204" pitchFamily="18" charset="0"/>
+                        </a:rPr>
+                        <m:t>…</m:t>
+                      </m:r>
+                    </m:oMath>
+                  </m:oMathPara>
+                </a14:m>
+                <a:endParaRPr lang="zh-CN" altLang="en-US" dirty="0"/>
+              </a:p>
+            </p:txBody>
+          </p:sp>
+        </mc:Choice>
+        <mc:Fallback xmlns="">
+          <p:sp>
+            <p:nvSpPr>
+              <p:cNvPr id="33" name="文本框 32">
+                <a:extLst>
+                  <a:ext uri="{FF2B5EF4-FFF2-40B4-BE49-F238E27FC236}">
+                    <a16:creationId xmlns:a16="http://schemas.microsoft.com/office/drawing/2014/main" id="{68D4F672-DC57-5B4F-F72A-4C298E30E7F1}"/>
+                  </a:ext>
+                </a:extLst>
+              </p:cNvPr>
+              <p:cNvSpPr txBox="1">
+                <a:spLocks noRot="1" noChangeAspect="1" noMove="1" noResize="1" noEditPoints="1" noAdjustHandles="1" noChangeArrowheads="1" noChangeShapeType="1" noTextEdit="1"/>
+              </p:cNvSpPr>
+              <p:nvPr/>
+            </p:nvSpPr>
+            <p:spPr>
+              <a:xfrm>
+                <a:off x="9125464" y="3944543"/>
+                <a:ext cx="373792" cy="369332"/>
+              </a:xfrm>
+              <a:prstGeom prst="rect">
+                <a:avLst/>
+              </a:prstGeom>
+              <a:blipFill>
+                <a:blip r:embed="rId13"/>
+                <a:stretch>
+                  <a:fillRect/>
+                </a:stretch>
+              </a:blipFill>
+            </p:spPr>
+            <p:txBody>
+              <a:bodyPr/>
+              <a:lstStyle/>
+              <a:p>
+                <a:r>
+                  <a:rPr lang="zh-CN" altLang="en-US">
+                    <a:noFill/>
+                  </a:rPr>
+                  <a:t> </a:t>
+                </a:r>
+              </a:p>
+            </p:txBody>
+          </p:sp>
+        </mc:Fallback>
+      </mc:AlternateContent>
+      <p:sp>
+        <p:nvSpPr>
+          <p:cNvPr id="34" name="矩形: 圆角 33">
+            <a:extLst>
+              <a:ext uri="{FF2B5EF4-FFF2-40B4-BE49-F238E27FC236}">
+                <a16:creationId xmlns:a16="http://schemas.microsoft.com/office/drawing/2014/main" id="{CA26397A-7D41-CF4F-010F-FFD14B6CFFD2}"/>
+              </a:ext>
+            </a:extLst>
+          </p:cNvPr>
+          <p:cNvSpPr/>
+          <p:nvPr/>
+        </p:nvSpPr>
+        <p:spPr>
+          <a:xfrm>
+            <a:off x="7820154" y="4684817"/>
+            <a:ext cx="2737278" cy="500986"/>
+          </a:xfrm>
+          <a:prstGeom prst="roundRect">
+            <a:avLst/>
+          </a:prstGeom>
+          <a:solidFill>
+            <a:srgbClr val="FFFFFF"/>
+          </a:solidFill>
+        </p:spPr>
+        <p:style>
+          <a:lnRef idx="2">
+            <a:schemeClr val="accent1">
+              <a:shade val="15000"/>
+            </a:schemeClr>
+          </a:lnRef>
+          <a:fillRef idx="1">
+            <a:schemeClr val="accent1"/>
+          </a:fillRef>
+          <a:effectRef idx="0">
+            <a:schemeClr val="accent1"/>
+          </a:effectRef>
+          <a:fontRef idx="minor">
+            <a:schemeClr val="lt1"/>
+          </a:fontRef>
+        </p:style>
+        <p:txBody>
+          <a:bodyPr rtlCol="0" anchor="ctr"/>
+          <a:lstStyle/>
+          <a:p>
+            <a:pPr algn="ctr"/>
+            <a:endParaRPr lang="zh-CN" altLang="en-US" dirty="0">
+              <a:solidFill>
+                <a:schemeClr val="tx1"/>
+              </a:solidFill>
+            </a:endParaRPr>
+          </a:p>
+        </p:txBody>
+      </p:sp>
+      <mc:AlternateContent xmlns:mc="http://schemas.openxmlformats.org/markup-compatibility/2006" xmlns:a14="http://schemas.microsoft.com/office/drawing/2010/main">
+        <mc:Choice Requires="a14">
+          <p:sp>
+            <p:nvSpPr>
+              <p:cNvPr id="35" name="文本框 34">
+                <a:extLst>
+                  <a:ext uri="{FF2B5EF4-FFF2-40B4-BE49-F238E27FC236}">
+                    <a16:creationId xmlns:a16="http://schemas.microsoft.com/office/drawing/2014/main" id="{EAF2CEB9-1619-0695-FFE2-BFF2158B358C}"/>
+                  </a:ext>
+                </a:extLst>
+              </p:cNvPr>
+              <p:cNvSpPr txBox="1"/>
+              <p:nvPr/>
+            </p:nvSpPr>
+            <p:spPr>
+              <a:xfrm>
+                <a:off x="8256246" y="4750644"/>
+                <a:ext cx="373792" cy="369332"/>
+              </a:xfrm>
+              <a:prstGeom prst="rect">
+                <a:avLst/>
+              </a:prstGeom>
+              <a:solidFill>
+                <a:srgbClr val="ED721F"/>
+              </a:solidFill>
+            </p:spPr>
+            <p:txBody>
+              <a:bodyPr wrap="square">
+                <a:spAutoFit/>
+              </a:bodyPr>
+              <a:lstStyle/>
+              <a:p>
+                <a:pPr/>
+                <a14:m>
+                  <m:oMathPara xmlns:m="http://schemas.openxmlformats.org/officeDocument/2006/math">
+                    <m:oMathParaPr>
+                      <m:jc m:val="centerGroup"/>
+                    </m:oMathParaPr>
+                    <m:oMath xmlns:m="http://schemas.openxmlformats.org/officeDocument/2006/math">
+                      <m:sSub>
+                        <m:sSubPr>
+                          <m:ctrlPr>
+                            <a:rPr lang="en-US" altLang="zh-CN" i="1" smtClean="0">
+                              <a:solidFill>
+                                <a:schemeClr val="tx1"/>
+                              </a:solidFill>
+                              <a:latin typeface="Cambria Math" panose="02040503050406030204" pitchFamily="18" charset="0"/>
+                            </a:rPr>
+                          </m:ctrlPr>
+                        </m:sSubPr>
+                        <m:e>
+                          <m:r>
+                            <a:rPr lang="en-US" altLang="zh-CN" b="0" i="1" smtClean="0">
+                              <a:solidFill>
+                                <a:schemeClr val="tx1"/>
+                              </a:solidFill>
+                              <a:latin typeface="Cambria Math" panose="02040503050406030204" pitchFamily="18" charset="0"/>
+                            </a:rPr>
+                            <m:t>𝐷</m:t>
+                          </m:r>
+                        </m:e>
+                        <m:sub>
+                          <m:r>
+                            <a:rPr lang="en-US" altLang="zh-CN" b="0" i="1" smtClean="0">
+                              <a:solidFill>
+                                <a:schemeClr val="tx1"/>
+                              </a:solidFill>
+                              <a:latin typeface="Cambria Math" panose="02040503050406030204" pitchFamily="18" charset="0"/>
+                            </a:rPr>
+                            <m:t>1</m:t>
+                          </m:r>
+                        </m:sub>
+                      </m:sSub>
+                      <m:r>
+                        <a:rPr lang="en-US" altLang="zh-CN" b="0" i="1" smtClean="0">
+                          <a:solidFill>
+                            <a:schemeClr val="tx1"/>
+                          </a:solidFill>
+                          <a:latin typeface="Cambria Math" panose="02040503050406030204" pitchFamily="18" charset="0"/>
+                        </a:rPr>
+                        <m:t> </m:t>
+                      </m:r>
+                    </m:oMath>
+                  </m:oMathPara>
+                </a14:m>
+                <a:endParaRPr lang="zh-CN" altLang="en-US" dirty="0"/>
+              </a:p>
+            </p:txBody>
+          </p:sp>
+        </mc:Choice>
+        <mc:Fallback xmlns="">
+          <p:sp>
+            <p:nvSpPr>
+              <p:cNvPr id="35" name="文本框 34">
+                <a:extLst>
+                  <a:ext uri="{FF2B5EF4-FFF2-40B4-BE49-F238E27FC236}">
+                    <a16:creationId xmlns:a16="http://schemas.microsoft.com/office/drawing/2014/main" id="{EAF2CEB9-1619-0695-FFE2-BFF2158B358C}"/>
+                  </a:ext>
+                </a:extLst>
+              </p:cNvPr>
+              <p:cNvSpPr txBox="1">
+                <a:spLocks noRot="1" noChangeAspect="1" noMove="1" noResize="1" noEditPoints="1" noAdjustHandles="1" noChangeArrowheads="1" noChangeShapeType="1" noTextEdit="1"/>
+              </p:cNvSpPr>
+              <p:nvPr/>
+            </p:nvSpPr>
+            <p:spPr>
+              <a:xfrm>
+                <a:off x="8256246" y="4750644"/>
+                <a:ext cx="373792" cy="369332"/>
+              </a:xfrm>
+              <a:prstGeom prst="rect">
+                <a:avLst/>
+              </a:prstGeom>
+              <a:blipFill>
+                <a:blip r:embed="rId14"/>
+                <a:stretch>
+                  <a:fillRect r="-4839"/>
+                </a:stretch>
+              </a:blipFill>
+            </p:spPr>
+            <p:txBody>
+              <a:bodyPr/>
+              <a:lstStyle/>
+              <a:p>
+                <a:r>
+                  <a:rPr lang="zh-CN" altLang="en-US">
+                    <a:noFill/>
+                  </a:rPr>
+                  <a:t> </a:t>
+                </a:r>
+              </a:p>
+            </p:txBody>
+          </p:sp>
+        </mc:Fallback>
+      </mc:AlternateContent>
+      <mc:AlternateContent xmlns:mc="http://schemas.openxmlformats.org/markup-compatibility/2006" xmlns:a14="http://schemas.microsoft.com/office/drawing/2010/main">
+        <mc:Choice Requires="a14">
+          <p:sp>
+            <p:nvSpPr>
+              <p:cNvPr id="36" name="文本框 35">
+                <a:extLst>
+                  <a:ext uri="{FF2B5EF4-FFF2-40B4-BE49-F238E27FC236}">
+                    <a16:creationId xmlns:a16="http://schemas.microsoft.com/office/drawing/2014/main" id="{B358D227-AA08-F3C0-5E18-5A9C8563AD22}"/>
+                  </a:ext>
+                </a:extLst>
+              </p:cNvPr>
+              <p:cNvSpPr txBox="1"/>
+              <p:nvPr/>
+            </p:nvSpPr>
+            <p:spPr>
+              <a:xfrm>
+                <a:off x="8815001" y="4753766"/>
+                <a:ext cx="373792" cy="369332"/>
+              </a:xfrm>
+              <a:prstGeom prst="rect">
+                <a:avLst/>
+              </a:prstGeom>
+              <a:solidFill>
+                <a:srgbClr val="ED721F"/>
+              </a:solidFill>
+            </p:spPr>
+            <p:txBody>
+              <a:bodyPr wrap="square">
+                <a:spAutoFit/>
+              </a:bodyPr>
+              <a:lstStyle/>
+              <a:p>
+                <a:pPr/>
+                <a14:m>
+                  <m:oMathPara xmlns:m="http://schemas.openxmlformats.org/officeDocument/2006/math">
+                    <m:oMathParaPr>
+                      <m:jc m:val="centerGroup"/>
+                    </m:oMathParaPr>
+                    <m:oMath xmlns:m="http://schemas.openxmlformats.org/officeDocument/2006/math">
+                      <m:sSub>
+                        <m:sSubPr>
+                          <m:ctrlPr>
+                            <a:rPr lang="en-US" altLang="zh-CN" i="1" smtClean="0">
+                              <a:solidFill>
+                                <a:schemeClr val="tx1"/>
+                              </a:solidFill>
+                              <a:latin typeface="Cambria Math" panose="02040503050406030204" pitchFamily="18" charset="0"/>
+                            </a:rPr>
+                          </m:ctrlPr>
+                        </m:sSubPr>
+                        <m:e>
+                          <m:r>
+                            <a:rPr lang="en-US" altLang="zh-CN" b="0" i="1" smtClean="0">
+                              <a:solidFill>
+                                <a:schemeClr val="tx1"/>
+                              </a:solidFill>
+                              <a:latin typeface="Cambria Math" panose="02040503050406030204" pitchFamily="18" charset="0"/>
+                            </a:rPr>
+                            <m:t>𝐷</m:t>
+                          </m:r>
+                        </m:e>
+                        <m:sub>
+                          <m:r>
+                            <a:rPr lang="en-US" altLang="zh-CN" b="0" i="1" smtClean="0">
+                              <a:solidFill>
+                                <a:schemeClr val="tx1"/>
+                              </a:solidFill>
+                              <a:latin typeface="Cambria Math" panose="02040503050406030204" pitchFamily="18" charset="0"/>
+                            </a:rPr>
+                            <m:t>2</m:t>
+                          </m:r>
+                        </m:sub>
+                      </m:sSub>
+                      <m:r>
+                        <a:rPr lang="en-US" altLang="zh-CN" b="0" i="1" smtClean="0">
+                          <a:solidFill>
+                            <a:schemeClr val="tx1"/>
+                          </a:solidFill>
+                          <a:latin typeface="Cambria Math" panose="02040503050406030204" pitchFamily="18" charset="0"/>
+                        </a:rPr>
+                        <m:t> </m:t>
+                      </m:r>
+                    </m:oMath>
+                  </m:oMathPara>
+                </a14:m>
+                <a:endParaRPr lang="zh-CN" altLang="en-US" dirty="0"/>
+              </a:p>
+            </p:txBody>
+          </p:sp>
+        </mc:Choice>
+        <mc:Fallback xmlns="">
+          <p:sp>
+            <p:nvSpPr>
+              <p:cNvPr id="36" name="文本框 35">
+                <a:extLst>
+                  <a:ext uri="{FF2B5EF4-FFF2-40B4-BE49-F238E27FC236}">
+                    <a16:creationId xmlns:a16="http://schemas.microsoft.com/office/drawing/2014/main" id="{B358D227-AA08-F3C0-5E18-5A9C8563AD22}"/>
+                  </a:ext>
+                </a:extLst>
+              </p:cNvPr>
+              <p:cNvSpPr txBox="1">
+                <a:spLocks noRot="1" noChangeAspect="1" noMove="1" noResize="1" noEditPoints="1" noAdjustHandles="1" noChangeArrowheads="1" noChangeShapeType="1" noTextEdit="1"/>
+              </p:cNvSpPr>
+              <p:nvPr/>
+            </p:nvSpPr>
+            <p:spPr>
+              <a:xfrm>
+                <a:off x="8815001" y="4753766"/>
+                <a:ext cx="373792" cy="369332"/>
+              </a:xfrm>
+              <a:prstGeom prst="rect">
+                <a:avLst/>
+              </a:prstGeom>
+              <a:blipFill>
+                <a:blip r:embed="rId15"/>
+                <a:stretch>
+                  <a:fillRect r="-8197"/>
+                </a:stretch>
+              </a:blipFill>
+            </p:spPr>
+            <p:txBody>
+              <a:bodyPr/>
+              <a:lstStyle/>
+              <a:p>
+                <a:r>
+                  <a:rPr lang="zh-CN" altLang="en-US">
+                    <a:noFill/>
+                  </a:rPr>
+                  <a:t> </a:t>
+                </a:r>
+              </a:p>
+            </p:txBody>
+          </p:sp>
+        </mc:Fallback>
+      </mc:AlternateContent>
+      <mc:AlternateContent xmlns:mc="http://schemas.openxmlformats.org/markup-compatibility/2006" xmlns:a14="http://schemas.microsoft.com/office/drawing/2010/main">
+        <mc:Choice Requires="a14">
+          <p:sp>
+            <p:nvSpPr>
+              <p:cNvPr id="37" name="文本框 36">
+                <a:extLst>
+                  <a:ext uri="{FF2B5EF4-FFF2-40B4-BE49-F238E27FC236}">
+                    <a16:creationId xmlns:a16="http://schemas.microsoft.com/office/drawing/2014/main" id="{4408B8B1-10C6-9888-5542-A621A8EFD164}"/>
+                  </a:ext>
+                </a:extLst>
+              </p:cNvPr>
+              <p:cNvSpPr txBox="1"/>
+              <p:nvPr/>
+            </p:nvSpPr>
+            <p:spPr>
+              <a:xfrm>
+                <a:off x="9512557" y="4746578"/>
+                <a:ext cx="373792" cy="369332"/>
+              </a:xfrm>
+              <a:prstGeom prst="rect">
+                <a:avLst/>
+              </a:prstGeom>
+              <a:solidFill>
+                <a:srgbClr val="ED721F"/>
+              </a:solidFill>
+            </p:spPr>
+            <p:txBody>
+              <a:bodyPr wrap="square">
+                <a:spAutoFit/>
+              </a:bodyPr>
+              <a:lstStyle/>
+              <a:p>
+                <a:pPr/>
+                <a14:m>
+                  <m:oMathPara xmlns:m="http://schemas.openxmlformats.org/officeDocument/2006/math">
+                    <m:oMathParaPr>
+                      <m:jc m:val="centerGroup"/>
+                    </m:oMathParaPr>
+                    <m:oMath xmlns:m="http://schemas.openxmlformats.org/officeDocument/2006/math">
+                      <m:sSub>
+                        <m:sSubPr>
+                          <m:ctrlPr>
+                            <a:rPr lang="en-US" altLang="zh-CN" i="1" smtClean="0">
+                              <a:solidFill>
+                                <a:schemeClr val="tx1"/>
+                              </a:solidFill>
+                              <a:latin typeface="Cambria Math" panose="02040503050406030204" pitchFamily="18" charset="0"/>
+                            </a:rPr>
+                          </m:ctrlPr>
+                        </m:sSubPr>
+                        <m:e>
+                          <m:r>
+                            <a:rPr lang="en-US" altLang="zh-CN" b="0" i="1" smtClean="0">
+                              <a:solidFill>
+                                <a:schemeClr val="tx1"/>
+                              </a:solidFill>
+                              <a:latin typeface="Cambria Math" panose="02040503050406030204" pitchFamily="18" charset="0"/>
+                            </a:rPr>
+                            <m:t>𝐷</m:t>
+                          </m:r>
+                        </m:e>
+                        <m:sub>
+                          <m:r>
+                            <a:rPr lang="en-US" altLang="zh-CN" b="0" i="1" smtClean="0">
+                              <a:solidFill>
+                                <a:schemeClr val="tx1"/>
+                              </a:solidFill>
+                              <a:latin typeface="Cambria Math" panose="02040503050406030204" pitchFamily="18" charset="0"/>
+                            </a:rPr>
+                            <m:t>𝐸</m:t>
+                          </m:r>
+                        </m:sub>
+                      </m:sSub>
+                      <m:r>
+                        <a:rPr lang="en-US" altLang="zh-CN" b="0" i="1" smtClean="0">
+                          <a:solidFill>
+                            <a:schemeClr val="tx1"/>
+                          </a:solidFill>
+                          <a:latin typeface="Cambria Math" panose="02040503050406030204" pitchFamily="18" charset="0"/>
+                        </a:rPr>
+                        <m:t> </m:t>
+                      </m:r>
+                    </m:oMath>
+                  </m:oMathPara>
+                </a14:m>
+                <a:endParaRPr lang="zh-CN" altLang="en-US" dirty="0"/>
+              </a:p>
+            </p:txBody>
+          </p:sp>
+        </mc:Choice>
+        <mc:Fallback xmlns="">
+          <p:sp>
+            <p:nvSpPr>
+              <p:cNvPr id="37" name="文本框 36">
+                <a:extLst>
+                  <a:ext uri="{FF2B5EF4-FFF2-40B4-BE49-F238E27FC236}">
+                    <a16:creationId xmlns:a16="http://schemas.microsoft.com/office/drawing/2014/main" id="{4408B8B1-10C6-9888-5542-A621A8EFD164}"/>
+                  </a:ext>
+                </a:extLst>
+              </p:cNvPr>
+              <p:cNvSpPr txBox="1">
+                <a:spLocks noRot="1" noChangeAspect="1" noMove="1" noResize="1" noEditPoints="1" noAdjustHandles="1" noChangeArrowheads="1" noChangeShapeType="1" noTextEdit="1"/>
+              </p:cNvSpPr>
+              <p:nvPr/>
+            </p:nvSpPr>
+            <p:spPr>
+              <a:xfrm>
+                <a:off x="9512557" y="4746578"/>
+                <a:ext cx="373792" cy="369332"/>
+              </a:xfrm>
+              <a:prstGeom prst="rect">
+                <a:avLst/>
+              </a:prstGeom>
+              <a:blipFill>
+                <a:blip r:embed="rId16"/>
+                <a:stretch>
+                  <a:fillRect r="-11290"/>
+                </a:stretch>
+              </a:blipFill>
+            </p:spPr>
+            <p:txBody>
+              <a:bodyPr/>
+              <a:lstStyle/>
+              <a:p>
+                <a:r>
+                  <a:rPr lang="zh-CN" altLang="en-US">
+                    <a:noFill/>
+                  </a:rPr>
+                  <a:t> </a:t>
+                </a:r>
+              </a:p>
+            </p:txBody>
+          </p:sp>
+        </mc:Fallback>
+      </mc:AlternateContent>
+      <mc:AlternateContent xmlns:mc="http://schemas.openxmlformats.org/markup-compatibility/2006" xmlns:a14="http://schemas.microsoft.com/office/drawing/2010/main">
+        <mc:Choice Requires="a14">
+          <p:sp>
+            <p:nvSpPr>
+              <p:cNvPr id="38" name="文本框 37">
+                <a:extLst>
+                  <a:ext uri="{FF2B5EF4-FFF2-40B4-BE49-F238E27FC236}">
+                    <a16:creationId xmlns:a16="http://schemas.microsoft.com/office/drawing/2014/main" id="{EBE61763-4A2F-9E43-BB0A-D29BC5CDE1B4}"/>
+                  </a:ext>
+                </a:extLst>
+              </p:cNvPr>
+              <p:cNvSpPr txBox="1"/>
+              <p:nvPr/>
+            </p:nvSpPr>
+            <p:spPr>
+              <a:xfrm>
+                <a:off x="9161118" y="4800971"/>
+                <a:ext cx="373792" cy="369332"/>
+              </a:xfrm>
+              <a:prstGeom prst="rect">
+                <a:avLst/>
+              </a:prstGeom>
+              <a:noFill/>
+            </p:spPr>
+            <p:txBody>
+              <a:bodyPr wrap="square">
+                <a:spAutoFit/>
+              </a:bodyPr>
+              <a:lstStyle/>
+              <a:p>
+                <a:pPr/>
+                <a14:m>
+                  <m:oMathPara xmlns:m="http://schemas.openxmlformats.org/officeDocument/2006/math">
+                    <m:oMathParaPr>
+                      <m:jc m:val="centerGroup"/>
+                    </m:oMathParaPr>
+                    <m:oMath xmlns:m="http://schemas.openxmlformats.org/officeDocument/2006/math">
+                      <m:r>
+                        <a:rPr lang="en-US" altLang="zh-CN" i="1" smtClean="0">
+                          <a:solidFill>
+                            <a:schemeClr val="tx1"/>
+                          </a:solidFill>
+                          <a:latin typeface="Cambria Math" panose="02040503050406030204" pitchFamily="18" charset="0"/>
+                        </a:rPr>
+                        <m:t>…</m:t>
+                      </m:r>
+                    </m:oMath>
+                  </m:oMathPara>
+                </a14:m>
+                <a:endParaRPr lang="zh-CN" altLang="en-US" dirty="0"/>
+              </a:p>
+            </p:txBody>
+          </p:sp>
+        </mc:Choice>
+        <mc:Fallback xmlns="">
+          <p:sp>
+            <p:nvSpPr>
+              <p:cNvPr id="38" name="文本框 37">
+                <a:extLst>
+                  <a:ext uri="{FF2B5EF4-FFF2-40B4-BE49-F238E27FC236}">
+                    <a16:creationId xmlns:a16="http://schemas.microsoft.com/office/drawing/2014/main" id="{EBE61763-4A2F-9E43-BB0A-D29BC5CDE1B4}"/>
+                  </a:ext>
+                </a:extLst>
+              </p:cNvPr>
+              <p:cNvSpPr txBox="1">
+                <a:spLocks noRot="1" noChangeAspect="1" noMove="1" noResize="1" noEditPoints="1" noAdjustHandles="1" noChangeArrowheads="1" noChangeShapeType="1" noTextEdit="1"/>
+              </p:cNvSpPr>
+              <p:nvPr/>
+            </p:nvSpPr>
+            <p:spPr>
+              <a:xfrm>
+                <a:off x="9161118" y="4800971"/>
+                <a:ext cx="373792" cy="369332"/>
+              </a:xfrm>
+              <a:prstGeom prst="rect">
+                <a:avLst/>
+              </a:prstGeom>
+              <a:blipFill>
+                <a:blip r:embed="rId17"/>
+                <a:stretch>
+                  <a:fillRect/>
+                </a:stretch>
+              </a:blipFill>
+            </p:spPr>
+            <p:txBody>
+              <a:bodyPr/>
+              <a:lstStyle/>
+              <a:p>
+                <a:r>
+                  <a:rPr lang="zh-CN" altLang="en-US">
+                    <a:noFill/>
+                  </a:rPr>
+                  <a:t> </a:t>
+                </a:r>
+              </a:p>
+            </p:txBody>
+          </p:sp>
+        </mc:Fallback>
+      </mc:AlternateContent>
+    </p:spTree>
+    <p:extLst>
+      <p:ext uri="{BB962C8B-B14F-4D97-AF65-F5344CB8AC3E}">
+        <p14:creationId xmlns:p14="http://schemas.microsoft.com/office/powerpoint/2010/main" val="2882057472"/>
+      </p:ext>
+    </p:extLst>
+  </p:cSld>
+  <p:clrMapOvr>
+    <a:masterClrMapping/>
+  </p:clrMapOvr>
+</p:sld>
+</file>
+
+<file path=ppt/slides/slide30.xml><?xml version="1.0" encoding="utf-8"?>
 <p:sld xmlns:a="http://schemas.openxmlformats.org/drawingml/2006/main" xmlns:r="http://schemas.openxmlformats.org/officeDocument/2006/relationships" xmlns:p="http://schemas.openxmlformats.org/presentationml/2006/main">
   <p:cSld>
     <p:spTree>
@@ -28246,7 +32052,7 @@
 </p:sld>
 </file>
 
-<file path=ppt/slides/slide27.xml><?xml version="1.0" encoding="utf-8"?>
+<file path=ppt/slides/slide31.xml><?xml version="1.0" encoding="utf-8"?>
 <p:sld xmlns:a="http://schemas.openxmlformats.org/drawingml/2006/main" xmlns:r="http://schemas.openxmlformats.org/officeDocument/2006/relationships" xmlns:p="http://schemas.openxmlformats.org/presentationml/2006/main">
   <p:cSld>
     <p:spTree>
@@ -28297,2724 +32103,6 @@
     <p:extLst>
       <p:ext uri="{BB962C8B-B14F-4D97-AF65-F5344CB8AC3E}">
         <p14:creationId xmlns:p14="http://schemas.microsoft.com/office/powerpoint/2010/main" val="3311509770"/>
-      </p:ext>
-    </p:extLst>
-  </p:cSld>
-  <p:clrMapOvr>
-    <a:masterClrMapping/>
-  </p:clrMapOvr>
-</p:sld>
-</file>
-
-<file path=ppt/slides/slide3.xml><?xml version="1.0" encoding="utf-8"?>
-<p:sld xmlns:a="http://schemas.openxmlformats.org/drawingml/2006/main" xmlns:r="http://schemas.openxmlformats.org/officeDocument/2006/relationships" xmlns:p="http://schemas.openxmlformats.org/presentationml/2006/main">
-  <p:cSld>
-    <p:spTree>
-      <p:nvGrpSpPr>
-        <p:cNvPr id="1" name=""/>
-        <p:cNvGrpSpPr/>
-        <p:nvPr/>
-      </p:nvGrpSpPr>
-      <p:grpSpPr>
-        <a:xfrm>
-          <a:off x="0" y="0"/>
-          <a:ext cx="0" cy="0"/>
-          <a:chOff x="0" y="0"/>
-          <a:chExt cx="0" cy="0"/>
-        </a:xfrm>
-      </p:grpSpPr>
-      <p:sp>
-        <p:nvSpPr>
-          <p:cNvPr id="2" name="标题 1">
-            <a:extLst>
-              <a:ext uri="{FF2B5EF4-FFF2-40B4-BE49-F238E27FC236}">
-                <a16:creationId xmlns:a16="http://schemas.microsoft.com/office/drawing/2014/main" id="{0AD6C6DB-576B-5091-8F6B-B27BA9293636}"/>
-              </a:ext>
-            </a:extLst>
-          </p:cNvPr>
-          <p:cNvSpPr>
-            <a:spLocks noGrp="1"/>
-          </p:cNvSpPr>
-          <p:nvPr>
-            <p:ph type="title"/>
-          </p:nvPr>
-        </p:nvSpPr>
-        <p:spPr>
-          <a:xfrm>
-            <a:off x="98854" y="1183338"/>
-            <a:ext cx="3932237" cy="463378"/>
-          </a:xfrm>
-        </p:spPr>
-        <p:txBody>
-          <a:bodyPr>
-            <a:normAutofit fontScale="90000"/>
-          </a:bodyPr>
-          <a:lstStyle/>
-          <a:p>
-            <a:r>
-              <a:rPr lang="zh-CN" altLang="en-US" dirty="0"/>
-              <a:t>具体设计内容</a:t>
-            </a:r>
-            <a:r>
-              <a:rPr lang="en-US" altLang="zh-CN" dirty="0"/>
-              <a:t>(1/3)</a:t>
-            </a:r>
-            <a:endParaRPr lang="zh-CN" altLang="en-US" dirty="0"/>
-          </a:p>
-        </p:txBody>
-      </p:sp>
-      <p:sp>
-        <p:nvSpPr>
-          <p:cNvPr id="4" name="文本占位符 3">
-            <a:extLst>
-              <a:ext uri="{FF2B5EF4-FFF2-40B4-BE49-F238E27FC236}">
-                <a16:creationId xmlns:a16="http://schemas.microsoft.com/office/drawing/2014/main" id="{4DB01706-1348-26AF-431D-3101AB0310D6}"/>
-              </a:ext>
-            </a:extLst>
-          </p:cNvPr>
-          <p:cNvSpPr>
-            <a:spLocks noGrp="1"/>
-          </p:cNvSpPr>
-          <p:nvPr>
-            <p:ph type="body" sz="half" idx="2"/>
-          </p:nvPr>
-        </p:nvSpPr>
-        <p:spPr>
-          <a:xfrm>
-            <a:off x="199082" y="2211787"/>
-            <a:ext cx="4512533" cy="2483825"/>
-          </a:xfrm>
-        </p:spPr>
-        <p:txBody>
-          <a:bodyPr>
-            <a:normAutofit fontScale="85000" lnSpcReduction="10000"/>
-          </a:bodyPr>
-          <a:lstStyle/>
-          <a:p>
-            <a:pPr>
-              <a:lnSpc>
-                <a:spcPct val="160000"/>
-              </a:lnSpc>
-            </a:pPr>
-            <a:r>
-              <a:rPr lang="en-US" altLang="zh-CN" sz="2400" dirty="0"/>
-              <a:t>MGPL</a:t>
-            </a:r>
-            <a:r>
-              <a:rPr lang="zh-CN" altLang="en-US" sz="2400" dirty="0"/>
-              <a:t>（</a:t>
-            </a:r>
-            <a:r>
-              <a:rPr lang="en-US" altLang="zh-CN" sz="2400" dirty="0"/>
-              <a:t>Multi-grained Prompt Learning</a:t>
-            </a:r>
-            <a:r>
-              <a:rPr lang="zh-CN" altLang="en-US" sz="2400" dirty="0"/>
-              <a:t>）：包含两个部分的文本提示</a:t>
-            </a:r>
-            <a:endParaRPr lang="en-US" altLang="zh-CN" sz="2400" dirty="0"/>
-          </a:p>
-          <a:p>
-            <a:pPr>
-              <a:lnSpc>
-                <a:spcPct val="160000"/>
-              </a:lnSpc>
-            </a:pPr>
-            <a:r>
-              <a:rPr lang="en-US" altLang="zh-CN" sz="2400" dirty="0"/>
-              <a:t>1.patch</a:t>
-            </a:r>
-            <a:r>
-              <a:rPr lang="zh-CN" altLang="en-US" sz="2400" dirty="0"/>
-              <a:t>级别的局部文本提示</a:t>
-            </a:r>
-            <a:endParaRPr lang="en-US" altLang="zh-CN" sz="2400" dirty="0"/>
-          </a:p>
-          <a:p>
-            <a:pPr>
-              <a:lnSpc>
-                <a:spcPct val="160000"/>
-              </a:lnSpc>
-            </a:pPr>
-            <a:r>
-              <a:rPr lang="en-US" altLang="zh-CN" sz="2400" dirty="0"/>
-              <a:t>2.</a:t>
-            </a:r>
-            <a:r>
-              <a:rPr lang="zh-CN" altLang="en-US" sz="2400" dirty="0"/>
-              <a:t>图像级别的全局文本提示。</a:t>
-            </a:r>
-          </a:p>
-        </p:txBody>
-      </p:sp>
-      <p:sp>
-        <p:nvSpPr>
-          <p:cNvPr id="9" name="文本框 8">
-            <a:extLst>
-              <a:ext uri="{FF2B5EF4-FFF2-40B4-BE49-F238E27FC236}">
-                <a16:creationId xmlns:a16="http://schemas.microsoft.com/office/drawing/2014/main" id="{F93DB3AA-B33F-7210-E943-D62ADD9383CA}"/>
-              </a:ext>
-            </a:extLst>
-          </p:cNvPr>
-          <p:cNvSpPr txBox="1"/>
-          <p:nvPr/>
-        </p:nvSpPr>
-        <p:spPr>
-          <a:xfrm>
-            <a:off x="8039531" y="2821860"/>
-            <a:ext cx="2276475" cy="369332"/>
-          </a:xfrm>
-          <a:prstGeom prst="rect">
-            <a:avLst/>
-          </a:prstGeom>
-          <a:noFill/>
-        </p:spPr>
-        <p:txBody>
-          <a:bodyPr wrap="square">
-            <a:spAutoFit/>
-          </a:bodyPr>
-          <a:lstStyle/>
-          <a:p>
-            <a:r>
-              <a:rPr lang="en-US" altLang="zh-CN" sz="1800" dirty="0"/>
-              <a:t>1.patch</a:t>
-            </a:r>
-            <a:r>
-              <a:rPr lang="zh-CN" altLang="en-US" sz="1800" dirty="0"/>
-              <a:t>级</a:t>
-            </a:r>
-            <a:r>
-              <a:rPr lang="zh-CN" altLang="en-US" dirty="0"/>
-              <a:t>文本提示</a:t>
-            </a:r>
-          </a:p>
-        </p:txBody>
-      </p:sp>
-      <p:sp>
-        <p:nvSpPr>
-          <p:cNvPr id="10" name="文本框 9">
-            <a:extLst>
-              <a:ext uri="{FF2B5EF4-FFF2-40B4-BE49-F238E27FC236}">
-                <a16:creationId xmlns:a16="http://schemas.microsoft.com/office/drawing/2014/main" id="{35466B88-D6D3-623B-0510-CBE40E1BC085}"/>
-              </a:ext>
-            </a:extLst>
-          </p:cNvPr>
-          <p:cNvSpPr txBox="1"/>
-          <p:nvPr/>
-        </p:nvSpPr>
-        <p:spPr>
-          <a:xfrm>
-            <a:off x="8099127" y="5781476"/>
-            <a:ext cx="2276475" cy="369332"/>
-          </a:xfrm>
-          <a:prstGeom prst="rect">
-            <a:avLst/>
-          </a:prstGeom>
-          <a:noFill/>
-        </p:spPr>
-        <p:txBody>
-          <a:bodyPr wrap="square">
-            <a:spAutoFit/>
-          </a:bodyPr>
-          <a:lstStyle/>
-          <a:p>
-            <a:r>
-              <a:rPr lang="en-US" altLang="zh-CN" sz="1800" dirty="0"/>
-              <a:t>2.</a:t>
-            </a:r>
-            <a:r>
-              <a:rPr lang="zh-CN" altLang="en-US" sz="1800" dirty="0"/>
-              <a:t>图像级</a:t>
-            </a:r>
-            <a:r>
-              <a:rPr lang="zh-CN" altLang="en-US" dirty="0"/>
-              <a:t>文本提示</a:t>
-            </a:r>
-          </a:p>
-        </p:txBody>
-      </p:sp>
-      <p:sp>
-        <p:nvSpPr>
-          <p:cNvPr id="11" name="矩形: 圆角 10">
-            <a:extLst>
-              <a:ext uri="{FF2B5EF4-FFF2-40B4-BE49-F238E27FC236}">
-                <a16:creationId xmlns:a16="http://schemas.microsoft.com/office/drawing/2014/main" id="{4A51ECF3-4DEF-CFF7-50FD-874A63A8D63B}"/>
-              </a:ext>
-            </a:extLst>
-          </p:cNvPr>
-          <p:cNvSpPr/>
-          <p:nvPr/>
-        </p:nvSpPr>
-        <p:spPr>
-          <a:xfrm>
-            <a:off x="7459236" y="864972"/>
-            <a:ext cx="3286897" cy="1918329"/>
-          </a:xfrm>
-          <a:prstGeom prst="roundRect">
-            <a:avLst/>
-          </a:prstGeom>
-          <a:solidFill>
-            <a:srgbClr val="CACACA"/>
-          </a:solidFill>
-          <a:ln>
-            <a:solidFill>
-              <a:schemeClr val="accent1"/>
-            </a:solidFill>
-          </a:ln>
-        </p:spPr>
-        <p:style>
-          <a:lnRef idx="2">
-            <a:schemeClr val="accent1">
-              <a:shade val="15000"/>
-            </a:schemeClr>
-          </a:lnRef>
-          <a:fillRef idx="1">
-            <a:schemeClr val="accent1"/>
-          </a:fillRef>
-          <a:effectRef idx="0">
-            <a:schemeClr val="accent1"/>
-          </a:effectRef>
-          <a:fontRef idx="minor">
-            <a:schemeClr val="lt1"/>
-          </a:fontRef>
-        </p:style>
-        <p:txBody>
-          <a:bodyPr rtlCol="0" anchor="ctr"/>
-          <a:lstStyle/>
-          <a:p>
-            <a:pPr algn="ctr"/>
-            <a:endParaRPr lang="zh-CN" altLang="en-US"/>
-          </a:p>
-        </p:txBody>
-      </p:sp>
-      <p:sp>
-        <p:nvSpPr>
-          <p:cNvPr id="12" name="矩形: 圆角 11">
-            <a:extLst>
-              <a:ext uri="{FF2B5EF4-FFF2-40B4-BE49-F238E27FC236}">
-                <a16:creationId xmlns:a16="http://schemas.microsoft.com/office/drawing/2014/main" id="{62578B82-D72B-B029-8838-DFD3C80F4ACB}"/>
-              </a:ext>
-            </a:extLst>
-          </p:cNvPr>
-          <p:cNvSpPr/>
-          <p:nvPr/>
-        </p:nvSpPr>
-        <p:spPr>
-          <a:xfrm>
-            <a:off x="7737006" y="1005780"/>
-            <a:ext cx="2737278" cy="500986"/>
-          </a:xfrm>
-          <a:prstGeom prst="roundRect">
-            <a:avLst/>
-          </a:prstGeom>
-          <a:solidFill>
-            <a:srgbClr val="FFFFFF"/>
-          </a:solidFill>
-        </p:spPr>
-        <p:style>
-          <a:lnRef idx="2">
-            <a:schemeClr val="accent1">
-              <a:shade val="15000"/>
-            </a:schemeClr>
-          </a:lnRef>
-          <a:fillRef idx="1">
-            <a:schemeClr val="accent1"/>
-          </a:fillRef>
-          <a:effectRef idx="0">
-            <a:schemeClr val="accent1"/>
-          </a:effectRef>
-          <a:fontRef idx="minor">
-            <a:schemeClr val="lt1"/>
-          </a:fontRef>
-        </p:style>
-        <p:txBody>
-          <a:bodyPr rtlCol="0" anchor="ctr"/>
-          <a:lstStyle/>
-          <a:p>
-            <a:pPr algn="ctr"/>
-            <a:endParaRPr lang="zh-CN" altLang="en-US" dirty="0">
-              <a:solidFill>
-                <a:schemeClr val="tx1"/>
-              </a:solidFill>
-            </a:endParaRPr>
-          </a:p>
-        </p:txBody>
-      </p:sp>
-      <p:sp>
-        <p:nvSpPr>
-          <p:cNvPr id="13" name="文本框 12">
-            <a:extLst>
-              <a:ext uri="{FF2B5EF4-FFF2-40B4-BE49-F238E27FC236}">
-                <a16:creationId xmlns:a16="http://schemas.microsoft.com/office/drawing/2014/main" id="{F6E25165-E11F-AF70-439F-E7DFE36F615E}"/>
-              </a:ext>
-            </a:extLst>
-          </p:cNvPr>
-          <p:cNvSpPr txBox="1"/>
-          <p:nvPr/>
-        </p:nvSpPr>
-        <p:spPr>
-          <a:xfrm>
-            <a:off x="7979936" y="1466166"/>
-            <a:ext cx="2395666" cy="369332"/>
-          </a:xfrm>
-          <a:prstGeom prst="rect">
-            <a:avLst/>
-          </a:prstGeom>
-          <a:noFill/>
-        </p:spPr>
-        <p:txBody>
-          <a:bodyPr wrap="square">
-            <a:spAutoFit/>
-          </a:bodyPr>
-          <a:lstStyle/>
-          <a:p>
-            <a:r>
-              <a:rPr lang="en-US" altLang="zh-CN" dirty="0"/>
-              <a:t>Patch</a:t>
-            </a:r>
-            <a:r>
-              <a:rPr lang="zh-CN" altLang="en-US" dirty="0"/>
-              <a:t>级：正常文本</a:t>
-            </a:r>
-          </a:p>
-        </p:txBody>
-      </p:sp>
-      <p:sp>
-        <p:nvSpPr>
-          <p:cNvPr id="15" name="文本框 14">
-            <a:extLst>
-              <a:ext uri="{FF2B5EF4-FFF2-40B4-BE49-F238E27FC236}">
-                <a16:creationId xmlns:a16="http://schemas.microsoft.com/office/drawing/2014/main" id="{27B76C01-9199-5874-1354-5742A7CA3158}"/>
-              </a:ext>
-            </a:extLst>
-          </p:cNvPr>
-          <p:cNvSpPr txBox="1"/>
-          <p:nvPr/>
-        </p:nvSpPr>
-        <p:spPr>
-          <a:xfrm>
-            <a:off x="7979936" y="2358646"/>
-            <a:ext cx="2395666" cy="369332"/>
-          </a:xfrm>
-          <a:prstGeom prst="rect">
-            <a:avLst/>
-          </a:prstGeom>
-          <a:noFill/>
-        </p:spPr>
-        <p:txBody>
-          <a:bodyPr wrap="square">
-            <a:spAutoFit/>
-          </a:bodyPr>
-          <a:lstStyle/>
-          <a:p>
-            <a:r>
-              <a:rPr lang="en-US" altLang="zh-CN" dirty="0"/>
-              <a:t>Patch</a:t>
-            </a:r>
-            <a:r>
-              <a:rPr lang="zh-CN" altLang="en-US" dirty="0"/>
-              <a:t>级：异常文本</a:t>
-            </a:r>
-          </a:p>
-        </p:txBody>
-      </p:sp>
-      <mc:AlternateContent xmlns:mc="http://schemas.openxmlformats.org/markup-compatibility/2006">
-        <mc:Choice xmlns:a14="http://schemas.microsoft.com/office/drawing/2010/main" Requires="a14">
-          <p:sp>
-            <p:nvSpPr>
-              <p:cNvPr id="17" name="文本框 16">
-                <a:extLst>
-                  <a:ext uri="{FF2B5EF4-FFF2-40B4-BE49-F238E27FC236}">
-                    <a16:creationId xmlns:a16="http://schemas.microsoft.com/office/drawing/2014/main" id="{C3CE621A-BDFA-9BE2-B74D-B310EFE2A50A}"/>
-                  </a:ext>
-                </a:extLst>
-              </p:cNvPr>
-              <p:cNvSpPr txBox="1"/>
-              <p:nvPr/>
-            </p:nvSpPr>
-            <p:spPr>
-              <a:xfrm>
-                <a:off x="8226128" y="1055141"/>
-                <a:ext cx="373792" cy="369332"/>
-              </a:xfrm>
-              <a:prstGeom prst="rect">
-                <a:avLst/>
-              </a:prstGeom>
-              <a:solidFill>
-                <a:srgbClr val="ED721F"/>
-              </a:solidFill>
-            </p:spPr>
-            <p:txBody>
-              <a:bodyPr wrap="square">
-                <a:spAutoFit/>
-              </a:bodyPr>
-              <a:lstStyle/>
-              <a:p>
-                <a:pPr/>
-                <a14:m>
-                  <m:oMathPara xmlns:m="http://schemas.openxmlformats.org/officeDocument/2006/math">
-                    <m:oMathParaPr>
-                      <m:jc m:val="centerGroup"/>
-                    </m:oMathParaPr>
-                    <m:oMath xmlns:m="http://schemas.openxmlformats.org/officeDocument/2006/math">
-                      <m:sSub>
-                        <m:sSubPr>
-                          <m:ctrlPr>
-                            <a:rPr lang="en-US" altLang="zh-CN" i="1" smtClean="0">
-                              <a:solidFill>
-                                <a:schemeClr val="tx1"/>
-                              </a:solidFill>
-                              <a:latin typeface="Cambria Math" panose="02040503050406030204" pitchFamily="18" charset="0"/>
-                            </a:rPr>
-                          </m:ctrlPr>
-                        </m:sSubPr>
-                        <m:e>
-                          <m:r>
-                            <a:rPr lang="en-US" altLang="zh-CN" b="0" i="1" smtClean="0">
-                              <a:solidFill>
-                                <a:schemeClr val="tx1"/>
-                              </a:solidFill>
-                              <a:latin typeface="Cambria Math" panose="02040503050406030204" pitchFamily="18" charset="0"/>
-                            </a:rPr>
-                            <m:t>𝐴</m:t>
-                          </m:r>
-                        </m:e>
-                        <m:sub>
-                          <m:r>
-                            <a:rPr lang="en-US" altLang="zh-CN" b="0" i="1" smtClean="0">
-                              <a:solidFill>
-                                <a:schemeClr val="tx1"/>
-                              </a:solidFill>
-                              <a:latin typeface="Cambria Math" panose="02040503050406030204" pitchFamily="18" charset="0"/>
-                            </a:rPr>
-                            <m:t>1</m:t>
-                          </m:r>
-                        </m:sub>
-                      </m:sSub>
-                      <m:r>
-                        <a:rPr lang="en-US" altLang="zh-CN" b="0" i="1" smtClean="0">
-                          <a:solidFill>
-                            <a:schemeClr val="tx1"/>
-                          </a:solidFill>
-                          <a:latin typeface="Cambria Math" panose="02040503050406030204" pitchFamily="18" charset="0"/>
-                        </a:rPr>
-                        <m:t> </m:t>
-                      </m:r>
-                    </m:oMath>
-                  </m:oMathPara>
-                </a14:m>
-                <a:endParaRPr lang="zh-CN" altLang="en-US" dirty="0"/>
-              </a:p>
-            </p:txBody>
-          </p:sp>
-        </mc:Choice>
-        <mc:Fallback>
-          <p:sp>
-            <p:nvSpPr>
-              <p:cNvPr id="17" name="文本框 16">
-                <a:extLst>
-                  <a:ext uri="{FF2B5EF4-FFF2-40B4-BE49-F238E27FC236}">
-                    <a16:creationId xmlns:a16="http://schemas.microsoft.com/office/drawing/2014/main" id="{C3CE621A-BDFA-9BE2-B74D-B310EFE2A50A}"/>
-                  </a:ext>
-                </a:extLst>
-              </p:cNvPr>
-              <p:cNvSpPr txBox="1">
-                <a:spLocks noRot="1" noChangeAspect="1" noMove="1" noResize="1" noEditPoints="1" noAdjustHandles="1" noChangeArrowheads="1" noChangeShapeType="1" noTextEdit="1"/>
-              </p:cNvSpPr>
-              <p:nvPr/>
-            </p:nvSpPr>
-            <p:spPr>
-              <a:xfrm>
-                <a:off x="8226128" y="1055141"/>
-                <a:ext cx="373792" cy="369332"/>
-              </a:xfrm>
-              <a:prstGeom prst="rect">
-                <a:avLst/>
-              </a:prstGeom>
-              <a:blipFill>
-                <a:blip r:embed="rId2"/>
-                <a:stretch>
-                  <a:fillRect r="-4839"/>
-                </a:stretch>
-              </a:blipFill>
-            </p:spPr>
-            <p:txBody>
-              <a:bodyPr/>
-              <a:lstStyle/>
-              <a:p>
-                <a:r>
-                  <a:rPr lang="zh-CN" altLang="en-US">
-                    <a:noFill/>
-                  </a:rPr>
-                  <a:t> </a:t>
-                </a:r>
-              </a:p>
-            </p:txBody>
-          </p:sp>
-        </mc:Fallback>
-      </mc:AlternateContent>
-      <mc:AlternateContent xmlns:mc="http://schemas.openxmlformats.org/markup-compatibility/2006">
-        <mc:Choice xmlns:a14="http://schemas.microsoft.com/office/drawing/2010/main" Requires="a14">
-          <p:sp>
-            <p:nvSpPr>
-              <p:cNvPr id="18" name="文本框 17">
-                <a:extLst>
-                  <a:ext uri="{FF2B5EF4-FFF2-40B4-BE49-F238E27FC236}">
-                    <a16:creationId xmlns:a16="http://schemas.microsoft.com/office/drawing/2014/main" id="{67DC2404-41E1-E7A0-EA95-E7F2A565F394}"/>
-                  </a:ext>
-                </a:extLst>
-              </p:cNvPr>
-              <p:cNvSpPr txBox="1"/>
-              <p:nvPr/>
-            </p:nvSpPr>
-            <p:spPr>
-              <a:xfrm>
-                <a:off x="8690536" y="1056136"/>
-                <a:ext cx="373792" cy="369332"/>
-              </a:xfrm>
-              <a:prstGeom prst="rect">
-                <a:avLst/>
-              </a:prstGeom>
-              <a:solidFill>
-                <a:srgbClr val="ED721F"/>
-              </a:solidFill>
-            </p:spPr>
-            <p:txBody>
-              <a:bodyPr wrap="square">
-                <a:spAutoFit/>
-              </a:bodyPr>
-              <a:lstStyle/>
-              <a:p>
-                <a:pPr/>
-                <a14:m>
-                  <m:oMathPara xmlns:m="http://schemas.openxmlformats.org/officeDocument/2006/math">
-                    <m:oMathParaPr>
-                      <m:jc m:val="centerGroup"/>
-                    </m:oMathParaPr>
-                    <m:oMath xmlns:m="http://schemas.openxmlformats.org/officeDocument/2006/math">
-                      <m:sSub>
-                        <m:sSubPr>
-                          <m:ctrlPr>
-                            <a:rPr lang="en-US" altLang="zh-CN" i="1" smtClean="0">
-                              <a:solidFill>
-                                <a:schemeClr val="tx1"/>
-                              </a:solidFill>
-                              <a:latin typeface="Cambria Math" panose="02040503050406030204" pitchFamily="18" charset="0"/>
-                            </a:rPr>
-                          </m:ctrlPr>
-                        </m:sSubPr>
-                        <m:e>
-                          <m:r>
-                            <a:rPr lang="en-US" altLang="zh-CN" b="0" i="1" smtClean="0">
-                              <a:solidFill>
-                                <a:schemeClr val="tx1"/>
-                              </a:solidFill>
-                              <a:latin typeface="Cambria Math" panose="02040503050406030204" pitchFamily="18" charset="0"/>
-                            </a:rPr>
-                            <m:t>𝐴</m:t>
-                          </m:r>
-                        </m:e>
-                        <m:sub>
-                          <m:r>
-                            <a:rPr lang="en-US" altLang="zh-CN" i="1">
-                              <a:latin typeface="Cambria Math" panose="02040503050406030204" pitchFamily="18" charset="0"/>
-                            </a:rPr>
-                            <m:t>2</m:t>
-                          </m:r>
-                        </m:sub>
-                      </m:sSub>
-                      <m:r>
-                        <a:rPr lang="en-US" altLang="zh-CN" b="0" i="1" smtClean="0">
-                          <a:solidFill>
-                            <a:schemeClr val="tx1"/>
-                          </a:solidFill>
-                          <a:latin typeface="Cambria Math" panose="02040503050406030204" pitchFamily="18" charset="0"/>
-                        </a:rPr>
-                        <m:t> </m:t>
-                      </m:r>
-                    </m:oMath>
-                  </m:oMathPara>
-                </a14:m>
-                <a:endParaRPr lang="zh-CN" altLang="en-US" dirty="0"/>
-              </a:p>
-            </p:txBody>
-          </p:sp>
-        </mc:Choice>
-        <mc:Fallback>
-          <p:sp>
-            <p:nvSpPr>
-              <p:cNvPr id="18" name="文本框 17">
-                <a:extLst>
-                  <a:ext uri="{FF2B5EF4-FFF2-40B4-BE49-F238E27FC236}">
-                    <a16:creationId xmlns:a16="http://schemas.microsoft.com/office/drawing/2014/main" id="{67DC2404-41E1-E7A0-EA95-E7F2A565F394}"/>
-                  </a:ext>
-                </a:extLst>
-              </p:cNvPr>
-              <p:cNvSpPr txBox="1">
-                <a:spLocks noRot="1" noChangeAspect="1" noMove="1" noResize="1" noEditPoints="1" noAdjustHandles="1" noChangeArrowheads="1" noChangeShapeType="1" noTextEdit="1"/>
-              </p:cNvSpPr>
-              <p:nvPr/>
-            </p:nvSpPr>
-            <p:spPr>
-              <a:xfrm>
-                <a:off x="8690536" y="1056136"/>
-                <a:ext cx="373792" cy="369332"/>
-              </a:xfrm>
-              <a:prstGeom prst="rect">
-                <a:avLst/>
-              </a:prstGeom>
-              <a:blipFill>
-                <a:blip r:embed="rId3"/>
-                <a:stretch>
-                  <a:fillRect r="-8197"/>
-                </a:stretch>
-              </a:blipFill>
-            </p:spPr>
-            <p:txBody>
-              <a:bodyPr/>
-              <a:lstStyle/>
-              <a:p>
-                <a:r>
-                  <a:rPr lang="zh-CN" altLang="en-US">
-                    <a:noFill/>
-                  </a:rPr>
-                  <a:t> </a:t>
-                </a:r>
-              </a:p>
-            </p:txBody>
-          </p:sp>
-        </mc:Fallback>
-      </mc:AlternateContent>
-      <mc:AlternateContent xmlns:mc="http://schemas.openxmlformats.org/markup-compatibility/2006">
-        <mc:Choice xmlns:a14="http://schemas.microsoft.com/office/drawing/2010/main" Requires="a14">
-          <p:sp>
-            <p:nvSpPr>
-              <p:cNvPr id="19" name="文本框 18">
-                <a:extLst>
-                  <a:ext uri="{FF2B5EF4-FFF2-40B4-BE49-F238E27FC236}">
-                    <a16:creationId xmlns:a16="http://schemas.microsoft.com/office/drawing/2014/main" id="{6F8FAB7F-7999-20EF-0F3C-1AC30901117E}"/>
-                  </a:ext>
-                </a:extLst>
-              </p:cNvPr>
-              <p:cNvSpPr txBox="1"/>
-              <p:nvPr/>
-            </p:nvSpPr>
-            <p:spPr>
-              <a:xfrm>
-                <a:off x="9407871" y="1045869"/>
-                <a:ext cx="373792" cy="369332"/>
-              </a:xfrm>
-              <a:prstGeom prst="rect">
-                <a:avLst/>
-              </a:prstGeom>
-              <a:solidFill>
-                <a:srgbClr val="ED721F"/>
-              </a:solidFill>
-            </p:spPr>
-            <p:txBody>
-              <a:bodyPr wrap="square">
-                <a:spAutoFit/>
-              </a:bodyPr>
-              <a:lstStyle/>
-              <a:p>
-                <a:pPr/>
-                <a14:m>
-                  <m:oMathPara xmlns:m="http://schemas.openxmlformats.org/officeDocument/2006/math">
-                    <m:oMathParaPr>
-                      <m:jc m:val="centerGroup"/>
-                    </m:oMathParaPr>
-                    <m:oMath xmlns:m="http://schemas.openxmlformats.org/officeDocument/2006/math">
-                      <m:sSub>
-                        <m:sSubPr>
-                          <m:ctrlPr>
-                            <a:rPr lang="en-US" altLang="zh-CN" i="1" smtClean="0">
-                              <a:solidFill>
-                                <a:schemeClr val="tx1"/>
-                              </a:solidFill>
-                              <a:latin typeface="Cambria Math" panose="02040503050406030204" pitchFamily="18" charset="0"/>
-                            </a:rPr>
-                          </m:ctrlPr>
-                        </m:sSubPr>
-                        <m:e>
-                          <m:r>
-                            <a:rPr lang="en-US" altLang="zh-CN" b="0" i="1" smtClean="0">
-                              <a:solidFill>
-                                <a:schemeClr val="tx1"/>
-                              </a:solidFill>
-                              <a:latin typeface="Cambria Math" panose="02040503050406030204" pitchFamily="18" charset="0"/>
-                            </a:rPr>
-                            <m:t>𝐴</m:t>
-                          </m:r>
-                        </m:e>
-                        <m:sub>
-                          <m:r>
-                            <m:rPr>
-                              <m:sty m:val="p"/>
-                            </m:rPr>
-                            <a:rPr lang="en-US" altLang="zh-CN" i="1">
-                              <a:latin typeface="Cambria Math" panose="02040503050406030204" pitchFamily="18" charset="0"/>
-                            </a:rPr>
-                            <m:t>E</m:t>
-                          </m:r>
-                        </m:sub>
-                      </m:sSub>
-                      <m:r>
-                        <a:rPr lang="en-US" altLang="zh-CN" b="0" i="1" smtClean="0">
-                          <a:solidFill>
-                            <a:schemeClr val="tx1"/>
-                          </a:solidFill>
-                          <a:latin typeface="Cambria Math" panose="02040503050406030204" pitchFamily="18" charset="0"/>
-                        </a:rPr>
-                        <m:t> </m:t>
-                      </m:r>
-                    </m:oMath>
-                  </m:oMathPara>
-                </a14:m>
-                <a:endParaRPr lang="zh-CN" altLang="en-US" dirty="0"/>
-              </a:p>
-            </p:txBody>
-          </p:sp>
-        </mc:Choice>
-        <mc:Fallback>
-          <p:sp>
-            <p:nvSpPr>
-              <p:cNvPr id="19" name="文本框 18">
-                <a:extLst>
-                  <a:ext uri="{FF2B5EF4-FFF2-40B4-BE49-F238E27FC236}">
-                    <a16:creationId xmlns:a16="http://schemas.microsoft.com/office/drawing/2014/main" id="{6F8FAB7F-7999-20EF-0F3C-1AC30901117E}"/>
-                  </a:ext>
-                </a:extLst>
-              </p:cNvPr>
-              <p:cNvSpPr txBox="1">
-                <a:spLocks noRot="1" noChangeAspect="1" noMove="1" noResize="1" noEditPoints="1" noAdjustHandles="1" noChangeArrowheads="1" noChangeShapeType="1" noTextEdit="1"/>
-              </p:cNvSpPr>
-              <p:nvPr/>
-            </p:nvSpPr>
-            <p:spPr>
-              <a:xfrm>
-                <a:off x="9407871" y="1045869"/>
-                <a:ext cx="373792" cy="369332"/>
-              </a:xfrm>
-              <a:prstGeom prst="rect">
-                <a:avLst/>
-              </a:prstGeom>
-              <a:blipFill>
-                <a:blip r:embed="rId4"/>
-                <a:stretch>
-                  <a:fillRect r="-9677"/>
-                </a:stretch>
-              </a:blipFill>
-            </p:spPr>
-            <p:txBody>
-              <a:bodyPr/>
-              <a:lstStyle/>
-              <a:p>
-                <a:r>
-                  <a:rPr lang="zh-CN" altLang="en-US">
-                    <a:noFill/>
-                  </a:rPr>
-                  <a:t> </a:t>
-                </a:r>
-              </a:p>
-            </p:txBody>
-          </p:sp>
-        </mc:Fallback>
-      </mc:AlternateContent>
-      <mc:AlternateContent xmlns:mc="http://schemas.openxmlformats.org/markup-compatibility/2006">
-        <mc:Choice xmlns:a14="http://schemas.microsoft.com/office/drawing/2010/main" Requires="a14">
-          <p:sp>
-            <p:nvSpPr>
-              <p:cNvPr id="20" name="文本框 19">
-                <a:extLst>
-                  <a:ext uri="{FF2B5EF4-FFF2-40B4-BE49-F238E27FC236}">
-                    <a16:creationId xmlns:a16="http://schemas.microsoft.com/office/drawing/2014/main" id="{937D2FF9-B476-9832-6FF6-7F573B846B6D}"/>
-                  </a:ext>
-                </a:extLst>
-              </p:cNvPr>
-              <p:cNvSpPr txBox="1"/>
-              <p:nvPr/>
-            </p:nvSpPr>
-            <p:spPr>
-              <a:xfrm>
-                <a:off x="9067030" y="1084428"/>
-                <a:ext cx="373792" cy="369332"/>
-              </a:xfrm>
-              <a:prstGeom prst="rect">
-                <a:avLst/>
-              </a:prstGeom>
-              <a:noFill/>
-            </p:spPr>
-            <p:txBody>
-              <a:bodyPr wrap="square">
-                <a:spAutoFit/>
-              </a:bodyPr>
-              <a:lstStyle/>
-              <a:p>
-                <a:pPr/>
-                <a14:m>
-                  <m:oMathPara xmlns:m="http://schemas.openxmlformats.org/officeDocument/2006/math">
-                    <m:oMathParaPr>
-                      <m:jc m:val="centerGroup"/>
-                    </m:oMathParaPr>
-                    <m:oMath xmlns:m="http://schemas.openxmlformats.org/officeDocument/2006/math">
-                      <m:r>
-                        <a:rPr lang="en-US" altLang="zh-CN" i="1" smtClean="0">
-                          <a:solidFill>
-                            <a:schemeClr val="tx1"/>
-                          </a:solidFill>
-                          <a:latin typeface="Cambria Math" panose="02040503050406030204" pitchFamily="18" charset="0"/>
-                        </a:rPr>
-                        <m:t>…</m:t>
-                      </m:r>
-                    </m:oMath>
-                  </m:oMathPara>
-                </a14:m>
-                <a:endParaRPr lang="zh-CN" altLang="en-US" dirty="0"/>
-              </a:p>
-            </p:txBody>
-          </p:sp>
-        </mc:Choice>
-        <mc:Fallback>
-          <p:sp>
-            <p:nvSpPr>
-              <p:cNvPr id="20" name="文本框 19">
-                <a:extLst>
-                  <a:ext uri="{FF2B5EF4-FFF2-40B4-BE49-F238E27FC236}">
-                    <a16:creationId xmlns:a16="http://schemas.microsoft.com/office/drawing/2014/main" id="{937D2FF9-B476-9832-6FF6-7F573B846B6D}"/>
-                  </a:ext>
-                </a:extLst>
-              </p:cNvPr>
-              <p:cNvSpPr txBox="1">
-                <a:spLocks noRot="1" noChangeAspect="1" noMove="1" noResize="1" noEditPoints="1" noAdjustHandles="1" noChangeArrowheads="1" noChangeShapeType="1" noTextEdit="1"/>
-              </p:cNvSpPr>
-              <p:nvPr/>
-            </p:nvSpPr>
-            <p:spPr>
-              <a:xfrm>
-                <a:off x="9067030" y="1084428"/>
-                <a:ext cx="373792" cy="369332"/>
-              </a:xfrm>
-              <a:prstGeom prst="rect">
-                <a:avLst/>
-              </a:prstGeom>
-              <a:blipFill>
-                <a:blip r:embed="rId5"/>
-                <a:stretch>
-                  <a:fillRect/>
-                </a:stretch>
-              </a:blipFill>
-            </p:spPr>
-            <p:txBody>
-              <a:bodyPr/>
-              <a:lstStyle/>
-              <a:p>
-                <a:r>
-                  <a:rPr lang="zh-CN" altLang="en-US">
-                    <a:noFill/>
-                  </a:rPr>
-                  <a:t> </a:t>
-                </a:r>
-              </a:p>
-            </p:txBody>
-          </p:sp>
-        </mc:Fallback>
-      </mc:AlternateContent>
-      <p:sp>
-        <p:nvSpPr>
-          <p:cNvPr id="22" name="矩形: 圆角 21">
-            <a:extLst>
-              <a:ext uri="{FF2B5EF4-FFF2-40B4-BE49-F238E27FC236}">
-                <a16:creationId xmlns:a16="http://schemas.microsoft.com/office/drawing/2014/main" id="{A324B040-4097-044E-5BC5-52036972370A}"/>
-              </a:ext>
-            </a:extLst>
-          </p:cNvPr>
-          <p:cNvSpPr/>
-          <p:nvPr/>
-        </p:nvSpPr>
-        <p:spPr>
-          <a:xfrm>
-            <a:off x="7761720" y="1824702"/>
-            <a:ext cx="2737278" cy="500986"/>
-          </a:xfrm>
-          <a:prstGeom prst="roundRect">
-            <a:avLst/>
-          </a:prstGeom>
-          <a:solidFill>
-            <a:srgbClr val="FFFFFF"/>
-          </a:solidFill>
-        </p:spPr>
-        <p:style>
-          <a:lnRef idx="2">
-            <a:schemeClr val="accent1">
-              <a:shade val="15000"/>
-            </a:schemeClr>
-          </a:lnRef>
-          <a:fillRef idx="1">
-            <a:schemeClr val="accent1"/>
-          </a:fillRef>
-          <a:effectRef idx="0">
-            <a:schemeClr val="accent1"/>
-          </a:effectRef>
-          <a:fontRef idx="minor">
-            <a:schemeClr val="lt1"/>
-          </a:fontRef>
-        </p:style>
-        <p:txBody>
-          <a:bodyPr rtlCol="0" anchor="ctr"/>
-          <a:lstStyle/>
-          <a:p>
-            <a:pPr algn="ctr"/>
-            <a:endParaRPr lang="zh-CN" altLang="en-US" dirty="0">
-              <a:solidFill>
-                <a:schemeClr val="tx1"/>
-              </a:solidFill>
-            </a:endParaRPr>
-          </a:p>
-        </p:txBody>
-      </p:sp>
-      <mc:AlternateContent xmlns:mc="http://schemas.openxmlformats.org/markup-compatibility/2006">
-        <mc:Choice xmlns:a14="http://schemas.microsoft.com/office/drawing/2010/main" Requires="a14">
-          <p:sp>
-            <p:nvSpPr>
-              <p:cNvPr id="21" name="文本框 20">
-                <a:extLst>
-                  <a:ext uri="{FF2B5EF4-FFF2-40B4-BE49-F238E27FC236}">
-                    <a16:creationId xmlns:a16="http://schemas.microsoft.com/office/drawing/2014/main" id="{0DD0F8D9-8B4B-1DE3-2FD2-1C5D2C33B6BA}"/>
-                  </a:ext>
-                </a:extLst>
-              </p:cNvPr>
-              <p:cNvSpPr txBox="1"/>
-              <p:nvPr/>
-            </p:nvSpPr>
-            <p:spPr>
-              <a:xfrm>
-                <a:off x="8197812" y="1890529"/>
-                <a:ext cx="373792" cy="369332"/>
-              </a:xfrm>
-              <a:prstGeom prst="rect">
-                <a:avLst/>
-              </a:prstGeom>
-              <a:solidFill>
-                <a:srgbClr val="ED721F"/>
-              </a:solidFill>
-            </p:spPr>
-            <p:txBody>
-              <a:bodyPr wrap="square">
-                <a:spAutoFit/>
-              </a:bodyPr>
-              <a:lstStyle/>
-              <a:p>
-                <a:pPr/>
-                <a14:m>
-                  <m:oMathPara xmlns:m="http://schemas.openxmlformats.org/officeDocument/2006/math">
-                    <m:oMathParaPr>
-                      <m:jc m:val="centerGroup"/>
-                    </m:oMathParaPr>
-                    <m:oMath xmlns:m="http://schemas.openxmlformats.org/officeDocument/2006/math">
-                      <m:sSub>
-                        <m:sSubPr>
-                          <m:ctrlPr>
-                            <a:rPr lang="en-US" altLang="zh-CN" i="1" smtClean="0">
-                              <a:solidFill>
-                                <a:schemeClr val="tx1"/>
-                              </a:solidFill>
-                              <a:latin typeface="Cambria Math" panose="02040503050406030204" pitchFamily="18" charset="0"/>
-                            </a:rPr>
-                          </m:ctrlPr>
-                        </m:sSubPr>
-                        <m:e>
-                          <m:r>
-                            <m:rPr>
-                              <m:sty m:val="p"/>
-                            </m:rPr>
-                            <a:rPr lang="en-US" altLang="zh-CN" i="1">
-                              <a:latin typeface="Cambria Math" panose="02040503050406030204" pitchFamily="18" charset="0"/>
-                            </a:rPr>
-                            <m:t>B</m:t>
-                          </m:r>
-                        </m:e>
-                        <m:sub>
-                          <m:r>
-                            <a:rPr lang="en-US" altLang="zh-CN" b="0" i="1" smtClean="0">
-                              <a:solidFill>
-                                <a:schemeClr val="tx1"/>
-                              </a:solidFill>
-                              <a:latin typeface="Cambria Math" panose="02040503050406030204" pitchFamily="18" charset="0"/>
-                            </a:rPr>
-                            <m:t>1</m:t>
-                          </m:r>
-                        </m:sub>
-                      </m:sSub>
-                      <m:r>
-                        <a:rPr lang="en-US" altLang="zh-CN" b="0" i="1" smtClean="0">
-                          <a:solidFill>
-                            <a:schemeClr val="tx1"/>
-                          </a:solidFill>
-                          <a:latin typeface="Cambria Math" panose="02040503050406030204" pitchFamily="18" charset="0"/>
-                        </a:rPr>
-                        <m:t> </m:t>
-                      </m:r>
-                    </m:oMath>
-                  </m:oMathPara>
-                </a14:m>
-                <a:endParaRPr lang="zh-CN" altLang="en-US" dirty="0"/>
-              </a:p>
-            </p:txBody>
-          </p:sp>
-        </mc:Choice>
-        <mc:Fallback>
-          <p:sp>
-            <p:nvSpPr>
-              <p:cNvPr id="21" name="文本框 20">
-                <a:extLst>
-                  <a:ext uri="{FF2B5EF4-FFF2-40B4-BE49-F238E27FC236}">
-                    <a16:creationId xmlns:a16="http://schemas.microsoft.com/office/drawing/2014/main" id="{0DD0F8D9-8B4B-1DE3-2FD2-1C5D2C33B6BA}"/>
-                  </a:ext>
-                </a:extLst>
-              </p:cNvPr>
-              <p:cNvSpPr txBox="1">
-                <a:spLocks noRot="1" noChangeAspect="1" noMove="1" noResize="1" noEditPoints="1" noAdjustHandles="1" noChangeArrowheads="1" noChangeShapeType="1" noTextEdit="1"/>
-              </p:cNvSpPr>
-              <p:nvPr/>
-            </p:nvSpPr>
-            <p:spPr>
-              <a:xfrm>
-                <a:off x="8197812" y="1890529"/>
-                <a:ext cx="373792" cy="369332"/>
-              </a:xfrm>
-              <a:prstGeom prst="rect">
-                <a:avLst/>
-              </a:prstGeom>
-              <a:blipFill>
-                <a:blip r:embed="rId6"/>
-                <a:stretch>
-                  <a:fillRect r="-4918"/>
-                </a:stretch>
-              </a:blipFill>
-            </p:spPr>
-            <p:txBody>
-              <a:bodyPr/>
-              <a:lstStyle/>
-              <a:p>
-                <a:r>
-                  <a:rPr lang="zh-CN" altLang="en-US">
-                    <a:noFill/>
-                  </a:rPr>
-                  <a:t> </a:t>
-                </a:r>
-              </a:p>
-            </p:txBody>
-          </p:sp>
-        </mc:Fallback>
-      </mc:AlternateContent>
-      <mc:AlternateContent xmlns:mc="http://schemas.openxmlformats.org/markup-compatibility/2006">
-        <mc:Choice xmlns:a14="http://schemas.microsoft.com/office/drawing/2010/main" Requires="a14">
-          <p:sp>
-            <p:nvSpPr>
-              <p:cNvPr id="23" name="文本框 22">
-                <a:extLst>
-                  <a:ext uri="{FF2B5EF4-FFF2-40B4-BE49-F238E27FC236}">
-                    <a16:creationId xmlns:a16="http://schemas.microsoft.com/office/drawing/2014/main" id="{57BAE9C4-E014-52CB-CF26-EEB3741D5CF4}"/>
-                  </a:ext>
-                </a:extLst>
-              </p:cNvPr>
-              <p:cNvSpPr txBox="1"/>
-              <p:nvPr/>
-            </p:nvSpPr>
-            <p:spPr>
-              <a:xfrm>
-                <a:off x="8756567" y="1893651"/>
-                <a:ext cx="373792" cy="369332"/>
-              </a:xfrm>
-              <a:prstGeom prst="rect">
-                <a:avLst/>
-              </a:prstGeom>
-              <a:solidFill>
-                <a:srgbClr val="ED721F"/>
-              </a:solidFill>
-            </p:spPr>
-            <p:txBody>
-              <a:bodyPr wrap="square">
-                <a:spAutoFit/>
-              </a:bodyPr>
-              <a:lstStyle/>
-              <a:p>
-                <a:pPr/>
-                <a14:m>
-                  <m:oMathPara xmlns:m="http://schemas.openxmlformats.org/officeDocument/2006/math">
-                    <m:oMathParaPr>
-                      <m:jc m:val="centerGroup"/>
-                    </m:oMathParaPr>
-                    <m:oMath xmlns:m="http://schemas.openxmlformats.org/officeDocument/2006/math">
-                      <m:sSub>
-                        <m:sSubPr>
-                          <m:ctrlPr>
-                            <a:rPr lang="en-US" altLang="zh-CN" i="1" smtClean="0">
-                              <a:solidFill>
-                                <a:schemeClr val="tx1"/>
-                              </a:solidFill>
-                              <a:latin typeface="Cambria Math" panose="02040503050406030204" pitchFamily="18" charset="0"/>
-                            </a:rPr>
-                          </m:ctrlPr>
-                        </m:sSubPr>
-                        <m:e>
-                          <m:r>
-                            <a:rPr lang="en-US" altLang="zh-CN" b="0" i="1" smtClean="0">
-                              <a:solidFill>
-                                <a:schemeClr val="tx1"/>
-                              </a:solidFill>
-                              <a:latin typeface="Cambria Math" panose="02040503050406030204" pitchFamily="18" charset="0"/>
-                            </a:rPr>
-                            <m:t>𝐵</m:t>
-                          </m:r>
-                        </m:e>
-                        <m:sub>
-                          <m:r>
-                            <a:rPr lang="en-US" altLang="zh-CN" b="0" i="1" smtClean="0">
-                              <a:solidFill>
-                                <a:schemeClr val="tx1"/>
-                              </a:solidFill>
-                              <a:latin typeface="Cambria Math" panose="02040503050406030204" pitchFamily="18" charset="0"/>
-                            </a:rPr>
-                            <m:t>2</m:t>
-                          </m:r>
-                        </m:sub>
-                      </m:sSub>
-                      <m:r>
-                        <a:rPr lang="en-US" altLang="zh-CN" b="0" i="1" smtClean="0">
-                          <a:solidFill>
-                            <a:schemeClr val="tx1"/>
-                          </a:solidFill>
-                          <a:latin typeface="Cambria Math" panose="02040503050406030204" pitchFamily="18" charset="0"/>
-                        </a:rPr>
-                        <m:t> </m:t>
-                      </m:r>
-                    </m:oMath>
-                  </m:oMathPara>
-                </a14:m>
-                <a:endParaRPr lang="zh-CN" altLang="en-US" dirty="0"/>
-              </a:p>
-            </p:txBody>
-          </p:sp>
-        </mc:Choice>
-        <mc:Fallback>
-          <p:sp>
-            <p:nvSpPr>
-              <p:cNvPr id="23" name="文本框 22">
-                <a:extLst>
-                  <a:ext uri="{FF2B5EF4-FFF2-40B4-BE49-F238E27FC236}">
-                    <a16:creationId xmlns:a16="http://schemas.microsoft.com/office/drawing/2014/main" id="{57BAE9C4-E014-52CB-CF26-EEB3741D5CF4}"/>
-                  </a:ext>
-                </a:extLst>
-              </p:cNvPr>
-              <p:cNvSpPr txBox="1">
-                <a:spLocks noRot="1" noChangeAspect="1" noMove="1" noResize="1" noEditPoints="1" noAdjustHandles="1" noChangeArrowheads="1" noChangeShapeType="1" noTextEdit="1"/>
-              </p:cNvSpPr>
-              <p:nvPr/>
-            </p:nvSpPr>
-            <p:spPr>
-              <a:xfrm>
-                <a:off x="8756567" y="1893651"/>
-                <a:ext cx="373792" cy="369332"/>
-              </a:xfrm>
-              <a:prstGeom prst="rect">
-                <a:avLst/>
-              </a:prstGeom>
-              <a:blipFill>
-                <a:blip r:embed="rId7"/>
-                <a:stretch>
-                  <a:fillRect r="-4839"/>
-                </a:stretch>
-              </a:blipFill>
-            </p:spPr>
-            <p:txBody>
-              <a:bodyPr/>
-              <a:lstStyle/>
-              <a:p>
-                <a:r>
-                  <a:rPr lang="zh-CN" altLang="en-US">
-                    <a:noFill/>
-                  </a:rPr>
-                  <a:t> </a:t>
-                </a:r>
-              </a:p>
-            </p:txBody>
-          </p:sp>
-        </mc:Fallback>
-      </mc:AlternateContent>
-      <mc:AlternateContent xmlns:mc="http://schemas.openxmlformats.org/markup-compatibility/2006">
-        <mc:Choice xmlns:a14="http://schemas.microsoft.com/office/drawing/2010/main" Requires="a14">
-          <p:sp>
-            <p:nvSpPr>
-              <p:cNvPr id="24" name="文本框 23">
-                <a:extLst>
-                  <a:ext uri="{FF2B5EF4-FFF2-40B4-BE49-F238E27FC236}">
-                    <a16:creationId xmlns:a16="http://schemas.microsoft.com/office/drawing/2014/main" id="{29FB8F72-B3CF-0FEE-5932-771484B75760}"/>
-                  </a:ext>
-                </a:extLst>
-              </p:cNvPr>
-              <p:cNvSpPr txBox="1"/>
-              <p:nvPr/>
-            </p:nvSpPr>
-            <p:spPr>
-              <a:xfrm>
-                <a:off x="9454123" y="1886463"/>
-                <a:ext cx="373792" cy="369332"/>
-              </a:xfrm>
-              <a:prstGeom prst="rect">
-                <a:avLst/>
-              </a:prstGeom>
-              <a:solidFill>
-                <a:srgbClr val="ED721F"/>
-              </a:solidFill>
-            </p:spPr>
-            <p:txBody>
-              <a:bodyPr wrap="square">
-                <a:spAutoFit/>
-              </a:bodyPr>
-              <a:lstStyle/>
-              <a:p>
-                <a:pPr/>
-                <a14:m>
-                  <m:oMathPara xmlns:m="http://schemas.openxmlformats.org/officeDocument/2006/math">
-                    <m:oMathParaPr>
-                      <m:jc m:val="centerGroup"/>
-                    </m:oMathParaPr>
-                    <m:oMath xmlns:m="http://schemas.openxmlformats.org/officeDocument/2006/math">
-                      <m:sSub>
-                        <m:sSubPr>
-                          <m:ctrlPr>
-                            <a:rPr lang="en-US" altLang="zh-CN" i="1" smtClean="0">
-                              <a:solidFill>
-                                <a:schemeClr val="tx1"/>
-                              </a:solidFill>
-                              <a:latin typeface="Cambria Math" panose="02040503050406030204" pitchFamily="18" charset="0"/>
-                            </a:rPr>
-                          </m:ctrlPr>
-                        </m:sSubPr>
-                        <m:e>
-                          <m:r>
-                            <a:rPr lang="en-US" altLang="zh-CN" b="0" i="1" smtClean="0">
-                              <a:solidFill>
-                                <a:schemeClr val="tx1"/>
-                              </a:solidFill>
-                              <a:latin typeface="Cambria Math" panose="02040503050406030204" pitchFamily="18" charset="0"/>
-                            </a:rPr>
-                            <m:t>𝐵</m:t>
-                          </m:r>
-                        </m:e>
-                        <m:sub>
-                          <m:r>
-                            <a:rPr lang="en-US" altLang="zh-CN" b="0" i="1" smtClean="0">
-                              <a:solidFill>
-                                <a:schemeClr val="tx1"/>
-                              </a:solidFill>
-                              <a:latin typeface="Cambria Math" panose="02040503050406030204" pitchFamily="18" charset="0"/>
-                            </a:rPr>
-                            <m:t>𝐸</m:t>
-                          </m:r>
-                        </m:sub>
-                      </m:sSub>
-                      <m:r>
-                        <a:rPr lang="en-US" altLang="zh-CN" b="0" i="1" smtClean="0">
-                          <a:solidFill>
-                            <a:schemeClr val="tx1"/>
-                          </a:solidFill>
-                          <a:latin typeface="Cambria Math" panose="02040503050406030204" pitchFamily="18" charset="0"/>
-                        </a:rPr>
-                        <m:t> </m:t>
-                      </m:r>
-                    </m:oMath>
-                  </m:oMathPara>
-                </a14:m>
-                <a:endParaRPr lang="zh-CN" altLang="en-US" dirty="0"/>
-              </a:p>
-            </p:txBody>
-          </p:sp>
-        </mc:Choice>
-        <mc:Fallback>
-          <p:sp>
-            <p:nvSpPr>
-              <p:cNvPr id="24" name="文本框 23">
-                <a:extLst>
-                  <a:ext uri="{FF2B5EF4-FFF2-40B4-BE49-F238E27FC236}">
-                    <a16:creationId xmlns:a16="http://schemas.microsoft.com/office/drawing/2014/main" id="{29FB8F72-B3CF-0FEE-5932-771484B75760}"/>
-                  </a:ext>
-                </a:extLst>
-              </p:cNvPr>
-              <p:cNvSpPr txBox="1">
-                <a:spLocks noRot="1" noChangeAspect="1" noMove="1" noResize="1" noEditPoints="1" noAdjustHandles="1" noChangeArrowheads="1" noChangeShapeType="1" noTextEdit="1"/>
-              </p:cNvSpPr>
-              <p:nvPr/>
-            </p:nvSpPr>
-            <p:spPr>
-              <a:xfrm>
-                <a:off x="9454123" y="1886463"/>
-                <a:ext cx="373792" cy="369332"/>
-              </a:xfrm>
-              <a:prstGeom prst="rect">
-                <a:avLst/>
-              </a:prstGeom>
-              <a:blipFill>
-                <a:blip r:embed="rId8"/>
-                <a:stretch>
-                  <a:fillRect r="-11475"/>
-                </a:stretch>
-              </a:blipFill>
-            </p:spPr>
-            <p:txBody>
-              <a:bodyPr/>
-              <a:lstStyle/>
-              <a:p>
-                <a:r>
-                  <a:rPr lang="zh-CN" altLang="en-US">
-                    <a:noFill/>
-                  </a:rPr>
-                  <a:t> </a:t>
-                </a:r>
-              </a:p>
-            </p:txBody>
-          </p:sp>
-        </mc:Fallback>
-      </mc:AlternateContent>
-      <mc:AlternateContent xmlns:mc="http://schemas.openxmlformats.org/markup-compatibility/2006">
-        <mc:Choice xmlns:a14="http://schemas.microsoft.com/office/drawing/2010/main" Requires="a14">
-          <p:sp>
-            <p:nvSpPr>
-              <p:cNvPr id="25" name="文本框 24">
-                <a:extLst>
-                  <a:ext uri="{FF2B5EF4-FFF2-40B4-BE49-F238E27FC236}">
-                    <a16:creationId xmlns:a16="http://schemas.microsoft.com/office/drawing/2014/main" id="{72C864EF-1B70-F503-BB33-ECF14FC93224}"/>
-                  </a:ext>
-                </a:extLst>
-              </p:cNvPr>
-              <p:cNvSpPr txBox="1"/>
-              <p:nvPr/>
-            </p:nvSpPr>
-            <p:spPr>
-              <a:xfrm>
-                <a:off x="9102684" y="1940856"/>
-                <a:ext cx="373792" cy="369332"/>
-              </a:xfrm>
-              <a:prstGeom prst="rect">
-                <a:avLst/>
-              </a:prstGeom>
-              <a:noFill/>
-            </p:spPr>
-            <p:txBody>
-              <a:bodyPr wrap="square">
-                <a:spAutoFit/>
-              </a:bodyPr>
-              <a:lstStyle/>
-              <a:p>
-                <a:pPr/>
-                <a14:m>
-                  <m:oMathPara xmlns:m="http://schemas.openxmlformats.org/officeDocument/2006/math">
-                    <m:oMathParaPr>
-                      <m:jc m:val="centerGroup"/>
-                    </m:oMathParaPr>
-                    <m:oMath xmlns:m="http://schemas.openxmlformats.org/officeDocument/2006/math">
-                      <m:r>
-                        <a:rPr lang="en-US" altLang="zh-CN" i="1" smtClean="0">
-                          <a:solidFill>
-                            <a:schemeClr val="tx1"/>
-                          </a:solidFill>
-                          <a:latin typeface="Cambria Math" panose="02040503050406030204" pitchFamily="18" charset="0"/>
-                        </a:rPr>
-                        <m:t>…</m:t>
-                      </m:r>
-                    </m:oMath>
-                  </m:oMathPara>
-                </a14:m>
-                <a:endParaRPr lang="zh-CN" altLang="en-US" dirty="0"/>
-              </a:p>
-            </p:txBody>
-          </p:sp>
-        </mc:Choice>
-        <mc:Fallback>
-          <p:sp>
-            <p:nvSpPr>
-              <p:cNvPr id="25" name="文本框 24">
-                <a:extLst>
-                  <a:ext uri="{FF2B5EF4-FFF2-40B4-BE49-F238E27FC236}">
-                    <a16:creationId xmlns:a16="http://schemas.microsoft.com/office/drawing/2014/main" id="{72C864EF-1B70-F503-BB33-ECF14FC93224}"/>
-                  </a:ext>
-                </a:extLst>
-              </p:cNvPr>
-              <p:cNvSpPr txBox="1">
-                <a:spLocks noRot="1" noChangeAspect="1" noMove="1" noResize="1" noEditPoints="1" noAdjustHandles="1" noChangeArrowheads="1" noChangeShapeType="1" noTextEdit="1"/>
-              </p:cNvSpPr>
-              <p:nvPr/>
-            </p:nvSpPr>
-            <p:spPr>
-              <a:xfrm>
-                <a:off x="9102684" y="1940856"/>
-                <a:ext cx="373792" cy="369332"/>
-              </a:xfrm>
-              <a:prstGeom prst="rect">
-                <a:avLst/>
-              </a:prstGeom>
-              <a:blipFill>
-                <a:blip r:embed="rId9"/>
-                <a:stretch>
-                  <a:fillRect/>
-                </a:stretch>
-              </a:blipFill>
-            </p:spPr>
-            <p:txBody>
-              <a:bodyPr/>
-              <a:lstStyle/>
-              <a:p>
-                <a:r>
-                  <a:rPr lang="zh-CN" altLang="en-US">
-                    <a:noFill/>
-                  </a:rPr>
-                  <a:t> </a:t>
-                </a:r>
-              </a:p>
-            </p:txBody>
-          </p:sp>
-        </mc:Fallback>
-      </mc:AlternateContent>
-      <p:sp>
-        <p:nvSpPr>
-          <p:cNvPr id="26" name="矩形: 圆角 25">
-            <a:extLst>
-              <a:ext uri="{FF2B5EF4-FFF2-40B4-BE49-F238E27FC236}">
-                <a16:creationId xmlns:a16="http://schemas.microsoft.com/office/drawing/2014/main" id="{FDA96200-BF9C-00C2-C14D-91C6D4694129}"/>
-              </a:ext>
-            </a:extLst>
-          </p:cNvPr>
-          <p:cNvSpPr/>
-          <p:nvPr/>
-        </p:nvSpPr>
-        <p:spPr>
-          <a:xfrm>
-            <a:off x="7517670" y="3725087"/>
-            <a:ext cx="3286897" cy="1918329"/>
-          </a:xfrm>
-          <a:prstGeom prst="roundRect">
-            <a:avLst/>
-          </a:prstGeom>
-          <a:solidFill>
-            <a:srgbClr val="CACACA"/>
-          </a:solidFill>
-          <a:ln>
-            <a:solidFill>
-              <a:schemeClr val="accent1"/>
-            </a:solidFill>
-          </a:ln>
-        </p:spPr>
-        <p:style>
-          <a:lnRef idx="2">
-            <a:schemeClr val="accent1">
-              <a:shade val="15000"/>
-            </a:schemeClr>
-          </a:lnRef>
-          <a:fillRef idx="1">
-            <a:schemeClr val="accent1"/>
-          </a:fillRef>
-          <a:effectRef idx="0">
-            <a:schemeClr val="accent1"/>
-          </a:effectRef>
-          <a:fontRef idx="minor">
-            <a:schemeClr val="lt1"/>
-          </a:fontRef>
-        </p:style>
-        <p:txBody>
-          <a:bodyPr rtlCol="0" anchor="ctr"/>
-          <a:lstStyle/>
-          <a:p>
-            <a:pPr algn="ctr"/>
-            <a:endParaRPr lang="zh-CN" altLang="en-US"/>
-          </a:p>
-        </p:txBody>
-      </p:sp>
-      <p:sp>
-        <p:nvSpPr>
-          <p:cNvPr id="27" name="矩形: 圆角 26">
-            <a:extLst>
-              <a:ext uri="{FF2B5EF4-FFF2-40B4-BE49-F238E27FC236}">
-                <a16:creationId xmlns:a16="http://schemas.microsoft.com/office/drawing/2014/main" id="{169EFAFB-1B63-544D-2C6D-8ADBEBB183BC}"/>
-              </a:ext>
-            </a:extLst>
-          </p:cNvPr>
-          <p:cNvSpPr/>
-          <p:nvPr/>
-        </p:nvSpPr>
-        <p:spPr>
-          <a:xfrm>
-            <a:off x="7795440" y="3865895"/>
-            <a:ext cx="2737278" cy="500986"/>
-          </a:xfrm>
-          <a:prstGeom prst="roundRect">
-            <a:avLst/>
-          </a:prstGeom>
-          <a:solidFill>
-            <a:srgbClr val="FFFFFF"/>
-          </a:solidFill>
-        </p:spPr>
-        <p:style>
-          <a:lnRef idx="2">
-            <a:schemeClr val="accent1">
-              <a:shade val="15000"/>
-            </a:schemeClr>
-          </a:lnRef>
-          <a:fillRef idx="1">
-            <a:schemeClr val="accent1"/>
-          </a:fillRef>
-          <a:effectRef idx="0">
-            <a:schemeClr val="accent1"/>
-          </a:effectRef>
-          <a:fontRef idx="minor">
-            <a:schemeClr val="lt1"/>
-          </a:fontRef>
-        </p:style>
-        <p:txBody>
-          <a:bodyPr rtlCol="0" anchor="ctr"/>
-          <a:lstStyle/>
-          <a:p>
-            <a:pPr algn="ctr"/>
-            <a:endParaRPr lang="zh-CN" altLang="en-US" dirty="0">
-              <a:solidFill>
-                <a:schemeClr val="tx1"/>
-              </a:solidFill>
-            </a:endParaRPr>
-          </a:p>
-        </p:txBody>
-      </p:sp>
-      <p:sp>
-        <p:nvSpPr>
-          <p:cNvPr id="28" name="文本框 27">
-            <a:extLst>
-              <a:ext uri="{FF2B5EF4-FFF2-40B4-BE49-F238E27FC236}">
-                <a16:creationId xmlns:a16="http://schemas.microsoft.com/office/drawing/2014/main" id="{7650FB27-2449-2ED6-A64F-08BB300922BD}"/>
-              </a:ext>
-            </a:extLst>
-          </p:cNvPr>
-          <p:cNvSpPr txBox="1"/>
-          <p:nvPr/>
-        </p:nvSpPr>
-        <p:spPr>
-          <a:xfrm>
-            <a:off x="8038370" y="4326281"/>
-            <a:ext cx="2395666" cy="369332"/>
-          </a:xfrm>
-          <a:prstGeom prst="rect">
-            <a:avLst/>
-          </a:prstGeom>
-          <a:noFill/>
-        </p:spPr>
-        <p:txBody>
-          <a:bodyPr wrap="square">
-            <a:spAutoFit/>
-          </a:bodyPr>
-          <a:lstStyle/>
-          <a:p>
-            <a:r>
-              <a:rPr lang="zh-CN" altLang="en-US" dirty="0"/>
-              <a:t>图像级：正常文本</a:t>
-            </a:r>
-          </a:p>
-        </p:txBody>
-      </p:sp>
-      <p:sp>
-        <p:nvSpPr>
-          <p:cNvPr id="29" name="文本框 28">
-            <a:extLst>
-              <a:ext uri="{FF2B5EF4-FFF2-40B4-BE49-F238E27FC236}">
-                <a16:creationId xmlns:a16="http://schemas.microsoft.com/office/drawing/2014/main" id="{5C374934-55BE-E53E-A9AF-50BFD66E090E}"/>
-              </a:ext>
-            </a:extLst>
-          </p:cNvPr>
-          <p:cNvSpPr txBox="1"/>
-          <p:nvPr/>
-        </p:nvSpPr>
-        <p:spPr>
-          <a:xfrm>
-            <a:off x="8038370" y="5218761"/>
-            <a:ext cx="2395666" cy="369332"/>
-          </a:xfrm>
-          <a:prstGeom prst="rect">
-            <a:avLst/>
-          </a:prstGeom>
-          <a:noFill/>
-        </p:spPr>
-        <p:txBody>
-          <a:bodyPr wrap="square">
-            <a:spAutoFit/>
-          </a:bodyPr>
-          <a:lstStyle/>
-          <a:p>
-            <a:r>
-              <a:rPr lang="zh-CN" altLang="en-US" dirty="0"/>
-              <a:t>图像级：异常文本</a:t>
-            </a:r>
-          </a:p>
-        </p:txBody>
-      </p:sp>
-      <mc:AlternateContent xmlns:mc="http://schemas.openxmlformats.org/markup-compatibility/2006">
-        <mc:Choice xmlns:a14="http://schemas.microsoft.com/office/drawing/2010/main" Requires="a14">
-          <p:sp>
-            <p:nvSpPr>
-              <p:cNvPr id="30" name="文本框 29">
-                <a:extLst>
-                  <a:ext uri="{FF2B5EF4-FFF2-40B4-BE49-F238E27FC236}">
-                    <a16:creationId xmlns:a16="http://schemas.microsoft.com/office/drawing/2014/main" id="{2C187057-6F32-26CE-086D-F37F6CBC187F}"/>
-                  </a:ext>
-                </a:extLst>
-              </p:cNvPr>
-              <p:cNvSpPr txBox="1"/>
-              <p:nvPr/>
-            </p:nvSpPr>
-            <p:spPr>
-              <a:xfrm>
-                <a:off x="8284562" y="3915256"/>
-                <a:ext cx="373792" cy="369332"/>
-              </a:xfrm>
-              <a:prstGeom prst="rect">
-                <a:avLst/>
-              </a:prstGeom>
-              <a:solidFill>
-                <a:srgbClr val="ED721F"/>
-              </a:solidFill>
-            </p:spPr>
-            <p:txBody>
-              <a:bodyPr wrap="square">
-                <a:spAutoFit/>
-              </a:bodyPr>
-              <a:lstStyle/>
-              <a:p>
-                <a:pPr/>
-                <a14:m>
-                  <m:oMathPara xmlns:m="http://schemas.openxmlformats.org/officeDocument/2006/math">
-                    <m:oMathParaPr>
-                      <m:jc m:val="centerGroup"/>
-                    </m:oMathParaPr>
-                    <m:oMath xmlns:m="http://schemas.openxmlformats.org/officeDocument/2006/math">
-                      <m:sSub>
-                        <m:sSubPr>
-                          <m:ctrlPr>
-                            <a:rPr lang="en-US" altLang="zh-CN" i="1" smtClean="0">
-                              <a:solidFill>
-                                <a:schemeClr val="tx1"/>
-                              </a:solidFill>
-                              <a:latin typeface="Cambria Math" panose="02040503050406030204" pitchFamily="18" charset="0"/>
-                            </a:rPr>
-                          </m:ctrlPr>
-                        </m:sSubPr>
-                        <m:e>
-                          <m:r>
-                            <a:rPr lang="en-US" altLang="zh-CN" b="0" i="1" smtClean="0">
-                              <a:solidFill>
-                                <a:schemeClr val="tx1"/>
-                              </a:solidFill>
-                              <a:latin typeface="Cambria Math" panose="02040503050406030204" pitchFamily="18" charset="0"/>
-                            </a:rPr>
-                            <m:t>𝐶</m:t>
-                          </m:r>
-                        </m:e>
-                        <m:sub>
-                          <m:r>
-                            <a:rPr lang="en-US" altLang="zh-CN" b="0" i="1" smtClean="0">
-                              <a:solidFill>
-                                <a:schemeClr val="tx1"/>
-                              </a:solidFill>
-                              <a:latin typeface="Cambria Math" panose="02040503050406030204" pitchFamily="18" charset="0"/>
-                            </a:rPr>
-                            <m:t>1</m:t>
-                          </m:r>
-                        </m:sub>
-                      </m:sSub>
-                      <m:r>
-                        <a:rPr lang="en-US" altLang="zh-CN" b="0" i="1" smtClean="0">
-                          <a:solidFill>
-                            <a:schemeClr val="tx1"/>
-                          </a:solidFill>
-                          <a:latin typeface="Cambria Math" panose="02040503050406030204" pitchFamily="18" charset="0"/>
-                        </a:rPr>
-                        <m:t> </m:t>
-                      </m:r>
-                    </m:oMath>
-                  </m:oMathPara>
-                </a14:m>
-                <a:endParaRPr lang="zh-CN" altLang="en-US" dirty="0"/>
-              </a:p>
-            </p:txBody>
-          </p:sp>
-        </mc:Choice>
-        <mc:Fallback>
-          <p:sp>
-            <p:nvSpPr>
-              <p:cNvPr id="30" name="文本框 29">
-                <a:extLst>
-                  <a:ext uri="{FF2B5EF4-FFF2-40B4-BE49-F238E27FC236}">
-                    <a16:creationId xmlns:a16="http://schemas.microsoft.com/office/drawing/2014/main" id="{2C187057-6F32-26CE-086D-F37F6CBC187F}"/>
-                  </a:ext>
-                </a:extLst>
-              </p:cNvPr>
-              <p:cNvSpPr txBox="1">
-                <a:spLocks noRot="1" noChangeAspect="1" noMove="1" noResize="1" noEditPoints="1" noAdjustHandles="1" noChangeArrowheads="1" noChangeShapeType="1" noTextEdit="1"/>
-              </p:cNvSpPr>
-              <p:nvPr/>
-            </p:nvSpPr>
-            <p:spPr>
-              <a:xfrm>
-                <a:off x="8284562" y="3915256"/>
-                <a:ext cx="373792" cy="369332"/>
-              </a:xfrm>
-              <a:prstGeom prst="rect">
-                <a:avLst/>
-              </a:prstGeom>
-              <a:blipFill>
-                <a:blip r:embed="rId10"/>
-                <a:stretch>
-                  <a:fillRect r="-1639"/>
-                </a:stretch>
-              </a:blipFill>
-            </p:spPr>
-            <p:txBody>
-              <a:bodyPr/>
-              <a:lstStyle/>
-              <a:p>
-                <a:r>
-                  <a:rPr lang="zh-CN" altLang="en-US">
-                    <a:noFill/>
-                  </a:rPr>
-                  <a:t> </a:t>
-                </a:r>
-              </a:p>
-            </p:txBody>
-          </p:sp>
-        </mc:Fallback>
-      </mc:AlternateContent>
-      <mc:AlternateContent xmlns:mc="http://schemas.openxmlformats.org/markup-compatibility/2006">
-        <mc:Choice xmlns:a14="http://schemas.microsoft.com/office/drawing/2010/main" Requires="a14">
-          <p:sp>
-            <p:nvSpPr>
-              <p:cNvPr id="31" name="文本框 30">
-                <a:extLst>
-                  <a:ext uri="{FF2B5EF4-FFF2-40B4-BE49-F238E27FC236}">
-                    <a16:creationId xmlns:a16="http://schemas.microsoft.com/office/drawing/2014/main" id="{02246CBD-D58E-0EE7-AB86-2A17CAFA4871}"/>
-                  </a:ext>
-                </a:extLst>
-              </p:cNvPr>
-              <p:cNvSpPr txBox="1"/>
-              <p:nvPr/>
-            </p:nvSpPr>
-            <p:spPr>
-              <a:xfrm>
-                <a:off x="8748970" y="3916251"/>
-                <a:ext cx="373792" cy="369332"/>
-              </a:xfrm>
-              <a:prstGeom prst="rect">
-                <a:avLst/>
-              </a:prstGeom>
-              <a:solidFill>
-                <a:srgbClr val="ED721F"/>
-              </a:solidFill>
-            </p:spPr>
-            <p:txBody>
-              <a:bodyPr wrap="square">
-                <a:spAutoFit/>
-              </a:bodyPr>
-              <a:lstStyle/>
-              <a:p>
-                <a:pPr/>
-                <a14:m>
-                  <m:oMathPara xmlns:m="http://schemas.openxmlformats.org/officeDocument/2006/math">
-                    <m:oMathParaPr>
-                      <m:jc m:val="centerGroup"/>
-                    </m:oMathParaPr>
-                    <m:oMath xmlns:m="http://schemas.openxmlformats.org/officeDocument/2006/math">
-                      <m:sSub>
-                        <m:sSubPr>
-                          <m:ctrlPr>
-                            <a:rPr lang="en-US" altLang="zh-CN" i="1" smtClean="0">
-                              <a:solidFill>
-                                <a:schemeClr val="tx1"/>
-                              </a:solidFill>
-                              <a:latin typeface="Cambria Math" panose="02040503050406030204" pitchFamily="18" charset="0"/>
-                            </a:rPr>
-                          </m:ctrlPr>
-                        </m:sSubPr>
-                        <m:e>
-                          <m:r>
-                            <a:rPr lang="en-US" altLang="zh-CN" b="0" i="1" smtClean="0">
-                              <a:solidFill>
-                                <a:schemeClr val="tx1"/>
-                              </a:solidFill>
-                              <a:latin typeface="Cambria Math" panose="02040503050406030204" pitchFamily="18" charset="0"/>
-                            </a:rPr>
-                            <m:t>𝐶</m:t>
-                          </m:r>
-                        </m:e>
-                        <m:sub>
-                          <m:r>
-                            <a:rPr lang="en-US" altLang="zh-CN" i="1">
-                              <a:latin typeface="Cambria Math" panose="02040503050406030204" pitchFamily="18" charset="0"/>
-                            </a:rPr>
-                            <m:t>2</m:t>
-                          </m:r>
-                        </m:sub>
-                      </m:sSub>
-                      <m:r>
-                        <a:rPr lang="en-US" altLang="zh-CN" b="0" i="1" smtClean="0">
-                          <a:solidFill>
-                            <a:schemeClr val="tx1"/>
-                          </a:solidFill>
-                          <a:latin typeface="Cambria Math" panose="02040503050406030204" pitchFamily="18" charset="0"/>
-                        </a:rPr>
-                        <m:t> </m:t>
-                      </m:r>
-                    </m:oMath>
-                  </m:oMathPara>
-                </a14:m>
-                <a:endParaRPr lang="zh-CN" altLang="en-US" dirty="0"/>
-              </a:p>
-            </p:txBody>
-          </p:sp>
-        </mc:Choice>
-        <mc:Fallback>
-          <p:sp>
-            <p:nvSpPr>
-              <p:cNvPr id="31" name="文本框 30">
-                <a:extLst>
-                  <a:ext uri="{FF2B5EF4-FFF2-40B4-BE49-F238E27FC236}">
-                    <a16:creationId xmlns:a16="http://schemas.microsoft.com/office/drawing/2014/main" id="{02246CBD-D58E-0EE7-AB86-2A17CAFA4871}"/>
-                  </a:ext>
-                </a:extLst>
-              </p:cNvPr>
-              <p:cNvSpPr txBox="1">
-                <a:spLocks noRot="1" noChangeAspect="1" noMove="1" noResize="1" noEditPoints="1" noAdjustHandles="1" noChangeArrowheads="1" noChangeShapeType="1" noTextEdit="1"/>
-              </p:cNvSpPr>
-              <p:nvPr/>
-            </p:nvSpPr>
-            <p:spPr>
-              <a:xfrm>
-                <a:off x="8748970" y="3916251"/>
-                <a:ext cx="373792" cy="369332"/>
-              </a:xfrm>
-              <a:prstGeom prst="rect">
-                <a:avLst/>
-              </a:prstGeom>
-              <a:blipFill>
-                <a:blip r:embed="rId11"/>
-                <a:stretch>
-                  <a:fillRect r="-1613"/>
-                </a:stretch>
-              </a:blipFill>
-            </p:spPr>
-            <p:txBody>
-              <a:bodyPr/>
-              <a:lstStyle/>
-              <a:p>
-                <a:r>
-                  <a:rPr lang="zh-CN" altLang="en-US">
-                    <a:noFill/>
-                  </a:rPr>
-                  <a:t> </a:t>
-                </a:r>
-              </a:p>
-            </p:txBody>
-          </p:sp>
-        </mc:Fallback>
-      </mc:AlternateContent>
-      <mc:AlternateContent xmlns:mc="http://schemas.openxmlformats.org/markup-compatibility/2006">
-        <mc:Choice xmlns:a14="http://schemas.microsoft.com/office/drawing/2010/main" Requires="a14">
-          <p:sp>
-            <p:nvSpPr>
-              <p:cNvPr id="32" name="文本框 31">
-                <a:extLst>
-                  <a:ext uri="{FF2B5EF4-FFF2-40B4-BE49-F238E27FC236}">
-                    <a16:creationId xmlns:a16="http://schemas.microsoft.com/office/drawing/2014/main" id="{26D95899-93BD-DE90-E1D2-8784DAD2FD59}"/>
-                  </a:ext>
-                </a:extLst>
-              </p:cNvPr>
-              <p:cNvSpPr txBox="1"/>
-              <p:nvPr/>
-            </p:nvSpPr>
-            <p:spPr>
-              <a:xfrm>
-                <a:off x="9466305" y="3905984"/>
-                <a:ext cx="373792" cy="369332"/>
-              </a:xfrm>
-              <a:prstGeom prst="rect">
-                <a:avLst/>
-              </a:prstGeom>
-              <a:solidFill>
-                <a:srgbClr val="ED721F"/>
-              </a:solidFill>
-            </p:spPr>
-            <p:txBody>
-              <a:bodyPr wrap="square">
-                <a:spAutoFit/>
-              </a:bodyPr>
-              <a:lstStyle/>
-              <a:p>
-                <a:pPr/>
-                <a14:m>
-                  <m:oMathPara xmlns:m="http://schemas.openxmlformats.org/officeDocument/2006/math">
-                    <m:oMathParaPr>
-                      <m:jc m:val="centerGroup"/>
-                    </m:oMathParaPr>
-                    <m:oMath xmlns:m="http://schemas.openxmlformats.org/officeDocument/2006/math">
-                      <m:sSub>
-                        <m:sSubPr>
-                          <m:ctrlPr>
-                            <a:rPr lang="en-US" altLang="zh-CN" i="1" smtClean="0">
-                              <a:solidFill>
-                                <a:schemeClr val="tx1"/>
-                              </a:solidFill>
-                              <a:latin typeface="Cambria Math" panose="02040503050406030204" pitchFamily="18" charset="0"/>
-                            </a:rPr>
-                          </m:ctrlPr>
-                        </m:sSubPr>
-                        <m:e>
-                          <m:r>
-                            <a:rPr lang="en-US" altLang="zh-CN" b="0" i="1" smtClean="0">
-                              <a:solidFill>
-                                <a:schemeClr val="tx1"/>
-                              </a:solidFill>
-                              <a:latin typeface="Cambria Math" panose="02040503050406030204" pitchFamily="18" charset="0"/>
-                            </a:rPr>
-                            <m:t>𝐶</m:t>
-                          </m:r>
-                        </m:e>
-                        <m:sub>
-                          <m:r>
-                            <m:rPr>
-                              <m:sty m:val="p"/>
-                            </m:rPr>
-                            <a:rPr lang="en-US" altLang="zh-CN" i="1">
-                              <a:latin typeface="Cambria Math" panose="02040503050406030204" pitchFamily="18" charset="0"/>
-                            </a:rPr>
-                            <m:t>E</m:t>
-                          </m:r>
-                        </m:sub>
-                      </m:sSub>
-                      <m:r>
-                        <a:rPr lang="en-US" altLang="zh-CN" b="0" i="1" smtClean="0">
-                          <a:solidFill>
-                            <a:schemeClr val="tx1"/>
-                          </a:solidFill>
-                          <a:latin typeface="Cambria Math" panose="02040503050406030204" pitchFamily="18" charset="0"/>
-                        </a:rPr>
-                        <m:t> </m:t>
-                      </m:r>
-                    </m:oMath>
-                  </m:oMathPara>
-                </a14:m>
-                <a:endParaRPr lang="zh-CN" altLang="en-US" dirty="0"/>
-              </a:p>
-            </p:txBody>
-          </p:sp>
-        </mc:Choice>
-        <mc:Fallback>
-          <p:sp>
-            <p:nvSpPr>
-              <p:cNvPr id="32" name="文本框 31">
-                <a:extLst>
-                  <a:ext uri="{FF2B5EF4-FFF2-40B4-BE49-F238E27FC236}">
-                    <a16:creationId xmlns:a16="http://schemas.microsoft.com/office/drawing/2014/main" id="{26D95899-93BD-DE90-E1D2-8784DAD2FD59}"/>
-                  </a:ext>
-                </a:extLst>
-              </p:cNvPr>
-              <p:cNvSpPr txBox="1">
-                <a:spLocks noRot="1" noChangeAspect="1" noMove="1" noResize="1" noEditPoints="1" noAdjustHandles="1" noChangeArrowheads="1" noChangeShapeType="1" noTextEdit="1"/>
-              </p:cNvSpPr>
-              <p:nvPr/>
-            </p:nvSpPr>
-            <p:spPr>
-              <a:xfrm>
-                <a:off x="9466305" y="3905984"/>
-                <a:ext cx="373792" cy="369332"/>
-              </a:xfrm>
-              <a:prstGeom prst="rect">
-                <a:avLst/>
-              </a:prstGeom>
-              <a:blipFill>
-                <a:blip r:embed="rId12"/>
-                <a:stretch>
-                  <a:fillRect r="-4918"/>
-                </a:stretch>
-              </a:blipFill>
-            </p:spPr>
-            <p:txBody>
-              <a:bodyPr/>
-              <a:lstStyle/>
-              <a:p>
-                <a:r>
-                  <a:rPr lang="zh-CN" altLang="en-US">
-                    <a:noFill/>
-                  </a:rPr>
-                  <a:t> </a:t>
-                </a:r>
-              </a:p>
-            </p:txBody>
-          </p:sp>
-        </mc:Fallback>
-      </mc:AlternateContent>
-      <mc:AlternateContent xmlns:mc="http://schemas.openxmlformats.org/markup-compatibility/2006">
-        <mc:Choice xmlns:a14="http://schemas.microsoft.com/office/drawing/2010/main" Requires="a14">
-          <p:sp>
-            <p:nvSpPr>
-              <p:cNvPr id="33" name="文本框 32">
-                <a:extLst>
-                  <a:ext uri="{FF2B5EF4-FFF2-40B4-BE49-F238E27FC236}">
-                    <a16:creationId xmlns:a16="http://schemas.microsoft.com/office/drawing/2014/main" id="{68D4F672-DC57-5B4F-F72A-4C298E30E7F1}"/>
-                  </a:ext>
-                </a:extLst>
-              </p:cNvPr>
-              <p:cNvSpPr txBox="1"/>
-              <p:nvPr/>
-            </p:nvSpPr>
-            <p:spPr>
-              <a:xfrm>
-                <a:off x="9125464" y="3944543"/>
-                <a:ext cx="373792" cy="369332"/>
-              </a:xfrm>
-              <a:prstGeom prst="rect">
-                <a:avLst/>
-              </a:prstGeom>
-              <a:noFill/>
-            </p:spPr>
-            <p:txBody>
-              <a:bodyPr wrap="square">
-                <a:spAutoFit/>
-              </a:bodyPr>
-              <a:lstStyle/>
-              <a:p>
-                <a:pPr/>
-                <a14:m>
-                  <m:oMathPara xmlns:m="http://schemas.openxmlformats.org/officeDocument/2006/math">
-                    <m:oMathParaPr>
-                      <m:jc m:val="centerGroup"/>
-                    </m:oMathParaPr>
-                    <m:oMath xmlns:m="http://schemas.openxmlformats.org/officeDocument/2006/math">
-                      <m:r>
-                        <a:rPr lang="en-US" altLang="zh-CN" i="1" smtClean="0">
-                          <a:solidFill>
-                            <a:schemeClr val="tx1"/>
-                          </a:solidFill>
-                          <a:latin typeface="Cambria Math" panose="02040503050406030204" pitchFamily="18" charset="0"/>
-                        </a:rPr>
-                        <m:t>…</m:t>
-                      </m:r>
-                    </m:oMath>
-                  </m:oMathPara>
-                </a14:m>
-                <a:endParaRPr lang="zh-CN" altLang="en-US" dirty="0"/>
-              </a:p>
-            </p:txBody>
-          </p:sp>
-        </mc:Choice>
-        <mc:Fallback>
-          <p:sp>
-            <p:nvSpPr>
-              <p:cNvPr id="33" name="文本框 32">
-                <a:extLst>
-                  <a:ext uri="{FF2B5EF4-FFF2-40B4-BE49-F238E27FC236}">
-                    <a16:creationId xmlns:a16="http://schemas.microsoft.com/office/drawing/2014/main" id="{68D4F672-DC57-5B4F-F72A-4C298E30E7F1}"/>
-                  </a:ext>
-                </a:extLst>
-              </p:cNvPr>
-              <p:cNvSpPr txBox="1">
-                <a:spLocks noRot="1" noChangeAspect="1" noMove="1" noResize="1" noEditPoints="1" noAdjustHandles="1" noChangeArrowheads="1" noChangeShapeType="1" noTextEdit="1"/>
-              </p:cNvSpPr>
-              <p:nvPr/>
-            </p:nvSpPr>
-            <p:spPr>
-              <a:xfrm>
-                <a:off x="9125464" y="3944543"/>
-                <a:ext cx="373792" cy="369332"/>
-              </a:xfrm>
-              <a:prstGeom prst="rect">
-                <a:avLst/>
-              </a:prstGeom>
-              <a:blipFill>
-                <a:blip r:embed="rId13"/>
-                <a:stretch>
-                  <a:fillRect/>
-                </a:stretch>
-              </a:blipFill>
-            </p:spPr>
-            <p:txBody>
-              <a:bodyPr/>
-              <a:lstStyle/>
-              <a:p>
-                <a:r>
-                  <a:rPr lang="zh-CN" altLang="en-US">
-                    <a:noFill/>
-                  </a:rPr>
-                  <a:t> </a:t>
-                </a:r>
-              </a:p>
-            </p:txBody>
-          </p:sp>
-        </mc:Fallback>
-      </mc:AlternateContent>
-      <p:sp>
-        <p:nvSpPr>
-          <p:cNvPr id="34" name="矩形: 圆角 33">
-            <a:extLst>
-              <a:ext uri="{FF2B5EF4-FFF2-40B4-BE49-F238E27FC236}">
-                <a16:creationId xmlns:a16="http://schemas.microsoft.com/office/drawing/2014/main" id="{CA26397A-7D41-CF4F-010F-FFD14B6CFFD2}"/>
-              </a:ext>
-            </a:extLst>
-          </p:cNvPr>
-          <p:cNvSpPr/>
-          <p:nvPr/>
-        </p:nvSpPr>
-        <p:spPr>
-          <a:xfrm>
-            <a:off x="7820154" y="4684817"/>
-            <a:ext cx="2737278" cy="500986"/>
-          </a:xfrm>
-          <a:prstGeom prst="roundRect">
-            <a:avLst/>
-          </a:prstGeom>
-          <a:solidFill>
-            <a:srgbClr val="FFFFFF"/>
-          </a:solidFill>
-        </p:spPr>
-        <p:style>
-          <a:lnRef idx="2">
-            <a:schemeClr val="accent1">
-              <a:shade val="15000"/>
-            </a:schemeClr>
-          </a:lnRef>
-          <a:fillRef idx="1">
-            <a:schemeClr val="accent1"/>
-          </a:fillRef>
-          <a:effectRef idx="0">
-            <a:schemeClr val="accent1"/>
-          </a:effectRef>
-          <a:fontRef idx="minor">
-            <a:schemeClr val="lt1"/>
-          </a:fontRef>
-        </p:style>
-        <p:txBody>
-          <a:bodyPr rtlCol="0" anchor="ctr"/>
-          <a:lstStyle/>
-          <a:p>
-            <a:pPr algn="ctr"/>
-            <a:endParaRPr lang="zh-CN" altLang="en-US" dirty="0">
-              <a:solidFill>
-                <a:schemeClr val="tx1"/>
-              </a:solidFill>
-            </a:endParaRPr>
-          </a:p>
-        </p:txBody>
-      </p:sp>
-      <mc:AlternateContent xmlns:mc="http://schemas.openxmlformats.org/markup-compatibility/2006">
-        <mc:Choice xmlns:a14="http://schemas.microsoft.com/office/drawing/2010/main" Requires="a14">
-          <p:sp>
-            <p:nvSpPr>
-              <p:cNvPr id="35" name="文本框 34">
-                <a:extLst>
-                  <a:ext uri="{FF2B5EF4-FFF2-40B4-BE49-F238E27FC236}">
-                    <a16:creationId xmlns:a16="http://schemas.microsoft.com/office/drawing/2014/main" id="{EAF2CEB9-1619-0695-FFE2-BFF2158B358C}"/>
-                  </a:ext>
-                </a:extLst>
-              </p:cNvPr>
-              <p:cNvSpPr txBox="1"/>
-              <p:nvPr/>
-            </p:nvSpPr>
-            <p:spPr>
-              <a:xfrm>
-                <a:off x="8256246" y="4750644"/>
-                <a:ext cx="373792" cy="369332"/>
-              </a:xfrm>
-              <a:prstGeom prst="rect">
-                <a:avLst/>
-              </a:prstGeom>
-              <a:solidFill>
-                <a:srgbClr val="ED721F"/>
-              </a:solidFill>
-            </p:spPr>
-            <p:txBody>
-              <a:bodyPr wrap="square">
-                <a:spAutoFit/>
-              </a:bodyPr>
-              <a:lstStyle/>
-              <a:p>
-                <a:pPr/>
-                <a14:m>
-                  <m:oMathPara xmlns:m="http://schemas.openxmlformats.org/officeDocument/2006/math">
-                    <m:oMathParaPr>
-                      <m:jc m:val="centerGroup"/>
-                    </m:oMathParaPr>
-                    <m:oMath xmlns:m="http://schemas.openxmlformats.org/officeDocument/2006/math">
-                      <m:sSub>
-                        <m:sSubPr>
-                          <m:ctrlPr>
-                            <a:rPr lang="en-US" altLang="zh-CN" i="1" smtClean="0">
-                              <a:solidFill>
-                                <a:schemeClr val="tx1"/>
-                              </a:solidFill>
-                              <a:latin typeface="Cambria Math" panose="02040503050406030204" pitchFamily="18" charset="0"/>
-                            </a:rPr>
-                          </m:ctrlPr>
-                        </m:sSubPr>
-                        <m:e>
-                          <m:r>
-                            <a:rPr lang="en-US" altLang="zh-CN" b="0" i="1" smtClean="0">
-                              <a:solidFill>
-                                <a:schemeClr val="tx1"/>
-                              </a:solidFill>
-                              <a:latin typeface="Cambria Math" panose="02040503050406030204" pitchFamily="18" charset="0"/>
-                            </a:rPr>
-                            <m:t>𝐷</m:t>
-                          </m:r>
-                        </m:e>
-                        <m:sub>
-                          <m:r>
-                            <a:rPr lang="en-US" altLang="zh-CN" b="0" i="1" smtClean="0">
-                              <a:solidFill>
-                                <a:schemeClr val="tx1"/>
-                              </a:solidFill>
-                              <a:latin typeface="Cambria Math" panose="02040503050406030204" pitchFamily="18" charset="0"/>
-                            </a:rPr>
-                            <m:t>1</m:t>
-                          </m:r>
-                        </m:sub>
-                      </m:sSub>
-                      <m:r>
-                        <a:rPr lang="en-US" altLang="zh-CN" b="0" i="1" smtClean="0">
-                          <a:solidFill>
-                            <a:schemeClr val="tx1"/>
-                          </a:solidFill>
-                          <a:latin typeface="Cambria Math" panose="02040503050406030204" pitchFamily="18" charset="0"/>
-                        </a:rPr>
-                        <m:t> </m:t>
-                      </m:r>
-                    </m:oMath>
-                  </m:oMathPara>
-                </a14:m>
-                <a:endParaRPr lang="zh-CN" altLang="en-US" dirty="0"/>
-              </a:p>
-            </p:txBody>
-          </p:sp>
-        </mc:Choice>
-        <mc:Fallback>
-          <p:sp>
-            <p:nvSpPr>
-              <p:cNvPr id="35" name="文本框 34">
-                <a:extLst>
-                  <a:ext uri="{FF2B5EF4-FFF2-40B4-BE49-F238E27FC236}">
-                    <a16:creationId xmlns:a16="http://schemas.microsoft.com/office/drawing/2014/main" id="{EAF2CEB9-1619-0695-FFE2-BFF2158B358C}"/>
-                  </a:ext>
-                </a:extLst>
-              </p:cNvPr>
-              <p:cNvSpPr txBox="1">
-                <a:spLocks noRot="1" noChangeAspect="1" noMove="1" noResize="1" noEditPoints="1" noAdjustHandles="1" noChangeArrowheads="1" noChangeShapeType="1" noTextEdit="1"/>
-              </p:cNvSpPr>
-              <p:nvPr/>
-            </p:nvSpPr>
-            <p:spPr>
-              <a:xfrm>
-                <a:off x="8256246" y="4750644"/>
-                <a:ext cx="373792" cy="369332"/>
-              </a:xfrm>
-              <a:prstGeom prst="rect">
-                <a:avLst/>
-              </a:prstGeom>
-              <a:blipFill>
-                <a:blip r:embed="rId14"/>
-                <a:stretch>
-                  <a:fillRect r="-4839"/>
-                </a:stretch>
-              </a:blipFill>
-            </p:spPr>
-            <p:txBody>
-              <a:bodyPr/>
-              <a:lstStyle/>
-              <a:p>
-                <a:r>
-                  <a:rPr lang="zh-CN" altLang="en-US">
-                    <a:noFill/>
-                  </a:rPr>
-                  <a:t> </a:t>
-                </a:r>
-              </a:p>
-            </p:txBody>
-          </p:sp>
-        </mc:Fallback>
-      </mc:AlternateContent>
-      <mc:AlternateContent xmlns:mc="http://schemas.openxmlformats.org/markup-compatibility/2006">
-        <mc:Choice xmlns:a14="http://schemas.microsoft.com/office/drawing/2010/main" Requires="a14">
-          <p:sp>
-            <p:nvSpPr>
-              <p:cNvPr id="36" name="文本框 35">
-                <a:extLst>
-                  <a:ext uri="{FF2B5EF4-FFF2-40B4-BE49-F238E27FC236}">
-                    <a16:creationId xmlns:a16="http://schemas.microsoft.com/office/drawing/2014/main" id="{B358D227-AA08-F3C0-5E18-5A9C8563AD22}"/>
-                  </a:ext>
-                </a:extLst>
-              </p:cNvPr>
-              <p:cNvSpPr txBox="1"/>
-              <p:nvPr/>
-            </p:nvSpPr>
-            <p:spPr>
-              <a:xfrm>
-                <a:off x="8815001" y="4753766"/>
-                <a:ext cx="373792" cy="369332"/>
-              </a:xfrm>
-              <a:prstGeom prst="rect">
-                <a:avLst/>
-              </a:prstGeom>
-              <a:solidFill>
-                <a:srgbClr val="ED721F"/>
-              </a:solidFill>
-            </p:spPr>
-            <p:txBody>
-              <a:bodyPr wrap="square">
-                <a:spAutoFit/>
-              </a:bodyPr>
-              <a:lstStyle/>
-              <a:p>
-                <a:pPr/>
-                <a14:m>
-                  <m:oMathPara xmlns:m="http://schemas.openxmlformats.org/officeDocument/2006/math">
-                    <m:oMathParaPr>
-                      <m:jc m:val="centerGroup"/>
-                    </m:oMathParaPr>
-                    <m:oMath xmlns:m="http://schemas.openxmlformats.org/officeDocument/2006/math">
-                      <m:sSub>
-                        <m:sSubPr>
-                          <m:ctrlPr>
-                            <a:rPr lang="en-US" altLang="zh-CN" i="1" smtClean="0">
-                              <a:solidFill>
-                                <a:schemeClr val="tx1"/>
-                              </a:solidFill>
-                              <a:latin typeface="Cambria Math" panose="02040503050406030204" pitchFamily="18" charset="0"/>
-                            </a:rPr>
-                          </m:ctrlPr>
-                        </m:sSubPr>
-                        <m:e>
-                          <m:r>
-                            <a:rPr lang="en-US" altLang="zh-CN" b="0" i="1" smtClean="0">
-                              <a:solidFill>
-                                <a:schemeClr val="tx1"/>
-                              </a:solidFill>
-                              <a:latin typeface="Cambria Math" panose="02040503050406030204" pitchFamily="18" charset="0"/>
-                            </a:rPr>
-                            <m:t>𝐷</m:t>
-                          </m:r>
-                        </m:e>
-                        <m:sub>
-                          <m:r>
-                            <a:rPr lang="en-US" altLang="zh-CN" b="0" i="1" smtClean="0">
-                              <a:solidFill>
-                                <a:schemeClr val="tx1"/>
-                              </a:solidFill>
-                              <a:latin typeface="Cambria Math" panose="02040503050406030204" pitchFamily="18" charset="0"/>
-                            </a:rPr>
-                            <m:t>2</m:t>
-                          </m:r>
-                        </m:sub>
-                      </m:sSub>
-                      <m:r>
-                        <a:rPr lang="en-US" altLang="zh-CN" b="0" i="1" smtClean="0">
-                          <a:solidFill>
-                            <a:schemeClr val="tx1"/>
-                          </a:solidFill>
-                          <a:latin typeface="Cambria Math" panose="02040503050406030204" pitchFamily="18" charset="0"/>
-                        </a:rPr>
-                        <m:t> </m:t>
-                      </m:r>
-                    </m:oMath>
-                  </m:oMathPara>
-                </a14:m>
-                <a:endParaRPr lang="zh-CN" altLang="en-US" dirty="0"/>
-              </a:p>
-            </p:txBody>
-          </p:sp>
-        </mc:Choice>
-        <mc:Fallback>
-          <p:sp>
-            <p:nvSpPr>
-              <p:cNvPr id="36" name="文本框 35">
-                <a:extLst>
-                  <a:ext uri="{FF2B5EF4-FFF2-40B4-BE49-F238E27FC236}">
-                    <a16:creationId xmlns:a16="http://schemas.microsoft.com/office/drawing/2014/main" id="{B358D227-AA08-F3C0-5E18-5A9C8563AD22}"/>
-                  </a:ext>
-                </a:extLst>
-              </p:cNvPr>
-              <p:cNvSpPr txBox="1">
-                <a:spLocks noRot="1" noChangeAspect="1" noMove="1" noResize="1" noEditPoints="1" noAdjustHandles="1" noChangeArrowheads="1" noChangeShapeType="1" noTextEdit="1"/>
-              </p:cNvSpPr>
-              <p:nvPr/>
-            </p:nvSpPr>
-            <p:spPr>
-              <a:xfrm>
-                <a:off x="8815001" y="4753766"/>
-                <a:ext cx="373792" cy="369332"/>
-              </a:xfrm>
-              <a:prstGeom prst="rect">
-                <a:avLst/>
-              </a:prstGeom>
-              <a:blipFill>
-                <a:blip r:embed="rId15"/>
-                <a:stretch>
-                  <a:fillRect r="-8197"/>
-                </a:stretch>
-              </a:blipFill>
-            </p:spPr>
-            <p:txBody>
-              <a:bodyPr/>
-              <a:lstStyle/>
-              <a:p>
-                <a:r>
-                  <a:rPr lang="zh-CN" altLang="en-US">
-                    <a:noFill/>
-                  </a:rPr>
-                  <a:t> </a:t>
-                </a:r>
-              </a:p>
-            </p:txBody>
-          </p:sp>
-        </mc:Fallback>
-      </mc:AlternateContent>
-      <mc:AlternateContent xmlns:mc="http://schemas.openxmlformats.org/markup-compatibility/2006">
-        <mc:Choice xmlns:a14="http://schemas.microsoft.com/office/drawing/2010/main" Requires="a14">
-          <p:sp>
-            <p:nvSpPr>
-              <p:cNvPr id="37" name="文本框 36">
-                <a:extLst>
-                  <a:ext uri="{FF2B5EF4-FFF2-40B4-BE49-F238E27FC236}">
-                    <a16:creationId xmlns:a16="http://schemas.microsoft.com/office/drawing/2014/main" id="{4408B8B1-10C6-9888-5542-A621A8EFD164}"/>
-                  </a:ext>
-                </a:extLst>
-              </p:cNvPr>
-              <p:cNvSpPr txBox="1"/>
-              <p:nvPr/>
-            </p:nvSpPr>
-            <p:spPr>
-              <a:xfrm>
-                <a:off x="9512557" y="4746578"/>
-                <a:ext cx="373792" cy="369332"/>
-              </a:xfrm>
-              <a:prstGeom prst="rect">
-                <a:avLst/>
-              </a:prstGeom>
-              <a:solidFill>
-                <a:srgbClr val="ED721F"/>
-              </a:solidFill>
-            </p:spPr>
-            <p:txBody>
-              <a:bodyPr wrap="square">
-                <a:spAutoFit/>
-              </a:bodyPr>
-              <a:lstStyle/>
-              <a:p>
-                <a:pPr/>
-                <a14:m>
-                  <m:oMathPara xmlns:m="http://schemas.openxmlformats.org/officeDocument/2006/math">
-                    <m:oMathParaPr>
-                      <m:jc m:val="centerGroup"/>
-                    </m:oMathParaPr>
-                    <m:oMath xmlns:m="http://schemas.openxmlformats.org/officeDocument/2006/math">
-                      <m:sSub>
-                        <m:sSubPr>
-                          <m:ctrlPr>
-                            <a:rPr lang="en-US" altLang="zh-CN" i="1" smtClean="0">
-                              <a:solidFill>
-                                <a:schemeClr val="tx1"/>
-                              </a:solidFill>
-                              <a:latin typeface="Cambria Math" panose="02040503050406030204" pitchFamily="18" charset="0"/>
-                            </a:rPr>
-                          </m:ctrlPr>
-                        </m:sSubPr>
-                        <m:e>
-                          <m:r>
-                            <a:rPr lang="en-US" altLang="zh-CN" b="0" i="1" smtClean="0">
-                              <a:solidFill>
-                                <a:schemeClr val="tx1"/>
-                              </a:solidFill>
-                              <a:latin typeface="Cambria Math" panose="02040503050406030204" pitchFamily="18" charset="0"/>
-                            </a:rPr>
-                            <m:t>𝐷</m:t>
-                          </m:r>
-                        </m:e>
-                        <m:sub>
-                          <m:r>
-                            <a:rPr lang="en-US" altLang="zh-CN" b="0" i="1" smtClean="0">
-                              <a:solidFill>
-                                <a:schemeClr val="tx1"/>
-                              </a:solidFill>
-                              <a:latin typeface="Cambria Math" panose="02040503050406030204" pitchFamily="18" charset="0"/>
-                            </a:rPr>
-                            <m:t>𝐸</m:t>
-                          </m:r>
-                        </m:sub>
-                      </m:sSub>
-                      <m:r>
-                        <a:rPr lang="en-US" altLang="zh-CN" b="0" i="1" smtClean="0">
-                          <a:solidFill>
-                            <a:schemeClr val="tx1"/>
-                          </a:solidFill>
-                          <a:latin typeface="Cambria Math" panose="02040503050406030204" pitchFamily="18" charset="0"/>
-                        </a:rPr>
-                        <m:t> </m:t>
-                      </m:r>
-                    </m:oMath>
-                  </m:oMathPara>
-                </a14:m>
-                <a:endParaRPr lang="zh-CN" altLang="en-US" dirty="0"/>
-              </a:p>
-            </p:txBody>
-          </p:sp>
-        </mc:Choice>
-        <mc:Fallback>
-          <p:sp>
-            <p:nvSpPr>
-              <p:cNvPr id="37" name="文本框 36">
-                <a:extLst>
-                  <a:ext uri="{FF2B5EF4-FFF2-40B4-BE49-F238E27FC236}">
-                    <a16:creationId xmlns:a16="http://schemas.microsoft.com/office/drawing/2014/main" id="{4408B8B1-10C6-9888-5542-A621A8EFD164}"/>
-                  </a:ext>
-                </a:extLst>
-              </p:cNvPr>
-              <p:cNvSpPr txBox="1">
-                <a:spLocks noRot="1" noChangeAspect="1" noMove="1" noResize="1" noEditPoints="1" noAdjustHandles="1" noChangeArrowheads="1" noChangeShapeType="1" noTextEdit="1"/>
-              </p:cNvSpPr>
-              <p:nvPr/>
-            </p:nvSpPr>
-            <p:spPr>
-              <a:xfrm>
-                <a:off x="9512557" y="4746578"/>
-                <a:ext cx="373792" cy="369332"/>
-              </a:xfrm>
-              <a:prstGeom prst="rect">
-                <a:avLst/>
-              </a:prstGeom>
-              <a:blipFill>
-                <a:blip r:embed="rId16"/>
-                <a:stretch>
-                  <a:fillRect r="-11290"/>
-                </a:stretch>
-              </a:blipFill>
-            </p:spPr>
-            <p:txBody>
-              <a:bodyPr/>
-              <a:lstStyle/>
-              <a:p>
-                <a:r>
-                  <a:rPr lang="zh-CN" altLang="en-US">
-                    <a:noFill/>
-                  </a:rPr>
-                  <a:t> </a:t>
-                </a:r>
-              </a:p>
-            </p:txBody>
-          </p:sp>
-        </mc:Fallback>
-      </mc:AlternateContent>
-      <mc:AlternateContent xmlns:mc="http://schemas.openxmlformats.org/markup-compatibility/2006">
-        <mc:Choice xmlns:a14="http://schemas.microsoft.com/office/drawing/2010/main" Requires="a14">
-          <p:sp>
-            <p:nvSpPr>
-              <p:cNvPr id="38" name="文本框 37">
-                <a:extLst>
-                  <a:ext uri="{FF2B5EF4-FFF2-40B4-BE49-F238E27FC236}">
-                    <a16:creationId xmlns:a16="http://schemas.microsoft.com/office/drawing/2014/main" id="{EBE61763-4A2F-9E43-BB0A-D29BC5CDE1B4}"/>
-                  </a:ext>
-                </a:extLst>
-              </p:cNvPr>
-              <p:cNvSpPr txBox="1"/>
-              <p:nvPr/>
-            </p:nvSpPr>
-            <p:spPr>
-              <a:xfrm>
-                <a:off x="9161118" y="4800971"/>
-                <a:ext cx="373792" cy="369332"/>
-              </a:xfrm>
-              <a:prstGeom prst="rect">
-                <a:avLst/>
-              </a:prstGeom>
-              <a:noFill/>
-            </p:spPr>
-            <p:txBody>
-              <a:bodyPr wrap="square">
-                <a:spAutoFit/>
-              </a:bodyPr>
-              <a:lstStyle/>
-              <a:p>
-                <a:pPr/>
-                <a14:m>
-                  <m:oMathPara xmlns:m="http://schemas.openxmlformats.org/officeDocument/2006/math">
-                    <m:oMathParaPr>
-                      <m:jc m:val="centerGroup"/>
-                    </m:oMathParaPr>
-                    <m:oMath xmlns:m="http://schemas.openxmlformats.org/officeDocument/2006/math">
-                      <m:r>
-                        <a:rPr lang="en-US" altLang="zh-CN" i="1" smtClean="0">
-                          <a:solidFill>
-                            <a:schemeClr val="tx1"/>
-                          </a:solidFill>
-                          <a:latin typeface="Cambria Math" panose="02040503050406030204" pitchFamily="18" charset="0"/>
-                        </a:rPr>
-                        <m:t>…</m:t>
-                      </m:r>
-                    </m:oMath>
-                  </m:oMathPara>
-                </a14:m>
-                <a:endParaRPr lang="zh-CN" altLang="en-US" dirty="0"/>
-              </a:p>
-            </p:txBody>
-          </p:sp>
-        </mc:Choice>
-        <mc:Fallback>
-          <p:sp>
-            <p:nvSpPr>
-              <p:cNvPr id="38" name="文本框 37">
-                <a:extLst>
-                  <a:ext uri="{FF2B5EF4-FFF2-40B4-BE49-F238E27FC236}">
-                    <a16:creationId xmlns:a16="http://schemas.microsoft.com/office/drawing/2014/main" id="{EBE61763-4A2F-9E43-BB0A-D29BC5CDE1B4}"/>
-                  </a:ext>
-                </a:extLst>
-              </p:cNvPr>
-              <p:cNvSpPr txBox="1">
-                <a:spLocks noRot="1" noChangeAspect="1" noMove="1" noResize="1" noEditPoints="1" noAdjustHandles="1" noChangeArrowheads="1" noChangeShapeType="1" noTextEdit="1"/>
-              </p:cNvSpPr>
-              <p:nvPr/>
-            </p:nvSpPr>
-            <p:spPr>
-              <a:xfrm>
-                <a:off x="9161118" y="4800971"/>
-                <a:ext cx="373792" cy="369332"/>
-              </a:xfrm>
-              <a:prstGeom prst="rect">
-                <a:avLst/>
-              </a:prstGeom>
-              <a:blipFill>
-                <a:blip r:embed="rId17"/>
-                <a:stretch>
-                  <a:fillRect/>
-                </a:stretch>
-              </a:blipFill>
-            </p:spPr>
-            <p:txBody>
-              <a:bodyPr/>
-              <a:lstStyle/>
-              <a:p>
-                <a:r>
-                  <a:rPr lang="zh-CN" altLang="en-US">
-                    <a:noFill/>
-                  </a:rPr>
-                  <a:t> </a:t>
-                </a:r>
-              </a:p>
-            </p:txBody>
-          </p:sp>
-        </mc:Fallback>
-      </mc:AlternateContent>
-    </p:spTree>
-    <p:extLst>
-      <p:ext uri="{BB962C8B-B14F-4D97-AF65-F5344CB8AC3E}">
-        <p14:creationId xmlns:p14="http://schemas.microsoft.com/office/powerpoint/2010/main" val="2882057472"/>
       </p:ext>
     </p:extLst>
   </p:cSld>
@@ -31846,8 +32934,8 @@
             <a:chExt cx="8788742" cy="1440523"/>
           </a:xfrm>
         </p:grpSpPr>
-        <mc:AlternateContent xmlns:mc="http://schemas.openxmlformats.org/markup-compatibility/2006">
-          <mc:Choice xmlns:a14="http://schemas.microsoft.com/office/drawing/2010/main" Requires="a14">
+        <mc:AlternateContent xmlns:mc="http://schemas.openxmlformats.org/markup-compatibility/2006" xmlns:a14="http://schemas.microsoft.com/office/drawing/2010/main">
+          <mc:Choice Requires="a14">
             <p:sp>
               <p:nvSpPr>
                 <p:cNvPr id="5" name="文本框 4">
@@ -32331,7 +33419,7 @@
               </p:txBody>
             </p:sp>
           </mc:Choice>
-          <mc:Fallback>
+          <mc:Fallback xmlns="">
             <p:sp>
               <p:nvSpPr>
                 <p:cNvPr id="5" name="文本框 4">
@@ -32434,8 +33522,8 @@
           </p:txBody>
         </p:sp>
       </p:grpSp>
-      <mc:AlternateContent xmlns:mc="http://schemas.openxmlformats.org/markup-compatibility/2006">
-        <mc:Choice xmlns:a14="http://schemas.microsoft.com/office/drawing/2010/main" Requires="a14">
+      <mc:AlternateContent xmlns:mc="http://schemas.openxmlformats.org/markup-compatibility/2006" xmlns:a14="http://schemas.microsoft.com/office/drawing/2010/main">
+        <mc:Choice Requires="a14">
           <p:sp>
             <p:nvSpPr>
               <p:cNvPr id="7" name="文本框 6">
@@ -32788,7 +33876,7 @@
             </p:txBody>
           </p:sp>
         </mc:Choice>
-        <mc:Fallback>
+        <mc:Fallback xmlns="">
           <p:sp>
             <p:nvSpPr>
               <p:cNvPr id="7" name="文本框 6">
@@ -33025,8 +34113,8 @@
             <a:chExt cx="8998787" cy="1517275"/>
           </a:xfrm>
         </p:grpSpPr>
-        <mc:AlternateContent xmlns:mc="http://schemas.openxmlformats.org/markup-compatibility/2006">
-          <mc:Choice xmlns:a14="http://schemas.microsoft.com/office/drawing/2010/main" Requires="a14">
+        <mc:AlternateContent xmlns:mc="http://schemas.openxmlformats.org/markup-compatibility/2006" xmlns:a14="http://schemas.microsoft.com/office/drawing/2010/main">
+          <mc:Choice Requires="a14">
             <p:sp>
               <p:nvSpPr>
                 <p:cNvPr id="5" name="文本框 4">
@@ -33531,7 +34619,7 @@
               </p:txBody>
             </p:sp>
           </mc:Choice>
-          <mc:Fallback>
+          <mc:Fallback xmlns="">
             <p:sp>
               <p:nvSpPr>
                 <p:cNvPr id="5" name="文本框 4">
@@ -33690,8 +34778,8 @@
           </a:p>
         </p:txBody>
       </p:sp>
-      <mc:AlternateContent xmlns:mc="http://schemas.openxmlformats.org/markup-compatibility/2006">
-        <mc:Choice xmlns:a14="http://schemas.microsoft.com/office/drawing/2010/main" Requires="a14">
+      <mc:AlternateContent xmlns:mc="http://schemas.openxmlformats.org/markup-compatibility/2006" xmlns:a14="http://schemas.microsoft.com/office/drawing/2010/main">
+        <mc:Choice Requires="a14">
           <p:sp>
             <p:nvSpPr>
               <p:cNvPr id="3" name="文本框 2">
@@ -33817,7 +34905,7 @@
             </p:txBody>
           </p:sp>
         </mc:Choice>
-        <mc:Fallback>
+        <mc:Fallback xmlns="">
           <p:sp>
             <p:nvSpPr>
               <p:cNvPr id="3" name="文本框 2">
@@ -34046,8 +35134,8 @@
             <a:chExt cx="9482537" cy="1344407"/>
           </a:xfrm>
         </p:grpSpPr>
-        <mc:AlternateContent xmlns:mc="http://schemas.openxmlformats.org/markup-compatibility/2006">
-          <mc:Choice xmlns:a14="http://schemas.microsoft.com/office/drawing/2010/main" Requires="a14">
+        <mc:AlternateContent xmlns:mc="http://schemas.openxmlformats.org/markup-compatibility/2006" xmlns:a14="http://schemas.microsoft.com/office/drawing/2010/main">
+          <mc:Choice Requires="a14">
             <p:sp>
               <p:nvSpPr>
                 <p:cNvPr id="5" name="文本框 4">
@@ -34790,7 +35878,7 @@
               </p:txBody>
             </p:sp>
           </mc:Choice>
-          <mc:Fallback>
+          <mc:Fallback xmlns="">
             <p:sp>
               <p:nvSpPr>
                 <p:cNvPr id="5" name="文本框 4">
@@ -34893,8 +35981,8 @@
           </p:txBody>
         </p:sp>
       </p:grpSp>
-      <mc:AlternateContent xmlns:mc="http://schemas.openxmlformats.org/markup-compatibility/2006">
-        <mc:Choice xmlns:a14="http://schemas.microsoft.com/office/drawing/2010/main" Requires="a14">
+      <mc:AlternateContent xmlns:mc="http://schemas.openxmlformats.org/markup-compatibility/2006" xmlns:a14="http://schemas.microsoft.com/office/drawing/2010/main">
+        <mc:Choice Requires="a14">
           <p:sp>
             <p:nvSpPr>
               <p:cNvPr id="7" name="文本框 6">
@@ -35082,7 +36170,7 @@
             </p:txBody>
           </p:sp>
         </mc:Choice>
-        <mc:Fallback>
+        <mc:Fallback xmlns="">
           <p:sp>
             <p:nvSpPr>
               <p:cNvPr id="7" name="文本框 6">
@@ -35127,8 +36215,8 @@
           </p:sp>
         </mc:Fallback>
       </mc:AlternateContent>
-      <mc:AlternateContent xmlns:mc="http://schemas.openxmlformats.org/markup-compatibility/2006">
-        <mc:Choice xmlns:a14="http://schemas.microsoft.com/office/drawing/2010/main" Requires="a14">
+      <mc:AlternateContent xmlns:mc="http://schemas.openxmlformats.org/markup-compatibility/2006" xmlns:a14="http://schemas.microsoft.com/office/drawing/2010/main">
+        <mc:Choice Requires="a14">
           <p:sp>
             <p:nvSpPr>
               <p:cNvPr id="3" name="文本框 2">
@@ -35284,7 +36372,7 @@
             </p:txBody>
           </p:sp>
         </mc:Choice>
-        <mc:Fallback>
+        <mc:Fallback xmlns="">
           <p:sp>
             <p:nvSpPr>
               <p:cNvPr id="3" name="文本框 2">
@@ -35545,8 +36633,8 @@
           </a:p>
         </p:txBody>
       </p:sp>
-      <mc:AlternateContent xmlns:mc="http://schemas.openxmlformats.org/markup-compatibility/2006">
-        <mc:Choice xmlns:a14="http://schemas.microsoft.com/office/drawing/2010/main" Requires="a14">
+      <mc:AlternateContent xmlns:mc="http://schemas.openxmlformats.org/markup-compatibility/2006" xmlns:a14="http://schemas.microsoft.com/office/drawing/2010/main">
+        <mc:Choice Requires="a14">
           <p:sp>
             <p:nvSpPr>
               <p:cNvPr id="9" name="文本框 8">
@@ -35791,7 +36879,7 @@
             </p:txBody>
           </p:sp>
         </mc:Choice>
-        <mc:Fallback>
+        <mc:Fallback xmlns="">
           <p:sp>
             <p:nvSpPr>
               <p:cNvPr id="9" name="文本框 8">
@@ -35836,8 +36924,8 @@
           </p:sp>
         </mc:Fallback>
       </mc:AlternateContent>
-      <mc:AlternateContent xmlns:mc="http://schemas.openxmlformats.org/markup-compatibility/2006">
-        <mc:Choice xmlns:a14="http://schemas.microsoft.com/office/drawing/2010/main" Requires="a14">
+      <mc:AlternateContent xmlns:mc="http://schemas.openxmlformats.org/markup-compatibility/2006" xmlns:a14="http://schemas.microsoft.com/office/drawing/2010/main">
+        <mc:Choice Requires="a14">
           <p:sp>
             <p:nvSpPr>
               <p:cNvPr id="11" name="文本框 10">
@@ -36030,7 +37118,7 @@
             </p:txBody>
           </p:sp>
         </mc:Choice>
-        <mc:Fallback>
+        <mc:Fallback xmlns="">
           <p:sp>
             <p:nvSpPr>
               <p:cNvPr id="11" name="文本框 10">
@@ -36115,8 +37203,8 @@
               <a:chExt cx="7169719" cy="523115"/>
             </a:xfrm>
           </p:grpSpPr>
-          <mc:AlternateContent xmlns:mc="http://schemas.openxmlformats.org/markup-compatibility/2006">
-            <mc:Choice xmlns:a14="http://schemas.microsoft.com/office/drawing/2010/main" Requires="a14">
+          <mc:AlternateContent xmlns:mc="http://schemas.openxmlformats.org/markup-compatibility/2006" xmlns:a14="http://schemas.microsoft.com/office/drawing/2010/main">
+            <mc:Choice Requires="a14">
               <p:sp>
                 <p:nvSpPr>
                   <p:cNvPr id="10" name="文本框 9">
@@ -36480,7 +37568,7 @@
                 </p:txBody>
               </p:sp>
             </mc:Choice>
-            <mc:Fallback>
+            <mc:Fallback xmlns="">
               <p:sp>
                 <p:nvSpPr>
                   <p:cNvPr id="10" name="文本框 9">
